--- a/Presentation/Gruppe10(Präsentation1).pptx
+++ b/Presentation/Gruppe10(Präsentation1).pptx
@@ -3523,13 +3523,16 @@
           <a:p>
             <a:r>
               <a:rPr lang="de-CH" dirty="0"/>
-              <a:t>Security </a:t>
+              <a:t>Der Security </a:t>
             </a:r>
             <a:r>
               <a:rPr lang="de-CH" dirty="0" err="1"/>
-              <a:t>guard</a:t>
-            </a:r>
-            <a:endParaRPr lang="de-CH" dirty="0"/>
+              <a:t>Guard</a:t>
+            </a:r>
+            <a:r>
+              <a:rPr lang="de-CH" dirty="0"/>
+              <a:t> gewinnt, wenn die Roboter ausgeschaltet und die Ziege gefangen sind.</a:t>
+            </a:r>
           </a:p>
         </p:txBody>
       </p:sp>
@@ -3861,11 +3864,11 @@
             </a:r>
             <a:r>
               <a:rPr lang="de-CH" sz="1800" dirty="0" err="1"/>
-              <a:t>guard</a:t>
+              <a:t>Guard</a:t>
             </a:r>
             <a:r>
               <a:rPr lang="de-CH" sz="1800" dirty="0"/>
-              <a:t>:</a:t>
+              <a:t>: Ziegen fangen und Roboter deaktivieren</a:t>
             </a:r>
           </a:p>
           <a:p>
@@ -4004,7 +4007,7 @@
           <a:p>
             <a:r>
               <a:rPr lang="de-CH" dirty="0"/>
-              <a:t>Roboter und Ziegen </a:t>
+              <a:t>Die Roboter und die Ziege sehen in einem Radius </a:t>
             </a:r>
           </a:p>
           <a:p>
@@ -4106,21 +4109,8 @@
           <a:p>
             <a:r>
               <a:rPr lang="de-CH" sz="2000" dirty="0"/>
-              <a:t>User </a:t>
-            </a:r>
-            <a:r>
-              <a:rPr lang="de-CH" sz="2000" dirty="0" err="1"/>
-              <a:t>input</a:t>
-            </a:r>
-            <a:r>
-              <a:rPr lang="de-CH" sz="2000" dirty="0"/>
-              <a:t> </a:t>
-            </a:r>
-            <a:r>
-              <a:rPr lang="de-CH" sz="2000" dirty="0" err="1"/>
-              <a:t>handling</a:t>
-            </a:r>
-            <a:endParaRPr lang="de-CH" sz="2000" dirty="0"/>
+              <a:t>User Input Handling</a:t>
+            </a:r>
           </a:p>
           <a:p>
             <a:r>
@@ -4135,7 +4125,7 @@
             </a:r>
             <a:r>
               <a:rPr lang="de-CH" sz="2000" dirty="0" err="1"/>
-              <a:t>logic</a:t>
+              <a:t>Logic</a:t>
             </a:r>
             <a:endParaRPr lang="de-CH" sz="2000" dirty="0"/>
           </a:p>
@@ -4245,13 +4235,8 @@
             </a:pPr>
             <a:r>
               <a:rPr lang="de-CH" sz="2000" dirty="0"/>
-              <a:t>Client </a:t>
-            </a:r>
-            <a:r>
-              <a:rPr lang="de-CH" sz="2000" dirty="0" err="1"/>
-              <a:t>communication</a:t>
-            </a:r>
-            <a:endParaRPr lang="de-CH" sz="2000" dirty="0"/>
+              <a:t>Client Communication</a:t>
+            </a:r>
           </a:p>
           <a:p>
             <a:pPr marL="228600" indent="-228600">

--- a/Presentation/Gruppe10(Präsentation1).pptx
+++ b/Presentation/Gruppe10(Präsentation1).pptx
@@ -2,7 +2,7 @@
 <file path=ppt/presentation.xml><?xml version="1.0" encoding="utf-8"?>
 <p:presentation xmlns:a="http://schemas.openxmlformats.org/drawingml/2006/main" xmlns:r="http://schemas.openxmlformats.org/officeDocument/2006/relationships" xmlns:p="http://schemas.openxmlformats.org/presentationml/2006/main" saveSubsetFonts="1">
   <p:sldMasterIdLst>
-    <p:sldMasterId id="2147483648" r:id="rId1"/>
+    <p:sldMasterId id="2147483708" r:id="rId1"/>
   </p:sldMasterIdLst>
   <p:sldIdLst>
     <p:sldId id="256" r:id="rId2"/>
@@ -18,9 +18,9 @@
   <p:notesSz cx="6858000" cy="9144000"/>
   <p:defaultTextStyle>
     <a:defPPr>
-      <a:defRPr lang="de-DE"/>
+      <a:defRPr lang="en-US"/>
     </a:defPPr>
-    <a:lvl1pPr marL="0" algn="l" defTabSz="914400" rtl="0" eaLnBrk="1" latinLnBrk="0" hangingPunct="1">
+    <a:lvl1pPr marL="0" algn="l" defTabSz="457200" rtl="0" eaLnBrk="1" latinLnBrk="0" hangingPunct="1">
       <a:defRPr sz="1800" kern="1200">
         <a:solidFill>
           <a:schemeClr val="tx1"/>
@@ -30,7 +30,7 @@
         <a:cs typeface="+mn-cs"/>
       </a:defRPr>
     </a:lvl1pPr>
-    <a:lvl2pPr marL="457200" algn="l" defTabSz="914400" rtl="0" eaLnBrk="1" latinLnBrk="0" hangingPunct="1">
+    <a:lvl2pPr marL="457200" algn="l" defTabSz="457200" rtl="0" eaLnBrk="1" latinLnBrk="0" hangingPunct="1">
       <a:defRPr sz="1800" kern="1200">
         <a:solidFill>
           <a:schemeClr val="tx1"/>
@@ -40,7 +40,7 @@
         <a:cs typeface="+mn-cs"/>
       </a:defRPr>
     </a:lvl2pPr>
-    <a:lvl3pPr marL="914400" algn="l" defTabSz="914400" rtl="0" eaLnBrk="1" latinLnBrk="0" hangingPunct="1">
+    <a:lvl3pPr marL="914400" algn="l" defTabSz="457200" rtl="0" eaLnBrk="1" latinLnBrk="0" hangingPunct="1">
       <a:defRPr sz="1800" kern="1200">
         <a:solidFill>
           <a:schemeClr val="tx1"/>
@@ -50,7 +50,7 @@
         <a:cs typeface="+mn-cs"/>
       </a:defRPr>
     </a:lvl3pPr>
-    <a:lvl4pPr marL="1371600" algn="l" defTabSz="914400" rtl="0" eaLnBrk="1" latinLnBrk="0" hangingPunct="1">
+    <a:lvl4pPr marL="1371600" algn="l" defTabSz="457200" rtl="0" eaLnBrk="1" latinLnBrk="0" hangingPunct="1">
       <a:defRPr sz="1800" kern="1200">
         <a:solidFill>
           <a:schemeClr val="tx1"/>
@@ -60,7 +60,7 @@
         <a:cs typeface="+mn-cs"/>
       </a:defRPr>
     </a:lvl4pPr>
-    <a:lvl5pPr marL="1828800" algn="l" defTabSz="914400" rtl="0" eaLnBrk="1" latinLnBrk="0" hangingPunct="1">
+    <a:lvl5pPr marL="1828800" algn="l" defTabSz="457200" rtl="0" eaLnBrk="1" latinLnBrk="0" hangingPunct="1">
       <a:defRPr sz="1800" kern="1200">
         <a:solidFill>
           <a:schemeClr val="tx1"/>
@@ -70,7 +70,7 @@
         <a:cs typeface="+mn-cs"/>
       </a:defRPr>
     </a:lvl5pPr>
-    <a:lvl6pPr marL="2286000" algn="l" defTabSz="914400" rtl="0" eaLnBrk="1" latinLnBrk="0" hangingPunct="1">
+    <a:lvl6pPr marL="2286000" algn="l" defTabSz="457200" rtl="0" eaLnBrk="1" latinLnBrk="0" hangingPunct="1">
       <a:defRPr sz="1800" kern="1200">
         <a:solidFill>
           <a:schemeClr val="tx1"/>
@@ -80,7 +80,7 @@
         <a:cs typeface="+mn-cs"/>
       </a:defRPr>
     </a:lvl6pPr>
-    <a:lvl7pPr marL="2743200" algn="l" defTabSz="914400" rtl="0" eaLnBrk="1" latinLnBrk="0" hangingPunct="1">
+    <a:lvl7pPr marL="2743200" algn="l" defTabSz="457200" rtl="0" eaLnBrk="1" latinLnBrk="0" hangingPunct="1">
       <a:defRPr sz="1800" kern="1200">
         <a:solidFill>
           <a:schemeClr val="tx1"/>
@@ -90,7 +90,7 @@
         <a:cs typeface="+mn-cs"/>
       </a:defRPr>
     </a:lvl7pPr>
-    <a:lvl8pPr marL="3200400" algn="l" defTabSz="914400" rtl="0" eaLnBrk="1" latinLnBrk="0" hangingPunct="1">
+    <a:lvl8pPr marL="3200400" algn="l" defTabSz="457200" rtl="0" eaLnBrk="1" latinLnBrk="0" hangingPunct="1">
       <a:defRPr sz="1800" kern="1200">
         <a:solidFill>
           <a:schemeClr val="tx1"/>
@@ -100,7 +100,7 @@
         <a:cs typeface="+mn-cs"/>
       </a:defRPr>
     </a:lvl8pPr>
-    <a:lvl9pPr marL="3657600" algn="l" defTabSz="914400" rtl="0" eaLnBrk="1" latinLnBrk="0" hangingPunct="1">
+    <a:lvl9pPr marL="3657600" algn="l" defTabSz="457200" rtl="0" eaLnBrk="1" latinLnBrk="0" hangingPunct="1">
       <a:defRPr sz="1800" kern="1200">
         <a:solidFill>
           <a:schemeClr val="tx1"/>
@@ -120,7 +120,7 @@
 </file>
 
 <file path=ppt/slideLayouts/slideLayout1.xml><?xml version="1.0" encoding="utf-8"?>
-<p:sldLayout xmlns:a="http://schemas.openxmlformats.org/drawingml/2006/main" xmlns:r="http://schemas.openxmlformats.org/officeDocument/2006/relationships" xmlns:p="http://schemas.openxmlformats.org/presentationml/2006/main" type="title" preserve="1">
+<p:sldLayout xmlns:a="http://schemas.openxmlformats.org/drawingml/2006/main" xmlns:r="http://schemas.openxmlformats.org/officeDocument/2006/relationships" xmlns:p="http://schemas.openxmlformats.org/presentationml/2006/main" showMasterSp="0" type="title" preserve="1">
   <p:cSld name="Title Slide">
     <p:spTree>
       <p:nvGrpSpPr>
@@ -136,15 +136,322 @@
           <a:chExt cx="0" cy="0"/>
         </a:xfrm>
       </p:grpSpPr>
-      <p:sp>
-        <p:nvSpPr>
-          <p:cNvPr id="2" name="Title 1">
-            <a:extLst>
-              <a:ext uri="{FF2B5EF4-FFF2-40B4-BE49-F238E27FC236}">
-                <a16:creationId xmlns:a16="http://schemas.microsoft.com/office/drawing/2014/main" id="{4DF4C711-D9C1-2F26-EE58-E8BB071670B4}"/>
-              </a:ext>
-            </a:extLst>
-          </p:cNvPr>
+      <p:grpSp>
+        <p:nvGrpSpPr>
+          <p:cNvPr id="19" name="Group 18"/>
+          <p:cNvGrpSpPr/>
+          <p:nvPr/>
+        </p:nvGrpSpPr>
+        <p:grpSpPr>
+          <a:xfrm>
+            <a:off x="546100" y="-4763"/>
+            <a:ext cx="5014912" cy="6862763"/>
+            <a:chOff x="2928938" y="-4763"/>
+            <a:chExt cx="5014912" cy="6862763"/>
+          </a:xfrm>
+        </p:grpSpPr>
+        <p:sp>
+          <p:nvSpPr>
+            <p:cNvPr id="22" name="Freeform 6"/>
+            <p:cNvSpPr/>
+            <p:nvPr/>
+          </p:nvSpPr>
+          <p:spPr bwMode="auto">
+            <a:xfrm>
+              <a:off x="3367088" y="-4763"/>
+              <a:ext cx="1063625" cy="2782888"/>
+            </a:xfrm>
+            <a:custGeom>
+              <a:avLst/>
+              <a:gdLst/>
+              <a:ahLst/>
+              <a:cxnLst/>
+              <a:rect l="0" t="0" r="r" b="b"/>
+              <a:pathLst>
+                <a:path w="670" h="1753">
+                  <a:moveTo>
+                    <a:pt x="0" y="1696"/>
+                  </a:moveTo>
+                  <a:lnTo>
+                    <a:pt x="225" y="1753"/>
+                  </a:lnTo>
+                  <a:lnTo>
+                    <a:pt x="670" y="0"/>
+                  </a:lnTo>
+                  <a:lnTo>
+                    <a:pt x="430" y="0"/>
+                  </a:lnTo>
+                  <a:lnTo>
+                    <a:pt x="0" y="1696"/>
+                  </a:lnTo>
+                  <a:close/>
+                </a:path>
+              </a:pathLst>
+            </a:custGeom>
+            <a:solidFill>
+              <a:schemeClr val="accent1"/>
+            </a:solidFill>
+            <a:ln>
+              <a:noFill/>
+            </a:ln>
+          </p:spPr>
+        </p:sp>
+        <p:sp>
+          <p:nvSpPr>
+            <p:cNvPr id="23" name="Freeform 7"/>
+            <p:cNvSpPr/>
+            <p:nvPr/>
+          </p:nvSpPr>
+          <p:spPr bwMode="auto">
+            <a:xfrm>
+              <a:off x="2928938" y="-4763"/>
+              <a:ext cx="1035050" cy="2673350"/>
+            </a:xfrm>
+            <a:custGeom>
+              <a:avLst/>
+              <a:gdLst/>
+              <a:ahLst/>
+              <a:cxnLst/>
+              <a:rect l="0" t="0" r="r" b="b"/>
+              <a:pathLst>
+                <a:path w="652" h="1684">
+                  <a:moveTo>
+                    <a:pt x="225" y="1684"/>
+                  </a:moveTo>
+                  <a:lnTo>
+                    <a:pt x="652" y="0"/>
+                  </a:lnTo>
+                  <a:lnTo>
+                    <a:pt x="411" y="0"/>
+                  </a:lnTo>
+                  <a:lnTo>
+                    <a:pt x="0" y="1627"/>
+                  </a:lnTo>
+                  <a:lnTo>
+                    <a:pt x="219" y="1681"/>
+                  </a:lnTo>
+                  <a:lnTo>
+                    <a:pt x="225" y="1684"/>
+                  </a:lnTo>
+                  <a:close/>
+                </a:path>
+              </a:pathLst>
+            </a:custGeom>
+            <a:solidFill>
+              <a:schemeClr val="tx1">
+                <a:lumMod val="65000"/>
+                <a:lumOff val="35000"/>
+              </a:schemeClr>
+            </a:solidFill>
+            <a:ln>
+              <a:noFill/>
+            </a:ln>
+          </p:spPr>
+        </p:sp>
+        <p:sp>
+          <p:nvSpPr>
+            <p:cNvPr id="24" name="Freeform 9"/>
+            <p:cNvSpPr/>
+            <p:nvPr/>
+          </p:nvSpPr>
+          <p:spPr bwMode="auto">
+            <a:xfrm>
+              <a:off x="2928938" y="2582862"/>
+              <a:ext cx="2693987" cy="4275138"/>
+            </a:xfrm>
+            <a:custGeom>
+              <a:avLst/>
+              <a:gdLst/>
+              <a:ahLst/>
+              <a:cxnLst/>
+              <a:rect l="0" t="0" r="r" b="b"/>
+              <a:pathLst>
+                <a:path w="1697" h="2693">
+                  <a:moveTo>
+                    <a:pt x="0" y="0"/>
+                  </a:moveTo>
+                  <a:lnTo>
+                    <a:pt x="1622" y="2693"/>
+                  </a:lnTo>
+                  <a:lnTo>
+                    <a:pt x="1697" y="2693"/>
+                  </a:lnTo>
+                  <a:lnTo>
+                    <a:pt x="0" y="0"/>
+                  </a:lnTo>
+                  <a:close/>
+                </a:path>
+              </a:pathLst>
+            </a:custGeom>
+            <a:solidFill>
+              <a:schemeClr val="tx1">
+                <a:lumMod val="85000"/>
+                <a:lumOff val="15000"/>
+              </a:schemeClr>
+            </a:solidFill>
+            <a:ln>
+              <a:noFill/>
+            </a:ln>
+          </p:spPr>
+        </p:sp>
+        <p:sp>
+          <p:nvSpPr>
+            <p:cNvPr id="25" name="Freeform 10"/>
+            <p:cNvSpPr/>
+            <p:nvPr/>
+          </p:nvSpPr>
+          <p:spPr bwMode="auto">
+            <a:xfrm>
+              <a:off x="3371850" y="2692400"/>
+              <a:ext cx="3332162" cy="4165600"/>
+            </a:xfrm>
+            <a:custGeom>
+              <a:avLst/>
+              <a:gdLst/>
+              <a:ahLst/>
+              <a:cxnLst/>
+              <a:rect l="0" t="0" r="r" b="b"/>
+              <a:pathLst>
+                <a:path w="2099" h="2624">
+                  <a:moveTo>
+                    <a:pt x="2099" y="2624"/>
+                  </a:moveTo>
+                  <a:lnTo>
+                    <a:pt x="0" y="0"/>
+                  </a:lnTo>
+                  <a:lnTo>
+                    <a:pt x="2021" y="2624"/>
+                  </a:lnTo>
+                  <a:lnTo>
+                    <a:pt x="2099" y="2624"/>
+                  </a:lnTo>
+                  <a:close/>
+                </a:path>
+              </a:pathLst>
+            </a:custGeom>
+            <a:solidFill>
+              <a:schemeClr val="accent1">
+                <a:lumMod val="50000"/>
+              </a:schemeClr>
+            </a:solidFill>
+            <a:ln>
+              <a:noFill/>
+            </a:ln>
+          </p:spPr>
+        </p:sp>
+        <p:sp>
+          <p:nvSpPr>
+            <p:cNvPr id="26" name="Freeform 11"/>
+            <p:cNvSpPr/>
+            <p:nvPr/>
+          </p:nvSpPr>
+          <p:spPr bwMode="auto">
+            <a:xfrm>
+              <a:off x="3367088" y="2687637"/>
+              <a:ext cx="4576762" cy="4170363"/>
+            </a:xfrm>
+            <a:custGeom>
+              <a:avLst/>
+              <a:gdLst/>
+              <a:ahLst/>
+              <a:cxnLst/>
+              <a:rect l="0" t="0" r="r" b="b"/>
+              <a:pathLst>
+                <a:path w="2883" h="2627">
+                  <a:moveTo>
+                    <a:pt x="0" y="0"/>
+                  </a:moveTo>
+                  <a:lnTo>
+                    <a:pt x="3" y="3"/>
+                  </a:lnTo>
+                  <a:lnTo>
+                    <a:pt x="2102" y="2627"/>
+                  </a:lnTo>
+                  <a:lnTo>
+                    <a:pt x="2883" y="2627"/>
+                  </a:lnTo>
+                  <a:lnTo>
+                    <a:pt x="225" y="57"/>
+                  </a:lnTo>
+                  <a:lnTo>
+                    <a:pt x="0" y="0"/>
+                  </a:lnTo>
+                  <a:close/>
+                </a:path>
+              </a:pathLst>
+            </a:custGeom>
+            <a:solidFill>
+              <a:schemeClr val="accent1">
+                <a:lumMod val="75000"/>
+              </a:schemeClr>
+            </a:solidFill>
+            <a:ln>
+              <a:noFill/>
+            </a:ln>
+          </p:spPr>
+        </p:sp>
+        <p:sp>
+          <p:nvSpPr>
+            <p:cNvPr id="27" name="Freeform 12"/>
+            <p:cNvSpPr/>
+            <p:nvPr/>
+          </p:nvSpPr>
+          <p:spPr bwMode="auto">
+            <a:xfrm>
+              <a:off x="2928938" y="2578100"/>
+              <a:ext cx="3584575" cy="4279900"/>
+            </a:xfrm>
+            <a:custGeom>
+              <a:avLst/>
+              <a:gdLst/>
+              <a:ahLst/>
+              <a:cxnLst/>
+              <a:rect l="0" t="0" r="r" b="b"/>
+              <a:pathLst>
+                <a:path w="2258" h="2696">
+                  <a:moveTo>
+                    <a:pt x="2258" y="2696"/>
+                  </a:moveTo>
+                  <a:lnTo>
+                    <a:pt x="264" y="111"/>
+                  </a:lnTo>
+                  <a:lnTo>
+                    <a:pt x="228" y="60"/>
+                  </a:lnTo>
+                  <a:lnTo>
+                    <a:pt x="225" y="57"/>
+                  </a:lnTo>
+                  <a:lnTo>
+                    <a:pt x="0" y="0"/>
+                  </a:lnTo>
+                  <a:lnTo>
+                    <a:pt x="0" y="3"/>
+                  </a:lnTo>
+                  <a:lnTo>
+                    <a:pt x="1697" y="2696"/>
+                  </a:lnTo>
+                  <a:lnTo>
+                    <a:pt x="2258" y="2696"/>
+                  </a:lnTo>
+                  <a:close/>
+                </a:path>
+              </a:pathLst>
+            </a:custGeom>
+            <a:solidFill>
+              <a:schemeClr val="tx1">
+                <a:lumMod val="75000"/>
+                <a:lumOff val="25000"/>
+              </a:schemeClr>
+            </a:solidFill>
+            <a:ln>
+              <a:noFill/>
+            </a:ln>
+          </p:spPr>
+        </p:sp>
+      </p:grpSp>
+      <p:sp>
+        <p:nvSpPr>
+          <p:cNvPr id="2" name="Title 1"/>
           <p:cNvSpPr>
             <a:spLocks noGrp="1"/>
           </p:cNvSpPr>
@@ -154,15 +461,19 @@
         </p:nvSpPr>
         <p:spPr>
           <a:xfrm>
-            <a:off x="1524000" y="1122363"/>
-            <a:ext cx="9144000" cy="2387600"/>
+            <a:off x="2928401" y="1380068"/>
+            <a:ext cx="8574622" cy="2616199"/>
           </a:xfrm>
         </p:spPr>
         <p:txBody>
-          <a:bodyPr anchor="b"/>
+          <a:bodyPr anchor="b">
+            <a:normAutofit/>
+          </a:bodyPr>
           <a:lstStyle>
-            <a:lvl1pPr algn="ctr">
-              <a:defRPr sz="6000"/>
+            <a:lvl1pPr algn="r">
+              <a:defRPr sz="6000">
+                <a:effectLst/>
+              </a:defRPr>
             </a:lvl1pPr>
           </a:lstStyle>
           <a:p>
@@ -170,19 +481,13 @@
               <a:rPr lang="en-US"/>
               <a:t>Click to edit Master title style</a:t>
             </a:r>
-            <a:endParaRPr lang="de-CH"/>
-          </a:p>
-        </p:txBody>
-      </p:sp>
-      <p:sp>
-        <p:nvSpPr>
-          <p:cNvPr id="3" name="Subtitle 2">
-            <a:extLst>
-              <a:ext uri="{FF2B5EF4-FFF2-40B4-BE49-F238E27FC236}">
-                <a16:creationId xmlns:a16="http://schemas.microsoft.com/office/drawing/2014/main" id="{4876452D-F259-8CC4-F088-AC4F7081E6B2}"/>
-              </a:ext>
-            </a:extLst>
-          </p:cNvPr>
+            <a:endParaRPr lang="en-US" dirty="0"/>
+          </a:p>
+        </p:txBody>
+      </p:sp>
+      <p:sp>
+        <p:nvSpPr>
+          <p:cNvPr id="3" name="Subtitle 2"/>
           <p:cNvSpPr>
             <a:spLocks noGrp="1"/>
           </p:cNvSpPr>
@@ -192,48 +497,102 @@
         </p:nvSpPr>
         <p:spPr>
           <a:xfrm>
-            <a:off x="1524000" y="3602038"/>
-            <a:ext cx="9144000" cy="1655762"/>
+            <a:off x="4515377" y="3996267"/>
+            <a:ext cx="6987645" cy="1388534"/>
           </a:xfrm>
         </p:spPr>
         <p:txBody>
-          <a:bodyPr/>
+          <a:bodyPr anchor="t">
+            <a:normAutofit/>
+          </a:bodyPr>
           <a:lstStyle>
-            <a:lvl1pPr marL="0" indent="0" algn="ctr">
-              <a:buNone/>
-              <a:defRPr sz="2400"/>
+            <a:lvl1pPr marL="0" indent="0" algn="r">
+              <a:buNone/>
+              <a:defRPr sz="2100">
+                <a:solidFill>
+                  <a:schemeClr val="tx1"/>
+                </a:solidFill>
+              </a:defRPr>
             </a:lvl1pPr>
             <a:lvl2pPr marL="457200" indent="0" algn="ctr">
               <a:buNone/>
-              <a:defRPr sz="2000"/>
+              <a:defRPr>
+                <a:solidFill>
+                  <a:schemeClr val="tx1">
+                    <a:tint val="75000"/>
+                  </a:schemeClr>
+                </a:solidFill>
+              </a:defRPr>
             </a:lvl2pPr>
             <a:lvl3pPr marL="914400" indent="0" algn="ctr">
               <a:buNone/>
-              <a:defRPr sz="1800"/>
+              <a:defRPr>
+                <a:solidFill>
+                  <a:schemeClr val="tx1">
+                    <a:tint val="75000"/>
+                  </a:schemeClr>
+                </a:solidFill>
+              </a:defRPr>
             </a:lvl3pPr>
             <a:lvl4pPr marL="1371600" indent="0" algn="ctr">
               <a:buNone/>
-              <a:defRPr sz="1600"/>
+              <a:defRPr>
+                <a:solidFill>
+                  <a:schemeClr val="tx1">
+                    <a:tint val="75000"/>
+                  </a:schemeClr>
+                </a:solidFill>
+              </a:defRPr>
             </a:lvl4pPr>
             <a:lvl5pPr marL="1828800" indent="0" algn="ctr">
               <a:buNone/>
-              <a:defRPr sz="1600"/>
+              <a:defRPr>
+                <a:solidFill>
+                  <a:schemeClr val="tx1">
+                    <a:tint val="75000"/>
+                  </a:schemeClr>
+                </a:solidFill>
+              </a:defRPr>
             </a:lvl5pPr>
             <a:lvl6pPr marL="2286000" indent="0" algn="ctr">
               <a:buNone/>
-              <a:defRPr sz="1600"/>
+              <a:defRPr>
+                <a:solidFill>
+                  <a:schemeClr val="tx1">
+                    <a:tint val="75000"/>
+                  </a:schemeClr>
+                </a:solidFill>
+              </a:defRPr>
             </a:lvl6pPr>
             <a:lvl7pPr marL="2743200" indent="0" algn="ctr">
               <a:buNone/>
-              <a:defRPr sz="1600"/>
+              <a:defRPr>
+                <a:solidFill>
+                  <a:schemeClr val="tx1">
+                    <a:tint val="75000"/>
+                  </a:schemeClr>
+                </a:solidFill>
+              </a:defRPr>
             </a:lvl7pPr>
             <a:lvl8pPr marL="3200400" indent="0" algn="ctr">
               <a:buNone/>
-              <a:defRPr sz="1600"/>
+              <a:defRPr>
+                <a:solidFill>
+                  <a:schemeClr val="tx1">
+                    <a:tint val="75000"/>
+                  </a:schemeClr>
+                </a:solidFill>
+              </a:defRPr>
             </a:lvl8pPr>
             <a:lvl9pPr marL="3657600" indent="0" algn="ctr">
               <a:buNone/>
-              <a:defRPr sz="1600"/>
+              <a:defRPr>
+                <a:solidFill>
+                  <a:schemeClr val="tx1">
+                    <a:tint val="75000"/>
+                  </a:schemeClr>
+                </a:solidFill>
+              </a:defRPr>
             </a:lvl9pPr>
           </a:lstStyle>
           <a:p>
@@ -241,19 +600,13 @@
               <a:rPr lang="en-US"/>
               <a:t>Click to edit Master subtitle style</a:t>
             </a:r>
-            <a:endParaRPr lang="de-CH"/>
-          </a:p>
-        </p:txBody>
-      </p:sp>
-      <p:sp>
-        <p:nvSpPr>
-          <p:cNvPr id="4" name="Date Placeholder 3">
-            <a:extLst>
-              <a:ext uri="{FF2B5EF4-FFF2-40B4-BE49-F238E27FC236}">
-                <a16:creationId xmlns:a16="http://schemas.microsoft.com/office/drawing/2014/main" id="{0BB574D8-891A-F416-83DE-9D8B04A55164}"/>
-              </a:ext>
-            </a:extLst>
-          </p:cNvPr>
+            <a:endParaRPr lang="en-US" dirty="0"/>
+          </a:p>
+        </p:txBody>
+      </p:sp>
+      <p:sp>
+        <p:nvSpPr>
+          <p:cNvPr id="4" name="Date Placeholder 3"/>
           <p:cNvSpPr>
             <a:spLocks noGrp="1"/>
           </p:cNvSpPr>
@@ -268,7 +621,7 @@
           <a:p>
             <a:fld id="{75010D13-5421-45FB-91B5-734B751F6B9F}" type="datetimeFigureOut">
               <a:rPr lang="de-CH" smtClean="0"/>
-              <a:t>28.02.2025</a:t>
+              <a:t>02.03.2025</a:t>
             </a:fld>
             <a:endParaRPr lang="de-CH"/>
           </a:p>
@@ -276,13 +629,7 @@
       </p:sp>
       <p:sp>
         <p:nvSpPr>
-          <p:cNvPr id="5" name="Footer Placeholder 4">
-            <a:extLst>
-              <a:ext uri="{FF2B5EF4-FFF2-40B4-BE49-F238E27FC236}">
-                <a16:creationId xmlns:a16="http://schemas.microsoft.com/office/drawing/2014/main" id="{44A99B90-FA4B-ACD8-8A83-3BE3EECF8334}"/>
-              </a:ext>
-            </a:extLst>
-          </p:cNvPr>
+          <p:cNvPr id="5" name="Footer Placeholder 4"/>
           <p:cNvSpPr>
             <a:spLocks noGrp="1"/>
           </p:cNvSpPr>
@@ -290,7 +637,12 @@
             <p:ph type="ftr" sz="quarter" idx="11"/>
           </p:nvPr>
         </p:nvSpPr>
-        <p:spPr/>
+        <p:spPr>
+          <a:xfrm>
+            <a:off x="5332412" y="5883275"/>
+            <a:ext cx="4324044" cy="365125"/>
+          </a:xfrm>
+        </p:spPr>
         <p:txBody>
           <a:bodyPr/>
           <a:lstStyle/>
@@ -301,13 +653,7 @@
       </p:sp>
       <p:sp>
         <p:nvSpPr>
-          <p:cNvPr id="6" name="Slide Number Placeholder 5">
-            <a:extLst>
-              <a:ext uri="{FF2B5EF4-FFF2-40B4-BE49-F238E27FC236}">
-                <a16:creationId xmlns:a16="http://schemas.microsoft.com/office/drawing/2014/main" id="{A73942FE-DB7D-2CB0-CE64-94C1B1BC7B1F}"/>
-              </a:ext>
-            </a:extLst>
-          </p:cNvPr>
+          <p:cNvPr id="6" name="Slide Number Placeholder 5"/>
           <p:cNvSpPr>
             <a:spLocks noGrp="1"/>
           </p:cNvSpPr>
@@ -331,7 +677,7 @@
     </p:spTree>
     <p:extLst>
       <p:ext uri="{BB962C8B-B14F-4D97-AF65-F5344CB8AC3E}">
-        <p14:creationId xmlns:p14="http://schemas.microsoft.com/office/powerpoint/2010/main" val="2926425202"/>
+        <p14:creationId xmlns:p14="http://schemas.microsoft.com/office/powerpoint/2010/main" val="2098393332"/>
       </p:ext>
     </p:extLst>
   </p:cSld>
@@ -342,6 +688,2162 @@
 </file>
 
 <file path=ppt/slideLayouts/slideLayout10.xml><?xml version="1.0" encoding="utf-8"?>
+<p:sldLayout xmlns:a="http://schemas.openxmlformats.org/drawingml/2006/main" xmlns:r="http://schemas.openxmlformats.org/officeDocument/2006/relationships" xmlns:p="http://schemas.openxmlformats.org/presentationml/2006/main" preserve="1">
+  <p:cSld name="Panoramic Picture with Caption">
+    <p:spTree>
+      <p:nvGrpSpPr>
+        <p:cNvPr id="1" name=""/>
+        <p:cNvGrpSpPr/>
+        <p:nvPr/>
+      </p:nvGrpSpPr>
+      <p:grpSpPr>
+        <a:xfrm>
+          <a:off x="0" y="0"/>
+          <a:ext cx="0" cy="0"/>
+          <a:chOff x="0" y="0"/>
+          <a:chExt cx="0" cy="0"/>
+        </a:xfrm>
+      </p:grpSpPr>
+      <p:sp>
+        <p:nvSpPr>
+          <p:cNvPr id="2" name="Title 1"/>
+          <p:cNvSpPr>
+            <a:spLocks noGrp="1"/>
+          </p:cNvSpPr>
+          <p:nvPr>
+            <p:ph type="title"/>
+          </p:nvPr>
+        </p:nvSpPr>
+        <p:spPr>
+          <a:xfrm>
+            <a:off x="1484311" y="4732865"/>
+            <a:ext cx="10018711" cy="566738"/>
+          </a:xfrm>
+        </p:spPr>
+        <p:txBody>
+          <a:bodyPr anchor="b">
+            <a:normAutofit/>
+          </a:bodyPr>
+          <a:lstStyle>
+            <a:lvl1pPr algn="ctr">
+              <a:defRPr sz="2400" b="0"/>
+            </a:lvl1pPr>
+          </a:lstStyle>
+          <a:p>
+            <a:r>
+              <a:rPr lang="en-US"/>
+              <a:t>Click to edit Master title style</a:t>
+            </a:r>
+            <a:endParaRPr lang="en-US" dirty="0"/>
+          </a:p>
+        </p:txBody>
+      </p:sp>
+      <p:sp>
+        <p:nvSpPr>
+          <p:cNvPr id="3" name="Picture Placeholder 2"/>
+          <p:cNvSpPr>
+            <a:spLocks noGrp="1" noChangeAspect="1"/>
+          </p:cNvSpPr>
+          <p:nvPr>
+            <p:ph type="pic" idx="1"/>
+          </p:nvPr>
+        </p:nvSpPr>
+        <p:spPr>
+          <a:xfrm>
+            <a:off x="2386012" y="932112"/>
+            <a:ext cx="8225944" cy="3164976"/>
+          </a:xfrm>
+          <a:prstGeom prst="roundRect">
+            <a:avLst>
+              <a:gd name="adj" fmla="val 4380"/>
+            </a:avLst>
+          </a:prstGeom>
+          <a:ln w="38100">
+            <a:gradFill flip="none" rotWithShape="1">
+              <a:gsLst>
+                <a:gs pos="0">
+                  <a:schemeClr val="bg2"/>
+                </a:gs>
+                <a:gs pos="100000">
+                  <a:schemeClr val="bg2">
+                    <a:lumMod val="75000"/>
+                  </a:schemeClr>
+                </a:gs>
+              </a:gsLst>
+              <a:lin ang="5400000" scaled="0"/>
+              <a:tileRect/>
+            </a:gradFill>
+          </a:ln>
+          <a:effectLst>
+            <a:innerShdw blurRad="57150" dist="38100" dir="14460000">
+              <a:srgbClr val="000000">
+                <a:alpha val="70000"/>
+              </a:srgbClr>
+            </a:innerShdw>
+          </a:effectLst>
+        </p:spPr>
+        <p:txBody>
+          <a:bodyPr anchor="t">
+            <a:normAutofit/>
+          </a:bodyPr>
+          <a:lstStyle>
+            <a:lvl1pPr marL="0" indent="0" algn="ctr">
+              <a:buNone/>
+              <a:defRPr sz="1600"/>
+            </a:lvl1pPr>
+            <a:lvl2pPr marL="457200" indent="0">
+              <a:buNone/>
+              <a:defRPr sz="1600"/>
+            </a:lvl2pPr>
+            <a:lvl3pPr marL="914400" indent="0">
+              <a:buNone/>
+              <a:defRPr sz="1600"/>
+            </a:lvl3pPr>
+            <a:lvl4pPr marL="1371600" indent="0">
+              <a:buNone/>
+              <a:defRPr sz="1600"/>
+            </a:lvl4pPr>
+            <a:lvl5pPr marL="1828800" indent="0">
+              <a:buNone/>
+              <a:defRPr sz="1600"/>
+            </a:lvl5pPr>
+            <a:lvl6pPr marL="2286000" indent="0">
+              <a:buNone/>
+              <a:defRPr sz="1600"/>
+            </a:lvl6pPr>
+            <a:lvl7pPr marL="2743200" indent="0">
+              <a:buNone/>
+              <a:defRPr sz="1600"/>
+            </a:lvl7pPr>
+            <a:lvl8pPr marL="3200400" indent="0">
+              <a:buNone/>
+              <a:defRPr sz="1600"/>
+            </a:lvl8pPr>
+            <a:lvl9pPr marL="3657600" indent="0">
+              <a:buNone/>
+              <a:defRPr sz="1600"/>
+            </a:lvl9pPr>
+          </a:lstStyle>
+          <a:p>
+            <a:r>
+              <a:rPr lang="en-US"/>
+              <a:t>Click icon to add picture</a:t>
+            </a:r>
+            <a:endParaRPr lang="en-US" dirty="0"/>
+          </a:p>
+        </p:txBody>
+      </p:sp>
+      <p:sp>
+        <p:nvSpPr>
+          <p:cNvPr id="4" name="Text Placeholder 3"/>
+          <p:cNvSpPr>
+            <a:spLocks noGrp="1"/>
+          </p:cNvSpPr>
+          <p:nvPr>
+            <p:ph type="body" sz="half" idx="2"/>
+          </p:nvPr>
+        </p:nvSpPr>
+        <p:spPr>
+          <a:xfrm>
+            <a:off x="1484311" y="5299603"/>
+            <a:ext cx="10018711" cy="493712"/>
+          </a:xfrm>
+        </p:spPr>
+        <p:txBody>
+          <a:bodyPr>
+            <a:normAutofit/>
+          </a:bodyPr>
+          <a:lstStyle>
+            <a:lvl1pPr marL="0" indent="0" algn="ctr">
+              <a:buNone/>
+              <a:defRPr sz="1400"/>
+            </a:lvl1pPr>
+            <a:lvl2pPr marL="457200" indent="0">
+              <a:buNone/>
+              <a:defRPr sz="1200"/>
+            </a:lvl2pPr>
+            <a:lvl3pPr marL="914400" indent="0">
+              <a:buNone/>
+              <a:defRPr sz="1000"/>
+            </a:lvl3pPr>
+            <a:lvl4pPr marL="1371600" indent="0">
+              <a:buNone/>
+              <a:defRPr sz="900"/>
+            </a:lvl4pPr>
+            <a:lvl5pPr marL="1828800" indent="0">
+              <a:buNone/>
+              <a:defRPr sz="900"/>
+            </a:lvl5pPr>
+            <a:lvl6pPr marL="2286000" indent="0">
+              <a:buNone/>
+              <a:defRPr sz="900"/>
+            </a:lvl6pPr>
+            <a:lvl7pPr marL="2743200" indent="0">
+              <a:buNone/>
+              <a:defRPr sz="900"/>
+            </a:lvl7pPr>
+            <a:lvl8pPr marL="3200400" indent="0">
+              <a:buNone/>
+              <a:defRPr sz="900"/>
+            </a:lvl8pPr>
+            <a:lvl9pPr marL="3657600" indent="0">
+              <a:buNone/>
+              <a:defRPr sz="900"/>
+            </a:lvl9pPr>
+          </a:lstStyle>
+          <a:p>
+            <a:pPr lvl="0"/>
+            <a:r>
+              <a:rPr lang="en-US"/>
+              <a:t>Click to edit Master text styles</a:t>
+            </a:r>
+          </a:p>
+        </p:txBody>
+      </p:sp>
+      <p:sp>
+        <p:nvSpPr>
+          <p:cNvPr id="5" name="Date Placeholder 4"/>
+          <p:cNvSpPr>
+            <a:spLocks noGrp="1"/>
+          </p:cNvSpPr>
+          <p:nvPr>
+            <p:ph type="dt" sz="half" idx="10"/>
+          </p:nvPr>
+        </p:nvSpPr>
+        <p:spPr/>
+        <p:txBody>
+          <a:bodyPr/>
+          <a:lstStyle/>
+          <a:p>
+            <a:fld id="{75010D13-5421-45FB-91B5-734B751F6B9F}" type="datetimeFigureOut">
+              <a:rPr lang="de-CH" smtClean="0"/>
+              <a:t>02.03.2025</a:t>
+            </a:fld>
+            <a:endParaRPr lang="de-CH"/>
+          </a:p>
+        </p:txBody>
+      </p:sp>
+      <p:sp>
+        <p:nvSpPr>
+          <p:cNvPr id="6" name="Footer Placeholder 5"/>
+          <p:cNvSpPr>
+            <a:spLocks noGrp="1"/>
+          </p:cNvSpPr>
+          <p:nvPr>
+            <p:ph type="ftr" sz="quarter" idx="11"/>
+          </p:nvPr>
+        </p:nvSpPr>
+        <p:spPr/>
+        <p:txBody>
+          <a:bodyPr/>
+          <a:lstStyle/>
+          <a:p>
+            <a:endParaRPr lang="de-CH"/>
+          </a:p>
+        </p:txBody>
+      </p:sp>
+      <p:sp>
+        <p:nvSpPr>
+          <p:cNvPr id="7" name="Slide Number Placeholder 6"/>
+          <p:cNvSpPr>
+            <a:spLocks noGrp="1"/>
+          </p:cNvSpPr>
+          <p:nvPr>
+            <p:ph type="sldNum" sz="quarter" idx="12"/>
+          </p:nvPr>
+        </p:nvSpPr>
+        <p:spPr/>
+        <p:txBody>
+          <a:bodyPr/>
+          <a:lstStyle/>
+          <a:p>
+            <a:fld id="{BD6BDAE4-A718-497F-BD43-B43AF474C268}" type="slidenum">
+              <a:rPr lang="de-CH" smtClean="0"/>
+              <a:t>‹#›</a:t>
+            </a:fld>
+            <a:endParaRPr lang="de-CH"/>
+          </a:p>
+        </p:txBody>
+      </p:sp>
+    </p:spTree>
+    <p:extLst>
+      <p:ext uri="{BB962C8B-B14F-4D97-AF65-F5344CB8AC3E}">
+        <p14:creationId xmlns:p14="http://schemas.microsoft.com/office/powerpoint/2010/main" val="1028699977"/>
+      </p:ext>
+    </p:extLst>
+  </p:cSld>
+  <p:clrMapOvr>
+    <a:masterClrMapping/>
+  </p:clrMapOvr>
+</p:sldLayout>
+</file>
+
+<file path=ppt/slideLayouts/slideLayout11.xml><?xml version="1.0" encoding="utf-8"?>
+<p:sldLayout xmlns:a="http://schemas.openxmlformats.org/drawingml/2006/main" xmlns:r="http://schemas.openxmlformats.org/officeDocument/2006/relationships" xmlns:p="http://schemas.openxmlformats.org/presentationml/2006/main" preserve="1">
+  <p:cSld name="Title and Caption">
+    <p:spTree>
+      <p:nvGrpSpPr>
+        <p:cNvPr id="1" name=""/>
+        <p:cNvGrpSpPr/>
+        <p:nvPr/>
+      </p:nvGrpSpPr>
+      <p:grpSpPr>
+        <a:xfrm>
+          <a:off x="0" y="0"/>
+          <a:ext cx="0" cy="0"/>
+          <a:chOff x="0" y="0"/>
+          <a:chExt cx="0" cy="0"/>
+        </a:xfrm>
+      </p:grpSpPr>
+      <p:sp>
+        <p:nvSpPr>
+          <p:cNvPr id="2" name="Title 1"/>
+          <p:cNvSpPr>
+            <a:spLocks noGrp="1"/>
+          </p:cNvSpPr>
+          <p:nvPr>
+            <p:ph type="title"/>
+          </p:nvPr>
+        </p:nvSpPr>
+        <p:spPr>
+          <a:xfrm>
+            <a:off x="1484312" y="685800"/>
+            <a:ext cx="10018711" cy="3048000"/>
+          </a:xfrm>
+        </p:spPr>
+        <p:txBody>
+          <a:bodyPr anchor="ctr">
+            <a:normAutofit/>
+          </a:bodyPr>
+          <a:lstStyle>
+            <a:lvl1pPr algn="ctr">
+              <a:defRPr sz="3200" b="0" cap="none"/>
+            </a:lvl1pPr>
+          </a:lstStyle>
+          <a:p>
+            <a:r>
+              <a:rPr lang="en-US"/>
+              <a:t>Click to edit Master title style</a:t>
+            </a:r>
+            <a:endParaRPr lang="en-US" dirty="0"/>
+          </a:p>
+        </p:txBody>
+      </p:sp>
+      <p:sp>
+        <p:nvSpPr>
+          <p:cNvPr id="3" name="Text Placeholder 2"/>
+          <p:cNvSpPr>
+            <a:spLocks noGrp="1"/>
+          </p:cNvSpPr>
+          <p:nvPr>
+            <p:ph type="body" idx="1"/>
+          </p:nvPr>
+        </p:nvSpPr>
+        <p:spPr>
+          <a:xfrm>
+            <a:off x="1484312" y="4343400"/>
+            <a:ext cx="10018713" cy="1447800"/>
+          </a:xfrm>
+        </p:spPr>
+        <p:txBody>
+          <a:bodyPr anchor="ctr">
+            <a:normAutofit/>
+          </a:bodyPr>
+          <a:lstStyle>
+            <a:lvl1pPr marL="0" indent="0" algn="ctr">
+              <a:buNone/>
+              <a:defRPr sz="2000">
+                <a:solidFill>
+                  <a:schemeClr val="tx1"/>
+                </a:solidFill>
+              </a:defRPr>
+            </a:lvl1pPr>
+            <a:lvl2pPr marL="457200" indent="0">
+              <a:buNone/>
+              <a:defRPr sz="1800">
+                <a:solidFill>
+                  <a:schemeClr val="tx1">
+                    <a:tint val="75000"/>
+                  </a:schemeClr>
+                </a:solidFill>
+              </a:defRPr>
+            </a:lvl2pPr>
+            <a:lvl3pPr marL="914400" indent="0">
+              <a:buNone/>
+              <a:defRPr sz="1600">
+                <a:solidFill>
+                  <a:schemeClr val="tx1">
+                    <a:tint val="75000"/>
+                  </a:schemeClr>
+                </a:solidFill>
+              </a:defRPr>
+            </a:lvl3pPr>
+            <a:lvl4pPr marL="1371600" indent="0">
+              <a:buNone/>
+              <a:defRPr sz="1400">
+                <a:solidFill>
+                  <a:schemeClr val="tx1">
+                    <a:tint val="75000"/>
+                  </a:schemeClr>
+                </a:solidFill>
+              </a:defRPr>
+            </a:lvl4pPr>
+            <a:lvl5pPr marL="1828800" indent="0">
+              <a:buNone/>
+              <a:defRPr sz="1400">
+                <a:solidFill>
+                  <a:schemeClr val="tx1">
+                    <a:tint val="75000"/>
+                  </a:schemeClr>
+                </a:solidFill>
+              </a:defRPr>
+            </a:lvl5pPr>
+            <a:lvl6pPr marL="2286000" indent="0">
+              <a:buNone/>
+              <a:defRPr sz="1400">
+                <a:solidFill>
+                  <a:schemeClr val="tx1">
+                    <a:tint val="75000"/>
+                  </a:schemeClr>
+                </a:solidFill>
+              </a:defRPr>
+            </a:lvl6pPr>
+            <a:lvl7pPr marL="2743200" indent="0">
+              <a:buNone/>
+              <a:defRPr sz="1400">
+                <a:solidFill>
+                  <a:schemeClr val="tx1">
+                    <a:tint val="75000"/>
+                  </a:schemeClr>
+                </a:solidFill>
+              </a:defRPr>
+            </a:lvl7pPr>
+            <a:lvl8pPr marL="3200400" indent="0">
+              <a:buNone/>
+              <a:defRPr sz="1400">
+                <a:solidFill>
+                  <a:schemeClr val="tx1">
+                    <a:tint val="75000"/>
+                  </a:schemeClr>
+                </a:solidFill>
+              </a:defRPr>
+            </a:lvl8pPr>
+            <a:lvl9pPr marL="3657600" indent="0">
+              <a:buNone/>
+              <a:defRPr sz="1400">
+                <a:solidFill>
+                  <a:schemeClr val="tx1">
+                    <a:tint val="75000"/>
+                  </a:schemeClr>
+                </a:solidFill>
+              </a:defRPr>
+            </a:lvl9pPr>
+          </a:lstStyle>
+          <a:p>
+            <a:pPr lvl="0"/>
+            <a:r>
+              <a:rPr lang="en-US"/>
+              <a:t>Click to edit Master text styles</a:t>
+            </a:r>
+          </a:p>
+        </p:txBody>
+      </p:sp>
+      <p:sp>
+        <p:nvSpPr>
+          <p:cNvPr id="4" name="Date Placeholder 3"/>
+          <p:cNvSpPr>
+            <a:spLocks noGrp="1"/>
+          </p:cNvSpPr>
+          <p:nvPr>
+            <p:ph type="dt" sz="half" idx="10"/>
+          </p:nvPr>
+        </p:nvSpPr>
+        <p:spPr/>
+        <p:txBody>
+          <a:bodyPr/>
+          <a:lstStyle/>
+          <a:p>
+            <a:fld id="{75010D13-5421-45FB-91B5-734B751F6B9F}" type="datetimeFigureOut">
+              <a:rPr lang="de-CH" smtClean="0"/>
+              <a:t>02.03.2025</a:t>
+            </a:fld>
+            <a:endParaRPr lang="de-CH"/>
+          </a:p>
+        </p:txBody>
+      </p:sp>
+      <p:sp>
+        <p:nvSpPr>
+          <p:cNvPr id="5" name="Footer Placeholder 4"/>
+          <p:cNvSpPr>
+            <a:spLocks noGrp="1"/>
+          </p:cNvSpPr>
+          <p:nvPr>
+            <p:ph type="ftr" sz="quarter" idx="11"/>
+          </p:nvPr>
+        </p:nvSpPr>
+        <p:spPr/>
+        <p:txBody>
+          <a:bodyPr/>
+          <a:lstStyle/>
+          <a:p>
+            <a:endParaRPr lang="de-CH"/>
+          </a:p>
+        </p:txBody>
+      </p:sp>
+      <p:sp>
+        <p:nvSpPr>
+          <p:cNvPr id="6" name="Slide Number Placeholder 5"/>
+          <p:cNvSpPr>
+            <a:spLocks noGrp="1"/>
+          </p:cNvSpPr>
+          <p:nvPr>
+            <p:ph type="sldNum" sz="quarter" idx="12"/>
+          </p:nvPr>
+        </p:nvSpPr>
+        <p:spPr/>
+        <p:txBody>
+          <a:bodyPr/>
+          <a:lstStyle/>
+          <a:p>
+            <a:fld id="{BD6BDAE4-A718-497F-BD43-B43AF474C268}" type="slidenum">
+              <a:rPr lang="de-CH" smtClean="0"/>
+              <a:t>‹#›</a:t>
+            </a:fld>
+            <a:endParaRPr lang="de-CH"/>
+          </a:p>
+        </p:txBody>
+      </p:sp>
+    </p:spTree>
+    <p:extLst>
+      <p:ext uri="{BB962C8B-B14F-4D97-AF65-F5344CB8AC3E}">
+        <p14:creationId xmlns:p14="http://schemas.microsoft.com/office/powerpoint/2010/main" val="1841668285"/>
+      </p:ext>
+    </p:extLst>
+  </p:cSld>
+  <p:clrMapOvr>
+    <a:masterClrMapping/>
+  </p:clrMapOvr>
+</p:sldLayout>
+</file>
+
+<file path=ppt/slideLayouts/slideLayout12.xml><?xml version="1.0" encoding="utf-8"?>
+<p:sldLayout xmlns:a="http://schemas.openxmlformats.org/drawingml/2006/main" xmlns:r="http://schemas.openxmlformats.org/officeDocument/2006/relationships" xmlns:p="http://schemas.openxmlformats.org/presentationml/2006/main" preserve="1">
+  <p:cSld name="Quote with Caption">
+    <p:spTree>
+      <p:nvGrpSpPr>
+        <p:cNvPr id="1" name=""/>
+        <p:cNvGrpSpPr/>
+        <p:nvPr/>
+      </p:nvGrpSpPr>
+      <p:grpSpPr>
+        <a:xfrm>
+          <a:off x="0" y="0"/>
+          <a:ext cx="0" cy="0"/>
+          <a:chOff x="0" y="0"/>
+          <a:chExt cx="0" cy="0"/>
+        </a:xfrm>
+      </p:grpSpPr>
+      <p:sp>
+        <p:nvSpPr>
+          <p:cNvPr id="14" name="TextBox 13"/>
+          <p:cNvSpPr txBox="1"/>
+          <p:nvPr/>
+        </p:nvSpPr>
+        <p:spPr>
+          <a:xfrm>
+            <a:off x="1598612" y="863023"/>
+            <a:ext cx="609600" cy="584776"/>
+          </a:xfrm>
+          <a:prstGeom prst="rect">
+            <a:avLst/>
+          </a:prstGeom>
+        </p:spPr>
+        <p:txBody>
+          <a:bodyPr vert="horz" lIns="91440" tIns="45720" rIns="91440" bIns="45720" rtlCol="0" anchor="ctr">
+            <a:noAutofit/>
+          </a:bodyPr>
+          <a:lstStyle>
+            <a:lvl1pPr>
+              <a:spcBef>
+                <a:spcPct val="0"/>
+              </a:spcBef>
+              <a:buNone/>
+              <a:defRPr sz="3200" b="0" cap="all">
+                <a:ln w="3175" cmpd="sng">
+                  <a:noFill/>
+                </a:ln>
+                <a:effectLst>
+                  <a:glow rad="38100">
+                    <a:schemeClr val="bg1">
+                      <a:lumMod val="65000"/>
+                      <a:lumOff val="35000"/>
+                      <a:alpha val="40000"/>
+                    </a:schemeClr>
+                  </a:glow>
+                  <a:outerShdw blurRad="28575" dist="38100" dir="14040000" algn="tl" rotWithShape="0">
+                    <a:srgbClr val="000000">
+                      <a:alpha val="25000"/>
+                    </a:srgbClr>
+                  </a:outerShdw>
+                </a:effectLst>
+              </a:defRPr>
+            </a:lvl1pPr>
+            <a:lvl2pPr>
+              <a:defRPr>
+                <a:solidFill>
+                  <a:schemeClr val="tx2"/>
+                </a:solidFill>
+              </a:defRPr>
+            </a:lvl2pPr>
+            <a:lvl3pPr>
+              <a:defRPr>
+                <a:solidFill>
+                  <a:schemeClr val="tx2"/>
+                </a:solidFill>
+              </a:defRPr>
+            </a:lvl3pPr>
+            <a:lvl4pPr>
+              <a:defRPr>
+                <a:solidFill>
+                  <a:schemeClr val="tx2"/>
+                </a:solidFill>
+              </a:defRPr>
+            </a:lvl4pPr>
+            <a:lvl5pPr>
+              <a:defRPr>
+                <a:solidFill>
+                  <a:schemeClr val="tx2"/>
+                </a:solidFill>
+              </a:defRPr>
+            </a:lvl5pPr>
+            <a:lvl6pPr>
+              <a:defRPr>
+                <a:solidFill>
+                  <a:schemeClr val="tx2"/>
+                </a:solidFill>
+              </a:defRPr>
+            </a:lvl6pPr>
+            <a:lvl7pPr>
+              <a:defRPr>
+                <a:solidFill>
+                  <a:schemeClr val="tx2"/>
+                </a:solidFill>
+              </a:defRPr>
+            </a:lvl7pPr>
+            <a:lvl8pPr>
+              <a:defRPr>
+                <a:solidFill>
+                  <a:schemeClr val="tx2"/>
+                </a:solidFill>
+              </a:defRPr>
+            </a:lvl8pPr>
+            <a:lvl9pPr>
+              <a:defRPr>
+                <a:solidFill>
+                  <a:schemeClr val="tx2"/>
+                </a:solidFill>
+              </a:defRPr>
+            </a:lvl9pPr>
+          </a:lstStyle>
+          <a:p>
+            <a:pPr lvl="0"/>
+            <a:r>
+              <a:rPr lang="en-US" sz="8000" dirty="0">
+                <a:solidFill>
+                  <a:schemeClr val="tx1"/>
+                </a:solidFill>
+                <a:effectLst/>
+              </a:rPr>
+              <a:t>“</a:t>
+            </a:r>
+          </a:p>
+        </p:txBody>
+      </p:sp>
+      <p:sp>
+        <p:nvSpPr>
+          <p:cNvPr id="15" name="TextBox 14"/>
+          <p:cNvSpPr txBox="1"/>
+          <p:nvPr/>
+        </p:nvSpPr>
+        <p:spPr>
+          <a:xfrm>
+            <a:off x="10893425" y="2819399"/>
+            <a:ext cx="609600" cy="584776"/>
+          </a:xfrm>
+          <a:prstGeom prst="rect">
+            <a:avLst/>
+          </a:prstGeom>
+        </p:spPr>
+        <p:txBody>
+          <a:bodyPr vert="horz" lIns="91440" tIns="45720" rIns="91440" bIns="45720" rtlCol="0" anchor="ctr">
+            <a:noAutofit/>
+          </a:bodyPr>
+          <a:lstStyle>
+            <a:lvl1pPr>
+              <a:spcBef>
+                <a:spcPct val="0"/>
+              </a:spcBef>
+              <a:buNone/>
+              <a:defRPr sz="3200" b="0" cap="all">
+                <a:ln w="3175" cmpd="sng">
+                  <a:noFill/>
+                </a:ln>
+                <a:effectLst>
+                  <a:glow rad="38100">
+                    <a:schemeClr val="bg1">
+                      <a:lumMod val="65000"/>
+                      <a:lumOff val="35000"/>
+                      <a:alpha val="40000"/>
+                    </a:schemeClr>
+                  </a:glow>
+                  <a:outerShdw blurRad="28575" dist="38100" dir="14040000" algn="tl" rotWithShape="0">
+                    <a:srgbClr val="000000">
+                      <a:alpha val="25000"/>
+                    </a:srgbClr>
+                  </a:outerShdw>
+                </a:effectLst>
+              </a:defRPr>
+            </a:lvl1pPr>
+            <a:lvl2pPr>
+              <a:defRPr>
+                <a:solidFill>
+                  <a:schemeClr val="tx2"/>
+                </a:solidFill>
+              </a:defRPr>
+            </a:lvl2pPr>
+            <a:lvl3pPr>
+              <a:defRPr>
+                <a:solidFill>
+                  <a:schemeClr val="tx2"/>
+                </a:solidFill>
+              </a:defRPr>
+            </a:lvl3pPr>
+            <a:lvl4pPr>
+              <a:defRPr>
+                <a:solidFill>
+                  <a:schemeClr val="tx2"/>
+                </a:solidFill>
+              </a:defRPr>
+            </a:lvl4pPr>
+            <a:lvl5pPr>
+              <a:defRPr>
+                <a:solidFill>
+                  <a:schemeClr val="tx2"/>
+                </a:solidFill>
+              </a:defRPr>
+            </a:lvl5pPr>
+            <a:lvl6pPr>
+              <a:defRPr>
+                <a:solidFill>
+                  <a:schemeClr val="tx2"/>
+                </a:solidFill>
+              </a:defRPr>
+            </a:lvl6pPr>
+            <a:lvl7pPr>
+              <a:defRPr>
+                <a:solidFill>
+                  <a:schemeClr val="tx2"/>
+                </a:solidFill>
+              </a:defRPr>
+            </a:lvl7pPr>
+            <a:lvl8pPr>
+              <a:defRPr>
+                <a:solidFill>
+                  <a:schemeClr val="tx2"/>
+                </a:solidFill>
+              </a:defRPr>
+            </a:lvl8pPr>
+            <a:lvl9pPr>
+              <a:defRPr>
+                <a:solidFill>
+                  <a:schemeClr val="tx2"/>
+                </a:solidFill>
+              </a:defRPr>
+            </a:lvl9pPr>
+          </a:lstStyle>
+          <a:p>
+            <a:pPr lvl="0" algn="r"/>
+            <a:r>
+              <a:rPr lang="en-US" sz="8000" dirty="0">
+                <a:solidFill>
+                  <a:schemeClr val="tx1"/>
+                </a:solidFill>
+                <a:effectLst/>
+              </a:rPr>
+              <a:t>”</a:t>
+            </a:r>
+          </a:p>
+        </p:txBody>
+      </p:sp>
+      <p:sp>
+        <p:nvSpPr>
+          <p:cNvPr id="2" name="Title 1"/>
+          <p:cNvSpPr>
+            <a:spLocks noGrp="1"/>
+          </p:cNvSpPr>
+          <p:nvPr>
+            <p:ph type="title"/>
+          </p:nvPr>
+        </p:nvSpPr>
+        <p:spPr>
+          <a:xfrm>
+            <a:off x="2208212" y="685800"/>
+            <a:ext cx="8990012" cy="2743199"/>
+          </a:xfrm>
+        </p:spPr>
+        <p:txBody>
+          <a:bodyPr anchor="ctr">
+            <a:normAutofit/>
+          </a:bodyPr>
+          <a:lstStyle>
+            <a:lvl1pPr algn="ctr">
+              <a:defRPr sz="3200" b="0" cap="none">
+                <a:solidFill>
+                  <a:schemeClr val="tx1"/>
+                </a:solidFill>
+              </a:defRPr>
+            </a:lvl1pPr>
+          </a:lstStyle>
+          <a:p>
+            <a:r>
+              <a:rPr lang="en-US"/>
+              <a:t>Click to edit Master title style</a:t>
+            </a:r>
+            <a:endParaRPr lang="en-US" dirty="0"/>
+          </a:p>
+        </p:txBody>
+      </p:sp>
+      <p:sp>
+        <p:nvSpPr>
+          <p:cNvPr id="10" name="Text Placeholder 9"/>
+          <p:cNvSpPr>
+            <a:spLocks noGrp="1"/>
+          </p:cNvSpPr>
+          <p:nvPr>
+            <p:ph type="body" sz="quarter" idx="13"/>
+          </p:nvPr>
+        </p:nvSpPr>
+        <p:spPr>
+          <a:xfrm>
+            <a:off x="2436811" y="3428999"/>
+            <a:ext cx="8532815" cy="381000"/>
+          </a:xfrm>
+        </p:spPr>
+        <p:txBody>
+          <a:bodyPr anchor="ctr">
+            <a:normAutofit/>
+          </a:bodyPr>
+          <a:lstStyle>
+            <a:lvl1pPr marL="0" indent="0">
+              <a:buFontTx/>
+              <a:buNone/>
+              <a:defRPr sz="1800"/>
+            </a:lvl1pPr>
+            <a:lvl2pPr marL="457200" indent="0">
+              <a:buFontTx/>
+              <a:buNone/>
+              <a:defRPr/>
+            </a:lvl2pPr>
+            <a:lvl3pPr marL="914400" indent="0">
+              <a:buFontTx/>
+              <a:buNone/>
+              <a:defRPr/>
+            </a:lvl3pPr>
+            <a:lvl4pPr marL="1371600" indent="0">
+              <a:buFontTx/>
+              <a:buNone/>
+              <a:defRPr/>
+            </a:lvl4pPr>
+            <a:lvl5pPr marL="1828800" indent="0">
+              <a:buFontTx/>
+              <a:buNone/>
+              <a:defRPr/>
+            </a:lvl5pPr>
+          </a:lstStyle>
+          <a:p>
+            <a:pPr lvl="0"/>
+            <a:r>
+              <a:rPr lang="en-US"/>
+              <a:t>Click to edit Master text styles</a:t>
+            </a:r>
+          </a:p>
+        </p:txBody>
+      </p:sp>
+      <p:sp>
+        <p:nvSpPr>
+          <p:cNvPr id="3" name="Text Placeholder 2"/>
+          <p:cNvSpPr>
+            <a:spLocks noGrp="1"/>
+          </p:cNvSpPr>
+          <p:nvPr>
+            <p:ph type="body" idx="1"/>
+          </p:nvPr>
+        </p:nvSpPr>
+        <p:spPr>
+          <a:xfrm>
+            <a:off x="1484311" y="4343400"/>
+            <a:ext cx="10018711" cy="1447800"/>
+          </a:xfrm>
+        </p:spPr>
+        <p:txBody>
+          <a:bodyPr anchor="ctr">
+            <a:normAutofit/>
+          </a:bodyPr>
+          <a:lstStyle>
+            <a:lvl1pPr marL="0" indent="0" algn="ctr">
+              <a:buNone/>
+              <a:defRPr sz="2000">
+                <a:solidFill>
+                  <a:schemeClr val="tx1"/>
+                </a:solidFill>
+              </a:defRPr>
+            </a:lvl1pPr>
+            <a:lvl2pPr marL="457200" indent="0">
+              <a:buNone/>
+              <a:defRPr sz="1800">
+                <a:solidFill>
+                  <a:schemeClr val="tx1">
+                    <a:tint val="75000"/>
+                  </a:schemeClr>
+                </a:solidFill>
+              </a:defRPr>
+            </a:lvl2pPr>
+            <a:lvl3pPr marL="914400" indent="0">
+              <a:buNone/>
+              <a:defRPr sz="1600">
+                <a:solidFill>
+                  <a:schemeClr val="tx1">
+                    <a:tint val="75000"/>
+                  </a:schemeClr>
+                </a:solidFill>
+              </a:defRPr>
+            </a:lvl3pPr>
+            <a:lvl4pPr marL="1371600" indent="0">
+              <a:buNone/>
+              <a:defRPr sz="1400">
+                <a:solidFill>
+                  <a:schemeClr val="tx1">
+                    <a:tint val="75000"/>
+                  </a:schemeClr>
+                </a:solidFill>
+              </a:defRPr>
+            </a:lvl4pPr>
+            <a:lvl5pPr marL="1828800" indent="0">
+              <a:buNone/>
+              <a:defRPr sz="1400">
+                <a:solidFill>
+                  <a:schemeClr val="tx1">
+                    <a:tint val="75000"/>
+                  </a:schemeClr>
+                </a:solidFill>
+              </a:defRPr>
+            </a:lvl5pPr>
+            <a:lvl6pPr marL="2286000" indent="0">
+              <a:buNone/>
+              <a:defRPr sz="1400">
+                <a:solidFill>
+                  <a:schemeClr val="tx1">
+                    <a:tint val="75000"/>
+                  </a:schemeClr>
+                </a:solidFill>
+              </a:defRPr>
+            </a:lvl6pPr>
+            <a:lvl7pPr marL="2743200" indent="0">
+              <a:buNone/>
+              <a:defRPr sz="1400">
+                <a:solidFill>
+                  <a:schemeClr val="tx1">
+                    <a:tint val="75000"/>
+                  </a:schemeClr>
+                </a:solidFill>
+              </a:defRPr>
+            </a:lvl7pPr>
+            <a:lvl8pPr marL="3200400" indent="0">
+              <a:buNone/>
+              <a:defRPr sz="1400">
+                <a:solidFill>
+                  <a:schemeClr val="tx1">
+                    <a:tint val="75000"/>
+                  </a:schemeClr>
+                </a:solidFill>
+              </a:defRPr>
+            </a:lvl8pPr>
+            <a:lvl9pPr marL="3657600" indent="0">
+              <a:buNone/>
+              <a:defRPr sz="1400">
+                <a:solidFill>
+                  <a:schemeClr val="tx1">
+                    <a:tint val="75000"/>
+                  </a:schemeClr>
+                </a:solidFill>
+              </a:defRPr>
+            </a:lvl9pPr>
+          </a:lstStyle>
+          <a:p>
+            <a:pPr lvl="0"/>
+            <a:r>
+              <a:rPr lang="en-US"/>
+              <a:t>Click to edit Master text styles</a:t>
+            </a:r>
+          </a:p>
+        </p:txBody>
+      </p:sp>
+      <p:sp>
+        <p:nvSpPr>
+          <p:cNvPr id="4" name="Date Placeholder 3"/>
+          <p:cNvSpPr>
+            <a:spLocks noGrp="1"/>
+          </p:cNvSpPr>
+          <p:nvPr>
+            <p:ph type="dt" sz="half" idx="10"/>
+          </p:nvPr>
+        </p:nvSpPr>
+        <p:spPr/>
+        <p:txBody>
+          <a:bodyPr/>
+          <a:lstStyle/>
+          <a:p>
+            <a:fld id="{75010D13-5421-45FB-91B5-734B751F6B9F}" type="datetimeFigureOut">
+              <a:rPr lang="de-CH" smtClean="0"/>
+              <a:t>02.03.2025</a:t>
+            </a:fld>
+            <a:endParaRPr lang="de-CH"/>
+          </a:p>
+        </p:txBody>
+      </p:sp>
+      <p:sp>
+        <p:nvSpPr>
+          <p:cNvPr id="5" name="Footer Placeholder 4"/>
+          <p:cNvSpPr>
+            <a:spLocks noGrp="1"/>
+          </p:cNvSpPr>
+          <p:nvPr>
+            <p:ph type="ftr" sz="quarter" idx="11"/>
+          </p:nvPr>
+        </p:nvSpPr>
+        <p:spPr/>
+        <p:txBody>
+          <a:bodyPr/>
+          <a:lstStyle/>
+          <a:p>
+            <a:endParaRPr lang="de-CH"/>
+          </a:p>
+        </p:txBody>
+      </p:sp>
+      <p:sp>
+        <p:nvSpPr>
+          <p:cNvPr id="6" name="Slide Number Placeholder 5"/>
+          <p:cNvSpPr>
+            <a:spLocks noGrp="1"/>
+          </p:cNvSpPr>
+          <p:nvPr>
+            <p:ph type="sldNum" sz="quarter" idx="12"/>
+          </p:nvPr>
+        </p:nvSpPr>
+        <p:spPr/>
+        <p:txBody>
+          <a:bodyPr/>
+          <a:lstStyle/>
+          <a:p>
+            <a:fld id="{BD6BDAE4-A718-497F-BD43-B43AF474C268}" type="slidenum">
+              <a:rPr lang="de-CH" smtClean="0"/>
+              <a:t>‹#›</a:t>
+            </a:fld>
+            <a:endParaRPr lang="de-CH"/>
+          </a:p>
+        </p:txBody>
+      </p:sp>
+    </p:spTree>
+    <p:extLst>
+      <p:ext uri="{BB962C8B-B14F-4D97-AF65-F5344CB8AC3E}">
+        <p14:creationId xmlns:p14="http://schemas.microsoft.com/office/powerpoint/2010/main" val="244820395"/>
+      </p:ext>
+    </p:extLst>
+  </p:cSld>
+  <p:clrMapOvr>
+    <a:masterClrMapping/>
+  </p:clrMapOvr>
+</p:sldLayout>
+</file>
+
+<file path=ppt/slideLayouts/slideLayout13.xml><?xml version="1.0" encoding="utf-8"?>
+<p:sldLayout xmlns:a="http://schemas.openxmlformats.org/drawingml/2006/main" xmlns:r="http://schemas.openxmlformats.org/officeDocument/2006/relationships" xmlns:p="http://schemas.openxmlformats.org/presentationml/2006/main" preserve="1">
+  <p:cSld name="Name Card">
+    <p:spTree>
+      <p:nvGrpSpPr>
+        <p:cNvPr id="1" name=""/>
+        <p:cNvGrpSpPr/>
+        <p:nvPr/>
+      </p:nvGrpSpPr>
+      <p:grpSpPr>
+        <a:xfrm>
+          <a:off x="0" y="0"/>
+          <a:ext cx="0" cy="0"/>
+          <a:chOff x="0" y="0"/>
+          <a:chExt cx="0" cy="0"/>
+        </a:xfrm>
+      </p:grpSpPr>
+      <p:sp>
+        <p:nvSpPr>
+          <p:cNvPr id="2" name="Title 1"/>
+          <p:cNvSpPr>
+            <a:spLocks noGrp="1"/>
+          </p:cNvSpPr>
+          <p:nvPr>
+            <p:ph type="title"/>
+          </p:nvPr>
+        </p:nvSpPr>
+        <p:spPr>
+          <a:xfrm>
+            <a:off x="1484313" y="3308581"/>
+            <a:ext cx="10018709" cy="1468800"/>
+          </a:xfrm>
+        </p:spPr>
+        <p:txBody>
+          <a:bodyPr anchor="b">
+            <a:normAutofit/>
+          </a:bodyPr>
+          <a:lstStyle>
+            <a:lvl1pPr algn="r">
+              <a:defRPr sz="3200" b="0" cap="none"/>
+            </a:lvl1pPr>
+          </a:lstStyle>
+          <a:p>
+            <a:r>
+              <a:rPr lang="en-US"/>
+              <a:t>Click to edit Master title style</a:t>
+            </a:r>
+            <a:endParaRPr lang="en-US" dirty="0"/>
+          </a:p>
+        </p:txBody>
+      </p:sp>
+      <p:sp>
+        <p:nvSpPr>
+          <p:cNvPr id="3" name="Text Placeholder 2"/>
+          <p:cNvSpPr>
+            <a:spLocks noGrp="1"/>
+          </p:cNvSpPr>
+          <p:nvPr>
+            <p:ph type="body" idx="1"/>
+          </p:nvPr>
+        </p:nvSpPr>
+        <p:spPr>
+          <a:xfrm>
+            <a:off x="1484312" y="4777381"/>
+            <a:ext cx="10018710" cy="860400"/>
+          </a:xfrm>
+        </p:spPr>
+        <p:txBody>
+          <a:bodyPr anchor="t">
+            <a:normAutofit/>
+          </a:bodyPr>
+          <a:lstStyle>
+            <a:lvl1pPr marL="0" indent="0" algn="r">
+              <a:buNone/>
+              <a:defRPr sz="2000">
+                <a:solidFill>
+                  <a:schemeClr val="tx1"/>
+                </a:solidFill>
+              </a:defRPr>
+            </a:lvl1pPr>
+            <a:lvl2pPr marL="457200" indent="0">
+              <a:buNone/>
+              <a:defRPr sz="1800">
+                <a:solidFill>
+                  <a:schemeClr val="tx1">
+                    <a:tint val="75000"/>
+                  </a:schemeClr>
+                </a:solidFill>
+              </a:defRPr>
+            </a:lvl2pPr>
+            <a:lvl3pPr marL="914400" indent="0">
+              <a:buNone/>
+              <a:defRPr sz="1600">
+                <a:solidFill>
+                  <a:schemeClr val="tx1">
+                    <a:tint val="75000"/>
+                  </a:schemeClr>
+                </a:solidFill>
+              </a:defRPr>
+            </a:lvl3pPr>
+            <a:lvl4pPr marL="1371600" indent="0">
+              <a:buNone/>
+              <a:defRPr sz="1400">
+                <a:solidFill>
+                  <a:schemeClr val="tx1">
+                    <a:tint val="75000"/>
+                  </a:schemeClr>
+                </a:solidFill>
+              </a:defRPr>
+            </a:lvl4pPr>
+            <a:lvl5pPr marL="1828800" indent="0">
+              <a:buNone/>
+              <a:defRPr sz="1400">
+                <a:solidFill>
+                  <a:schemeClr val="tx1">
+                    <a:tint val="75000"/>
+                  </a:schemeClr>
+                </a:solidFill>
+              </a:defRPr>
+            </a:lvl5pPr>
+            <a:lvl6pPr marL="2286000" indent="0">
+              <a:buNone/>
+              <a:defRPr sz="1400">
+                <a:solidFill>
+                  <a:schemeClr val="tx1">
+                    <a:tint val="75000"/>
+                  </a:schemeClr>
+                </a:solidFill>
+              </a:defRPr>
+            </a:lvl6pPr>
+            <a:lvl7pPr marL="2743200" indent="0">
+              <a:buNone/>
+              <a:defRPr sz="1400">
+                <a:solidFill>
+                  <a:schemeClr val="tx1">
+                    <a:tint val="75000"/>
+                  </a:schemeClr>
+                </a:solidFill>
+              </a:defRPr>
+            </a:lvl7pPr>
+            <a:lvl8pPr marL="3200400" indent="0">
+              <a:buNone/>
+              <a:defRPr sz="1400">
+                <a:solidFill>
+                  <a:schemeClr val="tx1">
+                    <a:tint val="75000"/>
+                  </a:schemeClr>
+                </a:solidFill>
+              </a:defRPr>
+            </a:lvl8pPr>
+            <a:lvl9pPr marL="3657600" indent="0">
+              <a:buNone/>
+              <a:defRPr sz="1400">
+                <a:solidFill>
+                  <a:schemeClr val="tx1">
+                    <a:tint val="75000"/>
+                  </a:schemeClr>
+                </a:solidFill>
+              </a:defRPr>
+            </a:lvl9pPr>
+          </a:lstStyle>
+          <a:p>
+            <a:pPr lvl="0"/>
+            <a:r>
+              <a:rPr lang="en-US"/>
+              <a:t>Click to edit Master text styles</a:t>
+            </a:r>
+          </a:p>
+        </p:txBody>
+      </p:sp>
+      <p:sp>
+        <p:nvSpPr>
+          <p:cNvPr id="4" name="Date Placeholder 3"/>
+          <p:cNvSpPr>
+            <a:spLocks noGrp="1"/>
+          </p:cNvSpPr>
+          <p:nvPr>
+            <p:ph type="dt" sz="half" idx="10"/>
+          </p:nvPr>
+        </p:nvSpPr>
+        <p:spPr/>
+        <p:txBody>
+          <a:bodyPr/>
+          <a:lstStyle/>
+          <a:p>
+            <a:fld id="{75010D13-5421-45FB-91B5-734B751F6B9F}" type="datetimeFigureOut">
+              <a:rPr lang="de-CH" smtClean="0"/>
+              <a:t>02.03.2025</a:t>
+            </a:fld>
+            <a:endParaRPr lang="de-CH"/>
+          </a:p>
+        </p:txBody>
+      </p:sp>
+      <p:sp>
+        <p:nvSpPr>
+          <p:cNvPr id="5" name="Footer Placeholder 4"/>
+          <p:cNvSpPr>
+            <a:spLocks noGrp="1"/>
+          </p:cNvSpPr>
+          <p:nvPr>
+            <p:ph type="ftr" sz="quarter" idx="11"/>
+          </p:nvPr>
+        </p:nvSpPr>
+        <p:spPr/>
+        <p:txBody>
+          <a:bodyPr/>
+          <a:lstStyle/>
+          <a:p>
+            <a:endParaRPr lang="de-CH"/>
+          </a:p>
+        </p:txBody>
+      </p:sp>
+      <p:sp>
+        <p:nvSpPr>
+          <p:cNvPr id="6" name="Slide Number Placeholder 5"/>
+          <p:cNvSpPr>
+            <a:spLocks noGrp="1"/>
+          </p:cNvSpPr>
+          <p:nvPr>
+            <p:ph type="sldNum" sz="quarter" idx="12"/>
+          </p:nvPr>
+        </p:nvSpPr>
+        <p:spPr/>
+        <p:txBody>
+          <a:bodyPr/>
+          <a:lstStyle/>
+          <a:p>
+            <a:fld id="{BD6BDAE4-A718-497F-BD43-B43AF474C268}" type="slidenum">
+              <a:rPr lang="de-CH" smtClean="0"/>
+              <a:t>‹#›</a:t>
+            </a:fld>
+            <a:endParaRPr lang="de-CH"/>
+          </a:p>
+        </p:txBody>
+      </p:sp>
+    </p:spTree>
+    <p:extLst>
+      <p:ext uri="{BB962C8B-B14F-4D97-AF65-F5344CB8AC3E}">
+        <p14:creationId xmlns:p14="http://schemas.microsoft.com/office/powerpoint/2010/main" val="3802708024"/>
+      </p:ext>
+    </p:extLst>
+  </p:cSld>
+  <p:clrMapOvr>
+    <a:masterClrMapping/>
+  </p:clrMapOvr>
+</p:sldLayout>
+</file>
+
+<file path=ppt/slideLayouts/slideLayout14.xml><?xml version="1.0" encoding="utf-8"?>
+<p:sldLayout xmlns:a="http://schemas.openxmlformats.org/drawingml/2006/main" xmlns:r="http://schemas.openxmlformats.org/officeDocument/2006/relationships" xmlns:p="http://schemas.openxmlformats.org/presentationml/2006/main" preserve="1">
+  <p:cSld name="Quote Name Card">
+    <p:spTree>
+      <p:nvGrpSpPr>
+        <p:cNvPr id="1" name=""/>
+        <p:cNvGrpSpPr/>
+        <p:nvPr/>
+      </p:nvGrpSpPr>
+      <p:grpSpPr>
+        <a:xfrm>
+          <a:off x="0" y="0"/>
+          <a:ext cx="0" cy="0"/>
+          <a:chOff x="0" y="0"/>
+          <a:chExt cx="0" cy="0"/>
+        </a:xfrm>
+      </p:grpSpPr>
+      <p:sp>
+        <p:nvSpPr>
+          <p:cNvPr id="14" name="TextBox 13"/>
+          <p:cNvSpPr txBox="1"/>
+          <p:nvPr/>
+        </p:nvSpPr>
+        <p:spPr>
+          <a:xfrm>
+            <a:off x="1598612" y="863023"/>
+            <a:ext cx="609600" cy="584776"/>
+          </a:xfrm>
+          <a:prstGeom prst="rect">
+            <a:avLst/>
+          </a:prstGeom>
+        </p:spPr>
+        <p:txBody>
+          <a:bodyPr vert="horz" lIns="91440" tIns="45720" rIns="91440" bIns="45720" rtlCol="0" anchor="ctr">
+            <a:noAutofit/>
+          </a:bodyPr>
+          <a:lstStyle>
+            <a:lvl1pPr>
+              <a:spcBef>
+                <a:spcPct val="0"/>
+              </a:spcBef>
+              <a:buNone/>
+              <a:defRPr sz="3200" b="0" cap="all">
+                <a:ln w="3175" cmpd="sng">
+                  <a:noFill/>
+                </a:ln>
+                <a:effectLst>
+                  <a:glow rad="38100">
+                    <a:schemeClr val="bg1">
+                      <a:lumMod val="65000"/>
+                      <a:lumOff val="35000"/>
+                      <a:alpha val="40000"/>
+                    </a:schemeClr>
+                  </a:glow>
+                  <a:outerShdw blurRad="28575" dist="38100" dir="14040000" algn="tl" rotWithShape="0">
+                    <a:srgbClr val="000000">
+                      <a:alpha val="25000"/>
+                    </a:srgbClr>
+                  </a:outerShdw>
+                </a:effectLst>
+              </a:defRPr>
+            </a:lvl1pPr>
+            <a:lvl2pPr>
+              <a:defRPr>
+                <a:solidFill>
+                  <a:schemeClr val="tx2"/>
+                </a:solidFill>
+              </a:defRPr>
+            </a:lvl2pPr>
+            <a:lvl3pPr>
+              <a:defRPr>
+                <a:solidFill>
+                  <a:schemeClr val="tx2"/>
+                </a:solidFill>
+              </a:defRPr>
+            </a:lvl3pPr>
+            <a:lvl4pPr>
+              <a:defRPr>
+                <a:solidFill>
+                  <a:schemeClr val="tx2"/>
+                </a:solidFill>
+              </a:defRPr>
+            </a:lvl4pPr>
+            <a:lvl5pPr>
+              <a:defRPr>
+                <a:solidFill>
+                  <a:schemeClr val="tx2"/>
+                </a:solidFill>
+              </a:defRPr>
+            </a:lvl5pPr>
+            <a:lvl6pPr>
+              <a:defRPr>
+                <a:solidFill>
+                  <a:schemeClr val="tx2"/>
+                </a:solidFill>
+              </a:defRPr>
+            </a:lvl6pPr>
+            <a:lvl7pPr>
+              <a:defRPr>
+                <a:solidFill>
+                  <a:schemeClr val="tx2"/>
+                </a:solidFill>
+              </a:defRPr>
+            </a:lvl7pPr>
+            <a:lvl8pPr>
+              <a:defRPr>
+                <a:solidFill>
+                  <a:schemeClr val="tx2"/>
+                </a:solidFill>
+              </a:defRPr>
+            </a:lvl8pPr>
+            <a:lvl9pPr>
+              <a:defRPr>
+                <a:solidFill>
+                  <a:schemeClr val="tx2"/>
+                </a:solidFill>
+              </a:defRPr>
+            </a:lvl9pPr>
+          </a:lstStyle>
+          <a:p>
+            <a:pPr lvl="0"/>
+            <a:r>
+              <a:rPr lang="en-US" sz="8000" dirty="0">
+                <a:solidFill>
+                  <a:schemeClr val="tx1"/>
+                </a:solidFill>
+                <a:effectLst/>
+              </a:rPr>
+              <a:t>“</a:t>
+            </a:r>
+          </a:p>
+        </p:txBody>
+      </p:sp>
+      <p:sp>
+        <p:nvSpPr>
+          <p:cNvPr id="15" name="TextBox 14"/>
+          <p:cNvSpPr txBox="1"/>
+          <p:nvPr/>
+        </p:nvSpPr>
+        <p:spPr>
+          <a:xfrm>
+            <a:off x="10893425" y="2819399"/>
+            <a:ext cx="609600" cy="584776"/>
+          </a:xfrm>
+          <a:prstGeom prst="rect">
+            <a:avLst/>
+          </a:prstGeom>
+        </p:spPr>
+        <p:txBody>
+          <a:bodyPr vert="horz" lIns="91440" tIns="45720" rIns="91440" bIns="45720" rtlCol="0" anchor="ctr">
+            <a:noAutofit/>
+          </a:bodyPr>
+          <a:lstStyle>
+            <a:lvl1pPr>
+              <a:spcBef>
+                <a:spcPct val="0"/>
+              </a:spcBef>
+              <a:buNone/>
+              <a:defRPr sz="3200" b="0" cap="all">
+                <a:ln w="3175" cmpd="sng">
+                  <a:noFill/>
+                </a:ln>
+                <a:effectLst>
+                  <a:glow rad="38100">
+                    <a:schemeClr val="bg1">
+                      <a:lumMod val="65000"/>
+                      <a:lumOff val="35000"/>
+                      <a:alpha val="40000"/>
+                    </a:schemeClr>
+                  </a:glow>
+                  <a:outerShdw blurRad="28575" dist="38100" dir="14040000" algn="tl" rotWithShape="0">
+                    <a:srgbClr val="000000">
+                      <a:alpha val="25000"/>
+                    </a:srgbClr>
+                  </a:outerShdw>
+                </a:effectLst>
+              </a:defRPr>
+            </a:lvl1pPr>
+            <a:lvl2pPr>
+              <a:defRPr>
+                <a:solidFill>
+                  <a:schemeClr val="tx2"/>
+                </a:solidFill>
+              </a:defRPr>
+            </a:lvl2pPr>
+            <a:lvl3pPr>
+              <a:defRPr>
+                <a:solidFill>
+                  <a:schemeClr val="tx2"/>
+                </a:solidFill>
+              </a:defRPr>
+            </a:lvl3pPr>
+            <a:lvl4pPr>
+              <a:defRPr>
+                <a:solidFill>
+                  <a:schemeClr val="tx2"/>
+                </a:solidFill>
+              </a:defRPr>
+            </a:lvl4pPr>
+            <a:lvl5pPr>
+              <a:defRPr>
+                <a:solidFill>
+                  <a:schemeClr val="tx2"/>
+                </a:solidFill>
+              </a:defRPr>
+            </a:lvl5pPr>
+            <a:lvl6pPr>
+              <a:defRPr>
+                <a:solidFill>
+                  <a:schemeClr val="tx2"/>
+                </a:solidFill>
+              </a:defRPr>
+            </a:lvl6pPr>
+            <a:lvl7pPr>
+              <a:defRPr>
+                <a:solidFill>
+                  <a:schemeClr val="tx2"/>
+                </a:solidFill>
+              </a:defRPr>
+            </a:lvl7pPr>
+            <a:lvl8pPr>
+              <a:defRPr>
+                <a:solidFill>
+                  <a:schemeClr val="tx2"/>
+                </a:solidFill>
+              </a:defRPr>
+            </a:lvl8pPr>
+            <a:lvl9pPr>
+              <a:defRPr>
+                <a:solidFill>
+                  <a:schemeClr val="tx2"/>
+                </a:solidFill>
+              </a:defRPr>
+            </a:lvl9pPr>
+          </a:lstStyle>
+          <a:p>
+            <a:pPr lvl="0" algn="r"/>
+            <a:r>
+              <a:rPr lang="en-US" sz="8000" dirty="0">
+                <a:solidFill>
+                  <a:schemeClr val="tx1"/>
+                </a:solidFill>
+                <a:effectLst/>
+              </a:rPr>
+              <a:t>”</a:t>
+            </a:r>
+          </a:p>
+        </p:txBody>
+      </p:sp>
+      <p:sp>
+        <p:nvSpPr>
+          <p:cNvPr id="2" name="Title 1"/>
+          <p:cNvSpPr>
+            <a:spLocks noGrp="1"/>
+          </p:cNvSpPr>
+          <p:nvPr>
+            <p:ph type="title"/>
+          </p:nvPr>
+        </p:nvSpPr>
+        <p:spPr>
+          <a:xfrm>
+            <a:off x="2208212" y="685800"/>
+            <a:ext cx="8990012" cy="2743199"/>
+          </a:xfrm>
+        </p:spPr>
+        <p:txBody>
+          <a:bodyPr anchor="ctr">
+            <a:normAutofit/>
+          </a:bodyPr>
+          <a:lstStyle>
+            <a:lvl1pPr algn="ctr">
+              <a:defRPr sz="3200" b="0" cap="none">
+                <a:solidFill>
+                  <a:schemeClr val="tx1"/>
+                </a:solidFill>
+              </a:defRPr>
+            </a:lvl1pPr>
+          </a:lstStyle>
+          <a:p>
+            <a:r>
+              <a:rPr lang="en-US"/>
+              <a:t>Click to edit Master title style</a:t>
+            </a:r>
+            <a:endParaRPr lang="en-US" dirty="0"/>
+          </a:p>
+        </p:txBody>
+      </p:sp>
+      <p:sp>
+        <p:nvSpPr>
+          <p:cNvPr id="10" name="Text Placeholder 9"/>
+          <p:cNvSpPr>
+            <a:spLocks noGrp="1"/>
+          </p:cNvSpPr>
+          <p:nvPr>
+            <p:ph type="body" sz="quarter" idx="13"/>
+          </p:nvPr>
+        </p:nvSpPr>
+        <p:spPr>
+          <a:xfrm>
+            <a:off x="1484313" y="3886200"/>
+            <a:ext cx="10018710" cy="889000"/>
+          </a:xfrm>
+        </p:spPr>
+        <p:txBody>
+          <a:bodyPr vert="horz" lIns="91440" tIns="45720" rIns="91440" bIns="45720" rtlCol="0" anchor="b">
+            <a:normAutofit/>
+          </a:bodyPr>
+          <a:lstStyle>
+            <a:lvl1pPr algn="r">
+              <a:buNone/>
+              <a:defRPr lang="en-US" sz="2400" b="0" cap="none" dirty="0">
+                <a:ln w="3175" cmpd="sng">
+                  <a:noFill/>
+                </a:ln>
+                <a:solidFill>
+                  <a:schemeClr val="tx1"/>
+                </a:solidFill>
+                <a:effectLst/>
+              </a:defRPr>
+            </a:lvl1pPr>
+          </a:lstStyle>
+          <a:p>
+            <a:pPr marL="0" lvl="0">
+              <a:spcBef>
+                <a:spcPct val="0"/>
+              </a:spcBef>
+              <a:buNone/>
+            </a:pPr>
+            <a:r>
+              <a:rPr lang="en-US"/>
+              <a:t>Click to edit Master text styles</a:t>
+            </a:r>
+          </a:p>
+        </p:txBody>
+      </p:sp>
+      <p:sp>
+        <p:nvSpPr>
+          <p:cNvPr id="3" name="Text Placeholder 2"/>
+          <p:cNvSpPr>
+            <a:spLocks noGrp="1"/>
+          </p:cNvSpPr>
+          <p:nvPr>
+            <p:ph type="body" idx="1"/>
+          </p:nvPr>
+        </p:nvSpPr>
+        <p:spPr>
+          <a:xfrm>
+            <a:off x="1484312" y="4775200"/>
+            <a:ext cx="10018710" cy="1016000"/>
+          </a:xfrm>
+        </p:spPr>
+        <p:txBody>
+          <a:bodyPr anchor="t">
+            <a:normAutofit/>
+          </a:bodyPr>
+          <a:lstStyle>
+            <a:lvl1pPr marL="0" indent="0" algn="r">
+              <a:buNone/>
+              <a:defRPr sz="1800">
+                <a:solidFill>
+                  <a:schemeClr val="tx1"/>
+                </a:solidFill>
+              </a:defRPr>
+            </a:lvl1pPr>
+            <a:lvl2pPr marL="457200" indent="0">
+              <a:buNone/>
+              <a:defRPr sz="1800">
+                <a:solidFill>
+                  <a:schemeClr val="tx1">
+                    <a:tint val="75000"/>
+                  </a:schemeClr>
+                </a:solidFill>
+              </a:defRPr>
+            </a:lvl2pPr>
+            <a:lvl3pPr marL="914400" indent="0">
+              <a:buNone/>
+              <a:defRPr sz="1600">
+                <a:solidFill>
+                  <a:schemeClr val="tx1">
+                    <a:tint val="75000"/>
+                  </a:schemeClr>
+                </a:solidFill>
+              </a:defRPr>
+            </a:lvl3pPr>
+            <a:lvl4pPr marL="1371600" indent="0">
+              <a:buNone/>
+              <a:defRPr sz="1400">
+                <a:solidFill>
+                  <a:schemeClr val="tx1">
+                    <a:tint val="75000"/>
+                  </a:schemeClr>
+                </a:solidFill>
+              </a:defRPr>
+            </a:lvl4pPr>
+            <a:lvl5pPr marL="1828800" indent="0">
+              <a:buNone/>
+              <a:defRPr sz="1400">
+                <a:solidFill>
+                  <a:schemeClr val="tx1">
+                    <a:tint val="75000"/>
+                  </a:schemeClr>
+                </a:solidFill>
+              </a:defRPr>
+            </a:lvl5pPr>
+            <a:lvl6pPr marL="2286000" indent="0">
+              <a:buNone/>
+              <a:defRPr sz="1400">
+                <a:solidFill>
+                  <a:schemeClr val="tx1">
+                    <a:tint val="75000"/>
+                  </a:schemeClr>
+                </a:solidFill>
+              </a:defRPr>
+            </a:lvl6pPr>
+            <a:lvl7pPr marL="2743200" indent="0">
+              <a:buNone/>
+              <a:defRPr sz="1400">
+                <a:solidFill>
+                  <a:schemeClr val="tx1">
+                    <a:tint val="75000"/>
+                  </a:schemeClr>
+                </a:solidFill>
+              </a:defRPr>
+            </a:lvl7pPr>
+            <a:lvl8pPr marL="3200400" indent="0">
+              <a:buNone/>
+              <a:defRPr sz="1400">
+                <a:solidFill>
+                  <a:schemeClr val="tx1">
+                    <a:tint val="75000"/>
+                  </a:schemeClr>
+                </a:solidFill>
+              </a:defRPr>
+            </a:lvl8pPr>
+            <a:lvl9pPr marL="3657600" indent="0">
+              <a:buNone/>
+              <a:defRPr sz="1400">
+                <a:solidFill>
+                  <a:schemeClr val="tx1">
+                    <a:tint val="75000"/>
+                  </a:schemeClr>
+                </a:solidFill>
+              </a:defRPr>
+            </a:lvl9pPr>
+          </a:lstStyle>
+          <a:p>
+            <a:pPr lvl="0"/>
+            <a:r>
+              <a:rPr lang="en-US"/>
+              <a:t>Click to edit Master text styles</a:t>
+            </a:r>
+          </a:p>
+        </p:txBody>
+      </p:sp>
+      <p:sp>
+        <p:nvSpPr>
+          <p:cNvPr id="4" name="Date Placeholder 3"/>
+          <p:cNvSpPr>
+            <a:spLocks noGrp="1"/>
+          </p:cNvSpPr>
+          <p:nvPr>
+            <p:ph type="dt" sz="half" idx="10"/>
+          </p:nvPr>
+        </p:nvSpPr>
+        <p:spPr/>
+        <p:txBody>
+          <a:bodyPr/>
+          <a:lstStyle/>
+          <a:p>
+            <a:fld id="{75010D13-5421-45FB-91B5-734B751F6B9F}" type="datetimeFigureOut">
+              <a:rPr lang="de-CH" smtClean="0"/>
+              <a:t>02.03.2025</a:t>
+            </a:fld>
+            <a:endParaRPr lang="de-CH"/>
+          </a:p>
+        </p:txBody>
+      </p:sp>
+      <p:sp>
+        <p:nvSpPr>
+          <p:cNvPr id="5" name="Footer Placeholder 4"/>
+          <p:cNvSpPr>
+            <a:spLocks noGrp="1"/>
+          </p:cNvSpPr>
+          <p:nvPr>
+            <p:ph type="ftr" sz="quarter" idx="11"/>
+          </p:nvPr>
+        </p:nvSpPr>
+        <p:spPr/>
+        <p:txBody>
+          <a:bodyPr/>
+          <a:lstStyle/>
+          <a:p>
+            <a:endParaRPr lang="de-CH"/>
+          </a:p>
+        </p:txBody>
+      </p:sp>
+      <p:sp>
+        <p:nvSpPr>
+          <p:cNvPr id="6" name="Slide Number Placeholder 5"/>
+          <p:cNvSpPr>
+            <a:spLocks noGrp="1"/>
+          </p:cNvSpPr>
+          <p:nvPr>
+            <p:ph type="sldNum" sz="quarter" idx="12"/>
+          </p:nvPr>
+        </p:nvSpPr>
+        <p:spPr/>
+        <p:txBody>
+          <a:bodyPr/>
+          <a:lstStyle/>
+          <a:p>
+            <a:fld id="{BD6BDAE4-A718-497F-BD43-B43AF474C268}" type="slidenum">
+              <a:rPr lang="de-CH" smtClean="0"/>
+              <a:t>‹#›</a:t>
+            </a:fld>
+            <a:endParaRPr lang="de-CH"/>
+          </a:p>
+        </p:txBody>
+      </p:sp>
+    </p:spTree>
+    <p:extLst>
+      <p:ext uri="{BB962C8B-B14F-4D97-AF65-F5344CB8AC3E}">
+        <p14:creationId xmlns:p14="http://schemas.microsoft.com/office/powerpoint/2010/main" val="2460023964"/>
+      </p:ext>
+    </p:extLst>
+  </p:cSld>
+  <p:clrMapOvr>
+    <a:masterClrMapping/>
+  </p:clrMapOvr>
+</p:sldLayout>
+</file>
+
+<file path=ppt/slideLayouts/slideLayout15.xml><?xml version="1.0" encoding="utf-8"?>
+<p:sldLayout xmlns:a="http://schemas.openxmlformats.org/drawingml/2006/main" xmlns:r="http://schemas.openxmlformats.org/officeDocument/2006/relationships" xmlns:p="http://schemas.openxmlformats.org/presentationml/2006/main" preserve="1">
+  <p:cSld name="True or False">
+    <p:spTree>
+      <p:nvGrpSpPr>
+        <p:cNvPr id="1" name=""/>
+        <p:cNvGrpSpPr/>
+        <p:nvPr/>
+      </p:nvGrpSpPr>
+      <p:grpSpPr>
+        <a:xfrm>
+          <a:off x="0" y="0"/>
+          <a:ext cx="0" cy="0"/>
+          <a:chOff x="0" y="0"/>
+          <a:chExt cx="0" cy="0"/>
+        </a:xfrm>
+      </p:grpSpPr>
+      <p:sp>
+        <p:nvSpPr>
+          <p:cNvPr id="2" name="Title 1"/>
+          <p:cNvSpPr>
+            <a:spLocks noGrp="1"/>
+          </p:cNvSpPr>
+          <p:nvPr>
+            <p:ph type="title"/>
+          </p:nvPr>
+        </p:nvSpPr>
+        <p:spPr>
+          <a:xfrm>
+            <a:off x="1484313" y="685800"/>
+            <a:ext cx="10018712" cy="2727325"/>
+          </a:xfrm>
+        </p:spPr>
+        <p:txBody>
+          <a:bodyPr vert="horz" lIns="91440" tIns="45720" rIns="91440" bIns="45720" rtlCol="0" anchor="ctr">
+            <a:normAutofit/>
+          </a:bodyPr>
+          <a:lstStyle>
+            <a:lvl1pPr>
+              <a:defRPr lang="en-US" b="0" dirty="0"/>
+            </a:lvl1pPr>
+          </a:lstStyle>
+          <a:p>
+            <a:pPr marL="0" lvl="0"/>
+            <a:r>
+              <a:rPr lang="en-US"/>
+              <a:t>Click to edit Master title style</a:t>
+            </a:r>
+            <a:endParaRPr lang="en-US" dirty="0"/>
+          </a:p>
+        </p:txBody>
+      </p:sp>
+      <p:sp>
+        <p:nvSpPr>
+          <p:cNvPr id="10" name="Text Placeholder 9"/>
+          <p:cNvSpPr>
+            <a:spLocks noGrp="1"/>
+          </p:cNvSpPr>
+          <p:nvPr>
+            <p:ph type="body" sz="quarter" idx="13"/>
+          </p:nvPr>
+        </p:nvSpPr>
+        <p:spPr>
+          <a:xfrm>
+            <a:off x="1484312" y="3505200"/>
+            <a:ext cx="10018713" cy="838200"/>
+          </a:xfrm>
+        </p:spPr>
+        <p:txBody>
+          <a:bodyPr vert="horz" lIns="91440" tIns="45720" rIns="91440" bIns="45720" rtlCol="0" anchor="b">
+            <a:normAutofit/>
+          </a:bodyPr>
+          <a:lstStyle>
+            <a:lvl1pPr>
+              <a:buNone/>
+              <a:defRPr lang="en-US" sz="2800" b="0" cap="none" dirty="0">
+                <a:ln w="3175" cmpd="sng">
+                  <a:noFill/>
+                </a:ln>
+                <a:solidFill>
+                  <a:schemeClr val="tx1"/>
+                </a:solidFill>
+                <a:effectLst/>
+              </a:defRPr>
+            </a:lvl1pPr>
+          </a:lstStyle>
+          <a:p>
+            <a:pPr marL="0" lvl="0">
+              <a:spcBef>
+                <a:spcPct val="0"/>
+              </a:spcBef>
+              <a:buNone/>
+            </a:pPr>
+            <a:r>
+              <a:rPr lang="en-US"/>
+              <a:t>Click to edit Master text styles</a:t>
+            </a:r>
+          </a:p>
+        </p:txBody>
+      </p:sp>
+      <p:sp>
+        <p:nvSpPr>
+          <p:cNvPr id="3" name="Text Placeholder 2"/>
+          <p:cNvSpPr>
+            <a:spLocks noGrp="1"/>
+          </p:cNvSpPr>
+          <p:nvPr>
+            <p:ph type="body" idx="1"/>
+          </p:nvPr>
+        </p:nvSpPr>
+        <p:spPr>
+          <a:xfrm>
+            <a:off x="1484311" y="4343400"/>
+            <a:ext cx="10018713" cy="1447800"/>
+          </a:xfrm>
+        </p:spPr>
+        <p:txBody>
+          <a:bodyPr anchor="t">
+            <a:normAutofit/>
+          </a:bodyPr>
+          <a:lstStyle>
+            <a:lvl1pPr marL="0" indent="0" algn="l">
+              <a:buNone/>
+              <a:defRPr sz="1800">
+                <a:solidFill>
+                  <a:schemeClr val="tx1"/>
+                </a:solidFill>
+              </a:defRPr>
+            </a:lvl1pPr>
+            <a:lvl2pPr marL="457200" indent="0">
+              <a:buNone/>
+              <a:defRPr sz="1800">
+                <a:solidFill>
+                  <a:schemeClr val="tx1">
+                    <a:tint val="75000"/>
+                  </a:schemeClr>
+                </a:solidFill>
+              </a:defRPr>
+            </a:lvl2pPr>
+            <a:lvl3pPr marL="914400" indent="0">
+              <a:buNone/>
+              <a:defRPr sz="1600">
+                <a:solidFill>
+                  <a:schemeClr val="tx1">
+                    <a:tint val="75000"/>
+                  </a:schemeClr>
+                </a:solidFill>
+              </a:defRPr>
+            </a:lvl3pPr>
+            <a:lvl4pPr marL="1371600" indent="0">
+              <a:buNone/>
+              <a:defRPr sz="1400">
+                <a:solidFill>
+                  <a:schemeClr val="tx1">
+                    <a:tint val="75000"/>
+                  </a:schemeClr>
+                </a:solidFill>
+              </a:defRPr>
+            </a:lvl4pPr>
+            <a:lvl5pPr marL="1828800" indent="0">
+              <a:buNone/>
+              <a:defRPr sz="1400">
+                <a:solidFill>
+                  <a:schemeClr val="tx1">
+                    <a:tint val="75000"/>
+                  </a:schemeClr>
+                </a:solidFill>
+              </a:defRPr>
+            </a:lvl5pPr>
+            <a:lvl6pPr marL="2286000" indent="0">
+              <a:buNone/>
+              <a:defRPr sz="1400">
+                <a:solidFill>
+                  <a:schemeClr val="tx1">
+                    <a:tint val="75000"/>
+                  </a:schemeClr>
+                </a:solidFill>
+              </a:defRPr>
+            </a:lvl6pPr>
+            <a:lvl7pPr marL="2743200" indent="0">
+              <a:buNone/>
+              <a:defRPr sz="1400">
+                <a:solidFill>
+                  <a:schemeClr val="tx1">
+                    <a:tint val="75000"/>
+                  </a:schemeClr>
+                </a:solidFill>
+              </a:defRPr>
+            </a:lvl7pPr>
+            <a:lvl8pPr marL="3200400" indent="0">
+              <a:buNone/>
+              <a:defRPr sz="1400">
+                <a:solidFill>
+                  <a:schemeClr val="tx1">
+                    <a:tint val="75000"/>
+                  </a:schemeClr>
+                </a:solidFill>
+              </a:defRPr>
+            </a:lvl8pPr>
+            <a:lvl9pPr marL="3657600" indent="0">
+              <a:buNone/>
+              <a:defRPr sz="1400">
+                <a:solidFill>
+                  <a:schemeClr val="tx1">
+                    <a:tint val="75000"/>
+                  </a:schemeClr>
+                </a:solidFill>
+              </a:defRPr>
+            </a:lvl9pPr>
+          </a:lstStyle>
+          <a:p>
+            <a:pPr lvl="0"/>
+            <a:r>
+              <a:rPr lang="en-US"/>
+              <a:t>Click to edit Master text styles</a:t>
+            </a:r>
+          </a:p>
+        </p:txBody>
+      </p:sp>
+      <p:sp>
+        <p:nvSpPr>
+          <p:cNvPr id="4" name="Date Placeholder 3"/>
+          <p:cNvSpPr>
+            <a:spLocks noGrp="1"/>
+          </p:cNvSpPr>
+          <p:nvPr>
+            <p:ph type="dt" sz="half" idx="10"/>
+          </p:nvPr>
+        </p:nvSpPr>
+        <p:spPr/>
+        <p:txBody>
+          <a:bodyPr/>
+          <a:lstStyle/>
+          <a:p>
+            <a:fld id="{75010D13-5421-45FB-91B5-734B751F6B9F}" type="datetimeFigureOut">
+              <a:rPr lang="de-CH" smtClean="0"/>
+              <a:t>02.03.2025</a:t>
+            </a:fld>
+            <a:endParaRPr lang="de-CH"/>
+          </a:p>
+        </p:txBody>
+      </p:sp>
+      <p:sp>
+        <p:nvSpPr>
+          <p:cNvPr id="5" name="Footer Placeholder 4"/>
+          <p:cNvSpPr>
+            <a:spLocks noGrp="1"/>
+          </p:cNvSpPr>
+          <p:nvPr>
+            <p:ph type="ftr" sz="quarter" idx="11"/>
+          </p:nvPr>
+        </p:nvSpPr>
+        <p:spPr/>
+        <p:txBody>
+          <a:bodyPr/>
+          <a:lstStyle/>
+          <a:p>
+            <a:endParaRPr lang="de-CH"/>
+          </a:p>
+        </p:txBody>
+      </p:sp>
+      <p:sp>
+        <p:nvSpPr>
+          <p:cNvPr id="6" name="Slide Number Placeholder 5"/>
+          <p:cNvSpPr>
+            <a:spLocks noGrp="1"/>
+          </p:cNvSpPr>
+          <p:nvPr>
+            <p:ph type="sldNum" sz="quarter" idx="12"/>
+          </p:nvPr>
+        </p:nvSpPr>
+        <p:spPr/>
+        <p:txBody>
+          <a:bodyPr/>
+          <a:lstStyle/>
+          <a:p>
+            <a:fld id="{BD6BDAE4-A718-497F-BD43-B43AF474C268}" type="slidenum">
+              <a:rPr lang="de-CH" smtClean="0"/>
+              <a:t>‹#›</a:t>
+            </a:fld>
+            <a:endParaRPr lang="de-CH"/>
+          </a:p>
+        </p:txBody>
+      </p:sp>
+    </p:spTree>
+    <p:extLst>
+      <p:ext uri="{BB962C8B-B14F-4D97-AF65-F5344CB8AC3E}">
+        <p14:creationId xmlns:p14="http://schemas.microsoft.com/office/powerpoint/2010/main" val="3146553875"/>
+      </p:ext>
+    </p:extLst>
+  </p:cSld>
+  <p:clrMapOvr>
+    <a:masterClrMapping/>
+  </p:clrMapOvr>
+</p:sldLayout>
+</file>
+
+<file path=ppt/slideLayouts/slideLayout16.xml><?xml version="1.0" encoding="utf-8"?>
 <p:sldLayout xmlns:a="http://schemas.openxmlformats.org/drawingml/2006/main" xmlns:r="http://schemas.openxmlformats.org/officeDocument/2006/relationships" xmlns:p="http://schemas.openxmlformats.org/presentationml/2006/main" type="vertTx" preserve="1">
   <p:cSld name="Title and Vertical Text">
     <p:spTree>
@@ -360,13 +2862,7 @@
       </p:grpSpPr>
       <p:sp>
         <p:nvSpPr>
-          <p:cNvPr id="2" name="Title 1">
-            <a:extLst>
-              <a:ext uri="{FF2B5EF4-FFF2-40B4-BE49-F238E27FC236}">
-                <a16:creationId xmlns:a16="http://schemas.microsoft.com/office/drawing/2014/main" id="{D384FA4E-6435-E970-C49E-4A5BF9430F0C}"/>
-              </a:ext>
-            </a:extLst>
-          </p:cNvPr>
+          <p:cNvPr id="2" name="Title 1"/>
           <p:cNvSpPr>
             <a:spLocks noGrp="1"/>
           </p:cNvSpPr>
@@ -377,25 +2873,23 @@
         <p:spPr/>
         <p:txBody>
           <a:bodyPr/>
-          <a:lstStyle/>
+          <a:lstStyle>
+            <a:lvl1pPr algn="ctr">
+              <a:defRPr/>
+            </a:lvl1pPr>
+          </a:lstStyle>
           <a:p>
             <a:r>
               <a:rPr lang="en-US"/>
               <a:t>Click to edit Master title style</a:t>
             </a:r>
-            <a:endParaRPr lang="de-CH"/>
-          </a:p>
-        </p:txBody>
-      </p:sp>
-      <p:sp>
-        <p:nvSpPr>
-          <p:cNvPr id="3" name="Vertical Text Placeholder 2">
-            <a:extLst>
-              <a:ext uri="{FF2B5EF4-FFF2-40B4-BE49-F238E27FC236}">
-                <a16:creationId xmlns:a16="http://schemas.microsoft.com/office/drawing/2014/main" id="{2173E3F0-3082-B409-F3E7-E7DEEAA7ABAC}"/>
-              </a:ext>
-            </a:extLst>
-          </p:cNvPr>
+            <a:endParaRPr lang="en-US" dirty="0"/>
+          </a:p>
+        </p:txBody>
+      </p:sp>
+      <p:sp>
+        <p:nvSpPr>
+          <p:cNvPr id="3" name="Vertical Text Placeholder 2"/>
           <p:cNvSpPr>
             <a:spLocks noGrp="1"/>
           </p:cNvSpPr>
@@ -405,7 +2899,7 @@
         </p:nvSpPr>
         <p:spPr/>
         <p:txBody>
-          <a:bodyPr vert="eaVert"/>
+          <a:bodyPr vert="eaVert" anchor="t"/>
           <a:lstStyle/>
           <a:p>
             <a:pPr lvl="0"/>
@@ -441,19 +2935,13 @@
               <a:rPr lang="en-US"/>
               <a:t>Fifth level</a:t>
             </a:r>
-            <a:endParaRPr lang="de-CH"/>
-          </a:p>
-        </p:txBody>
-      </p:sp>
-      <p:sp>
-        <p:nvSpPr>
-          <p:cNvPr id="4" name="Date Placeholder 3">
-            <a:extLst>
-              <a:ext uri="{FF2B5EF4-FFF2-40B4-BE49-F238E27FC236}">
-                <a16:creationId xmlns:a16="http://schemas.microsoft.com/office/drawing/2014/main" id="{58A1A12C-FFA1-0A33-1CED-0CBCFF9A1784}"/>
-              </a:ext>
-            </a:extLst>
-          </p:cNvPr>
+            <a:endParaRPr lang="en-US" dirty="0"/>
+          </a:p>
+        </p:txBody>
+      </p:sp>
+      <p:sp>
+        <p:nvSpPr>
+          <p:cNvPr id="4" name="Date Placeholder 3"/>
           <p:cNvSpPr>
             <a:spLocks noGrp="1"/>
           </p:cNvSpPr>
@@ -468,7 +2956,7 @@
           <a:p>
             <a:fld id="{75010D13-5421-45FB-91B5-734B751F6B9F}" type="datetimeFigureOut">
               <a:rPr lang="de-CH" smtClean="0"/>
-              <a:t>28.02.2025</a:t>
+              <a:t>02.03.2025</a:t>
             </a:fld>
             <a:endParaRPr lang="de-CH"/>
           </a:p>
@@ -476,13 +2964,7 @@
       </p:sp>
       <p:sp>
         <p:nvSpPr>
-          <p:cNvPr id="5" name="Footer Placeholder 4">
-            <a:extLst>
-              <a:ext uri="{FF2B5EF4-FFF2-40B4-BE49-F238E27FC236}">
-                <a16:creationId xmlns:a16="http://schemas.microsoft.com/office/drawing/2014/main" id="{96DE8403-FF1C-BC0D-2644-13627301559F}"/>
-              </a:ext>
-            </a:extLst>
-          </p:cNvPr>
+          <p:cNvPr id="5" name="Footer Placeholder 4"/>
           <p:cNvSpPr>
             <a:spLocks noGrp="1"/>
           </p:cNvSpPr>
@@ -501,13 +2983,7 @@
       </p:sp>
       <p:sp>
         <p:nvSpPr>
-          <p:cNvPr id="6" name="Slide Number Placeholder 5">
-            <a:extLst>
-              <a:ext uri="{FF2B5EF4-FFF2-40B4-BE49-F238E27FC236}">
-                <a16:creationId xmlns:a16="http://schemas.microsoft.com/office/drawing/2014/main" id="{1D05AF7E-5E12-029B-23A5-986D03C5A725}"/>
-              </a:ext>
-            </a:extLst>
-          </p:cNvPr>
+          <p:cNvPr id="6" name="Slide Number Placeholder 5"/>
           <p:cNvSpPr>
             <a:spLocks noGrp="1"/>
           </p:cNvSpPr>
@@ -531,7 +3007,7 @@
     </p:spTree>
     <p:extLst>
       <p:ext uri="{BB962C8B-B14F-4D97-AF65-F5344CB8AC3E}">
-        <p14:creationId xmlns:p14="http://schemas.microsoft.com/office/powerpoint/2010/main" val="1196972956"/>
+        <p14:creationId xmlns:p14="http://schemas.microsoft.com/office/powerpoint/2010/main" val="863912759"/>
       </p:ext>
     </p:extLst>
   </p:cSld>
@@ -541,7 +3017,7 @@
 </p:sldLayout>
 </file>
 
-<file path=ppt/slideLayouts/slideLayout11.xml><?xml version="1.0" encoding="utf-8"?>
+<file path=ppt/slideLayouts/slideLayout17.xml><?xml version="1.0" encoding="utf-8"?>
 <p:sldLayout xmlns:a="http://schemas.openxmlformats.org/drawingml/2006/main" xmlns:r="http://schemas.openxmlformats.org/officeDocument/2006/relationships" xmlns:p="http://schemas.openxmlformats.org/presentationml/2006/main" type="vertTitleAndTx" preserve="1">
   <p:cSld name="Vertical Title and Text">
     <p:spTree>
@@ -560,13 +3036,7 @@
       </p:grpSpPr>
       <p:sp>
         <p:nvSpPr>
-          <p:cNvPr id="2" name="Vertical Title 1">
-            <a:extLst>
-              <a:ext uri="{FF2B5EF4-FFF2-40B4-BE49-F238E27FC236}">
-                <a16:creationId xmlns:a16="http://schemas.microsoft.com/office/drawing/2014/main" id="{4C3F4047-0380-51EB-D1B0-67F39D93D4E8}"/>
-              </a:ext>
-            </a:extLst>
-          </p:cNvPr>
+          <p:cNvPr id="2" name="Vertical Title 1"/>
           <p:cNvSpPr>
             <a:spLocks noGrp="1"/>
           </p:cNvSpPr>
@@ -576,8 +3046,8 @@
         </p:nvSpPr>
         <p:spPr>
           <a:xfrm>
-            <a:off x="8724900" y="365125"/>
-            <a:ext cx="2628900" cy="5811838"/>
+            <a:off x="9732655" y="685800"/>
+            <a:ext cx="1770369" cy="5105400"/>
           </a:xfrm>
         </p:spPr>
         <p:txBody>
@@ -588,19 +3058,13 @@
               <a:rPr lang="en-US"/>
               <a:t>Click to edit Master title style</a:t>
             </a:r>
-            <a:endParaRPr lang="de-CH"/>
-          </a:p>
-        </p:txBody>
-      </p:sp>
-      <p:sp>
-        <p:nvSpPr>
-          <p:cNvPr id="3" name="Vertical Text Placeholder 2">
-            <a:extLst>
-              <a:ext uri="{FF2B5EF4-FFF2-40B4-BE49-F238E27FC236}">
-                <a16:creationId xmlns:a16="http://schemas.microsoft.com/office/drawing/2014/main" id="{C62C4754-C6B8-9F3B-8910-4CF579D14B5F}"/>
-              </a:ext>
-            </a:extLst>
-          </p:cNvPr>
+            <a:endParaRPr lang="en-US" dirty="0"/>
+          </a:p>
+        </p:txBody>
+      </p:sp>
+      <p:sp>
+        <p:nvSpPr>
+          <p:cNvPr id="3" name="Vertical Text Placeholder 2"/>
           <p:cNvSpPr>
             <a:spLocks noGrp="1"/>
           </p:cNvSpPr>
@@ -610,12 +3074,12 @@
         </p:nvSpPr>
         <p:spPr>
           <a:xfrm>
-            <a:off x="838200" y="365125"/>
-            <a:ext cx="7734300" cy="5811838"/>
+            <a:off x="1484312" y="685800"/>
+            <a:ext cx="8019742" cy="5105400"/>
           </a:xfrm>
         </p:spPr>
         <p:txBody>
-          <a:bodyPr vert="eaVert"/>
+          <a:bodyPr vert="eaVert" anchor="t"/>
           <a:lstStyle/>
           <a:p>
             <a:pPr lvl="0"/>
@@ -651,19 +3115,13 @@
               <a:rPr lang="en-US"/>
               <a:t>Fifth level</a:t>
             </a:r>
-            <a:endParaRPr lang="de-CH"/>
-          </a:p>
-        </p:txBody>
-      </p:sp>
-      <p:sp>
-        <p:nvSpPr>
-          <p:cNvPr id="4" name="Date Placeholder 3">
-            <a:extLst>
-              <a:ext uri="{FF2B5EF4-FFF2-40B4-BE49-F238E27FC236}">
-                <a16:creationId xmlns:a16="http://schemas.microsoft.com/office/drawing/2014/main" id="{3067EAC2-E3D3-77B5-0206-0D9D593C9908}"/>
-              </a:ext>
-            </a:extLst>
-          </p:cNvPr>
+            <a:endParaRPr lang="en-US" dirty="0"/>
+          </a:p>
+        </p:txBody>
+      </p:sp>
+      <p:sp>
+        <p:nvSpPr>
+          <p:cNvPr id="4" name="Date Placeholder 3"/>
           <p:cNvSpPr>
             <a:spLocks noGrp="1"/>
           </p:cNvSpPr>
@@ -678,7 +3136,7 @@
           <a:p>
             <a:fld id="{75010D13-5421-45FB-91B5-734B751F6B9F}" type="datetimeFigureOut">
               <a:rPr lang="de-CH" smtClean="0"/>
-              <a:t>28.02.2025</a:t>
+              <a:t>02.03.2025</a:t>
             </a:fld>
             <a:endParaRPr lang="de-CH"/>
           </a:p>
@@ -686,13 +3144,7 @@
       </p:sp>
       <p:sp>
         <p:nvSpPr>
-          <p:cNvPr id="5" name="Footer Placeholder 4">
-            <a:extLst>
-              <a:ext uri="{FF2B5EF4-FFF2-40B4-BE49-F238E27FC236}">
-                <a16:creationId xmlns:a16="http://schemas.microsoft.com/office/drawing/2014/main" id="{EBE78C2D-17C8-AF5F-99E1-1FC56ED8EDFC}"/>
-              </a:ext>
-            </a:extLst>
-          </p:cNvPr>
+          <p:cNvPr id="5" name="Footer Placeholder 4"/>
           <p:cNvSpPr>
             <a:spLocks noGrp="1"/>
           </p:cNvSpPr>
@@ -711,13 +3163,7 @@
       </p:sp>
       <p:sp>
         <p:nvSpPr>
-          <p:cNvPr id="6" name="Slide Number Placeholder 5">
-            <a:extLst>
-              <a:ext uri="{FF2B5EF4-FFF2-40B4-BE49-F238E27FC236}">
-                <a16:creationId xmlns:a16="http://schemas.microsoft.com/office/drawing/2014/main" id="{02205DC2-2DAD-C3AC-FE8F-4AB3CC5064B0}"/>
-              </a:ext>
-            </a:extLst>
-          </p:cNvPr>
+          <p:cNvPr id="6" name="Slide Number Placeholder 5"/>
           <p:cNvSpPr>
             <a:spLocks noGrp="1"/>
           </p:cNvSpPr>
@@ -741,7 +3187,7 @@
     </p:spTree>
     <p:extLst>
       <p:ext uri="{BB962C8B-B14F-4D97-AF65-F5344CB8AC3E}">
-        <p14:creationId xmlns:p14="http://schemas.microsoft.com/office/powerpoint/2010/main" val="2591784958"/>
+        <p14:creationId xmlns:p14="http://schemas.microsoft.com/office/powerpoint/2010/main" val="2955896787"/>
       </p:ext>
     </p:extLst>
   </p:cSld>
@@ -770,13 +3216,7 @@
       </p:grpSpPr>
       <p:sp>
         <p:nvSpPr>
-          <p:cNvPr id="2" name="Title 1">
-            <a:extLst>
-              <a:ext uri="{FF2B5EF4-FFF2-40B4-BE49-F238E27FC236}">
-                <a16:creationId xmlns:a16="http://schemas.microsoft.com/office/drawing/2014/main" id="{A5F3618E-2C2D-69E4-EC5C-C1230B9291A7}"/>
-              </a:ext>
-            </a:extLst>
-          </p:cNvPr>
+          <p:cNvPr id="2" name="Title 1"/>
           <p:cNvSpPr>
             <a:spLocks noGrp="1"/>
           </p:cNvSpPr>
@@ -793,19 +3233,13 @@
               <a:rPr lang="en-US"/>
               <a:t>Click to edit Master title style</a:t>
             </a:r>
-            <a:endParaRPr lang="de-CH"/>
-          </a:p>
-        </p:txBody>
-      </p:sp>
-      <p:sp>
-        <p:nvSpPr>
-          <p:cNvPr id="3" name="Content Placeholder 2">
-            <a:extLst>
-              <a:ext uri="{FF2B5EF4-FFF2-40B4-BE49-F238E27FC236}">
-                <a16:creationId xmlns:a16="http://schemas.microsoft.com/office/drawing/2014/main" id="{AA19B13B-BAFB-F6E1-07D8-9B63DDC5A99D}"/>
-              </a:ext>
-            </a:extLst>
-          </p:cNvPr>
+            <a:endParaRPr lang="en-US" dirty="0"/>
+          </a:p>
+        </p:txBody>
+      </p:sp>
+      <p:sp>
+        <p:nvSpPr>
+          <p:cNvPr id="3" name="Content Placeholder 2"/>
           <p:cNvSpPr>
             <a:spLocks noGrp="1"/>
           </p:cNvSpPr>
@@ -815,7 +3249,7 @@
         </p:nvSpPr>
         <p:spPr/>
         <p:txBody>
-          <a:bodyPr/>
+          <a:bodyPr anchor="ctr"/>
           <a:lstStyle/>
           <a:p>
             <a:pPr lvl="0"/>
@@ -851,19 +3285,13 @@
               <a:rPr lang="en-US"/>
               <a:t>Fifth level</a:t>
             </a:r>
-            <a:endParaRPr lang="de-CH"/>
-          </a:p>
-        </p:txBody>
-      </p:sp>
-      <p:sp>
-        <p:nvSpPr>
-          <p:cNvPr id="4" name="Date Placeholder 3">
-            <a:extLst>
-              <a:ext uri="{FF2B5EF4-FFF2-40B4-BE49-F238E27FC236}">
-                <a16:creationId xmlns:a16="http://schemas.microsoft.com/office/drawing/2014/main" id="{ACE3C14B-5909-A347-C797-25B981486D32}"/>
-              </a:ext>
-            </a:extLst>
-          </p:cNvPr>
+            <a:endParaRPr lang="en-US" dirty="0"/>
+          </a:p>
+        </p:txBody>
+      </p:sp>
+      <p:sp>
+        <p:nvSpPr>
+          <p:cNvPr id="4" name="Date Placeholder 3"/>
           <p:cNvSpPr>
             <a:spLocks noGrp="1"/>
           </p:cNvSpPr>
@@ -878,7 +3306,7 @@
           <a:p>
             <a:fld id="{75010D13-5421-45FB-91B5-734B751F6B9F}" type="datetimeFigureOut">
               <a:rPr lang="de-CH" smtClean="0"/>
-              <a:t>28.02.2025</a:t>
+              <a:t>02.03.2025</a:t>
             </a:fld>
             <a:endParaRPr lang="de-CH"/>
           </a:p>
@@ -886,13 +3314,7 @@
       </p:sp>
       <p:sp>
         <p:nvSpPr>
-          <p:cNvPr id="5" name="Footer Placeholder 4">
-            <a:extLst>
-              <a:ext uri="{FF2B5EF4-FFF2-40B4-BE49-F238E27FC236}">
-                <a16:creationId xmlns:a16="http://schemas.microsoft.com/office/drawing/2014/main" id="{0C712E0C-3981-F746-E106-768C265A4715}"/>
-              </a:ext>
-            </a:extLst>
-          </p:cNvPr>
+          <p:cNvPr id="5" name="Footer Placeholder 4"/>
           <p:cNvSpPr>
             <a:spLocks noGrp="1"/>
           </p:cNvSpPr>
@@ -911,13 +3333,7 @@
       </p:sp>
       <p:sp>
         <p:nvSpPr>
-          <p:cNvPr id="6" name="Slide Number Placeholder 5">
-            <a:extLst>
-              <a:ext uri="{FF2B5EF4-FFF2-40B4-BE49-F238E27FC236}">
-                <a16:creationId xmlns:a16="http://schemas.microsoft.com/office/drawing/2014/main" id="{ECDF055B-9F42-D13B-26A0-C67172E8F50F}"/>
-              </a:ext>
-            </a:extLst>
-          </p:cNvPr>
+          <p:cNvPr id="6" name="Slide Number Placeholder 5"/>
           <p:cNvSpPr>
             <a:spLocks noGrp="1"/>
           </p:cNvSpPr>
@@ -925,7 +3341,12 @@
             <p:ph type="sldNum" sz="quarter" idx="12"/>
           </p:nvPr>
         </p:nvSpPr>
-        <p:spPr/>
+        <p:spPr>
+          <a:xfrm>
+            <a:off x="10951856" y="5867131"/>
+            <a:ext cx="551167" cy="365125"/>
+          </a:xfrm>
+        </p:spPr>
         <p:txBody>
           <a:bodyPr/>
           <a:lstStyle/>
@@ -941,7 +3362,7 @@
     </p:spTree>
     <p:extLst>
       <p:ext uri="{BB962C8B-B14F-4D97-AF65-F5344CB8AC3E}">
-        <p14:creationId xmlns:p14="http://schemas.microsoft.com/office/powerpoint/2010/main" val="3497342857"/>
+        <p14:creationId xmlns:p14="http://schemas.microsoft.com/office/powerpoint/2010/main" val="1092518287"/>
       </p:ext>
     </p:extLst>
   </p:cSld>
@@ -970,13 +3391,7 @@
       </p:grpSpPr>
       <p:sp>
         <p:nvSpPr>
-          <p:cNvPr id="2" name="Title 1">
-            <a:extLst>
-              <a:ext uri="{FF2B5EF4-FFF2-40B4-BE49-F238E27FC236}">
-                <a16:creationId xmlns:a16="http://schemas.microsoft.com/office/drawing/2014/main" id="{2CD2FD8D-8EA5-00D4-2157-4C4116D82FFA}"/>
-              </a:ext>
-            </a:extLst>
-          </p:cNvPr>
+          <p:cNvPr id="2" name="Title 1"/>
           <p:cNvSpPr>
             <a:spLocks noGrp="1"/>
           </p:cNvSpPr>
@@ -986,15 +3401,15 @@
         </p:nvSpPr>
         <p:spPr>
           <a:xfrm>
-            <a:off x="831850" y="1709738"/>
-            <a:ext cx="10515600" cy="2852737"/>
+            <a:off x="2572279" y="2666999"/>
+            <a:ext cx="8930747" cy="2110382"/>
           </a:xfrm>
         </p:spPr>
         <p:txBody>
           <a:bodyPr anchor="b"/>
           <a:lstStyle>
-            <a:lvl1pPr>
-              <a:defRPr sz="6000"/>
+            <a:lvl1pPr algn="r">
+              <a:defRPr sz="4000" b="0" cap="none"/>
             </a:lvl1pPr>
           </a:lstStyle>
           <a:p>
@@ -1002,19 +3417,13 @@
               <a:rPr lang="en-US"/>
               <a:t>Click to edit Master title style</a:t>
             </a:r>
-            <a:endParaRPr lang="de-CH"/>
-          </a:p>
-        </p:txBody>
-      </p:sp>
-      <p:sp>
-        <p:nvSpPr>
-          <p:cNvPr id="3" name="Text Placeholder 2">
-            <a:extLst>
-              <a:ext uri="{FF2B5EF4-FFF2-40B4-BE49-F238E27FC236}">
-                <a16:creationId xmlns:a16="http://schemas.microsoft.com/office/drawing/2014/main" id="{87765790-4BB0-E74E-EDCF-634D06E7738E}"/>
-              </a:ext>
-            </a:extLst>
-          </p:cNvPr>
+            <a:endParaRPr lang="en-US" dirty="0"/>
+          </a:p>
+        </p:txBody>
+      </p:sp>
+      <p:sp>
+        <p:nvSpPr>
+          <p:cNvPr id="3" name="Text Placeholder 2"/>
           <p:cNvSpPr>
             <a:spLocks noGrp="1"/>
           </p:cNvSpPr>
@@ -1024,99 +3433,99 @@
         </p:nvSpPr>
         <p:spPr>
           <a:xfrm>
-            <a:off x="831850" y="4589463"/>
-            <a:ext cx="10515600" cy="1500187"/>
+            <a:off x="2572278" y="4777381"/>
+            <a:ext cx="8930748" cy="860400"/>
           </a:xfrm>
         </p:spPr>
         <p:txBody>
-          <a:bodyPr/>
+          <a:bodyPr anchor="t">
+            <a:normAutofit/>
+          </a:bodyPr>
           <a:lstStyle>
-            <a:lvl1pPr marL="0" indent="0">
-              <a:buNone/>
-              <a:defRPr sz="2400">
-                <a:solidFill>
-                  <a:schemeClr val="tx1">
-                    <a:tint val="82000"/>
-                  </a:schemeClr>
+            <a:lvl1pPr marL="0" indent="0" algn="r">
+              <a:buNone/>
+              <a:defRPr sz="2000">
+                <a:solidFill>
+                  <a:schemeClr val="tx1"/>
                 </a:solidFill>
               </a:defRPr>
             </a:lvl1pPr>
             <a:lvl2pPr marL="457200" indent="0">
               <a:buNone/>
-              <a:defRPr sz="2000">
+              <a:defRPr sz="1800">
                 <a:solidFill>
                   <a:schemeClr val="tx1">
-                    <a:tint val="82000"/>
+                    <a:tint val="75000"/>
                   </a:schemeClr>
                 </a:solidFill>
               </a:defRPr>
             </a:lvl2pPr>
             <a:lvl3pPr marL="914400" indent="0">
               <a:buNone/>
-              <a:defRPr sz="1800">
+              <a:defRPr sz="1600">
                 <a:solidFill>
                   <a:schemeClr val="tx1">
-                    <a:tint val="82000"/>
+                    <a:tint val="75000"/>
                   </a:schemeClr>
                 </a:solidFill>
               </a:defRPr>
             </a:lvl3pPr>
             <a:lvl4pPr marL="1371600" indent="0">
               <a:buNone/>
-              <a:defRPr sz="1600">
+              <a:defRPr sz="1400">
                 <a:solidFill>
                   <a:schemeClr val="tx1">
-                    <a:tint val="82000"/>
+                    <a:tint val="75000"/>
                   </a:schemeClr>
                 </a:solidFill>
               </a:defRPr>
             </a:lvl4pPr>
             <a:lvl5pPr marL="1828800" indent="0">
               <a:buNone/>
-              <a:defRPr sz="1600">
+              <a:defRPr sz="1400">
                 <a:solidFill>
                   <a:schemeClr val="tx1">
-                    <a:tint val="82000"/>
+                    <a:tint val="75000"/>
                   </a:schemeClr>
                 </a:solidFill>
               </a:defRPr>
             </a:lvl5pPr>
             <a:lvl6pPr marL="2286000" indent="0">
               <a:buNone/>
-              <a:defRPr sz="1600">
+              <a:defRPr sz="1400">
                 <a:solidFill>
                   <a:schemeClr val="tx1">
-                    <a:tint val="82000"/>
+                    <a:tint val="75000"/>
                   </a:schemeClr>
                 </a:solidFill>
               </a:defRPr>
             </a:lvl6pPr>
             <a:lvl7pPr marL="2743200" indent="0">
               <a:buNone/>
-              <a:defRPr sz="1600">
+              <a:defRPr sz="1400">
                 <a:solidFill>
                   <a:schemeClr val="tx1">
-                    <a:tint val="82000"/>
+                    <a:tint val="75000"/>
                   </a:schemeClr>
                 </a:solidFill>
               </a:defRPr>
             </a:lvl7pPr>
             <a:lvl8pPr marL="3200400" indent="0">
               <a:buNone/>
-              <a:defRPr sz="1600">
+              <a:defRPr sz="1400">
                 <a:solidFill>
                   <a:schemeClr val="tx1">
-                    <a:tint val="82000"/>
+                    <a:tint val="75000"/>
                   </a:schemeClr>
                 </a:solidFill>
               </a:defRPr>
             </a:lvl8pPr>
             <a:lvl9pPr marL="3657600" indent="0">
               <a:buNone/>
-              <a:defRPr sz="1600">
+              <a:defRPr sz="1400">
                 <a:solidFill>
                   <a:schemeClr val="tx1">
-                    <a:tint val="82000"/>
+                    <a:tint val="75000"/>
                   </a:schemeClr>
                 </a:solidFill>
               </a:defRPr>
@@ -1133,13 +3542,7 @@
       </p:sp>
       <p:sp>
         <p:nvSpPr>
-          <p:cNvPr id="4" name="Date Placeholder 3">
-            <a:extLst>
-              <a:ext uri="{FF2B5EF4-FFF2-40B4-BE49-F238E27FC236}">
-                <a16:creationId xmlns:a16="http://schemas.microsoft.com/office/drawing/2014/main" id="{39668695-6596-0E81-48C8-8E4C795BA0AE}"/>
-              </a:ext>
-            </a:extLst>
-          </p:cNvPr>
+          <p:cNvPr id="4" name="Date Placeholder 3"/>
           <p:cNvSpPr>
             <a:spLocks noGrp="1"/>
           </p:cNvSpPr>
@@ -1154,7 +3557,7 @@
           <a:p>
             <a:fld id="{75010D13-5421-45FB-91B5-734B751F6B9F}" type="datetimeFigureOut">
               <a:rPr lang="de-CH" smtClean="0"/>
-              <a:t>28.02.2025</a:t>
+              <a:t>02.03.2025</a:t>
             </a:fld>
             <a:endParaRPr lang="de-CH"/>
           </a:p>
@@ -1162,13 +3565,7 @@
       </p:sp>
       <p:sp>
         <p:nvSpPr>
-          <p:cNvPr id="5" name="Footer Placeholder 4">
-            <a:extLst>
-              <a:ext uri="{FF2B5EF4-FFF2-40B4-BE49-F238E27FC236}">
-                <a16:creationId xmlns:a16="http://schemas.microsoft.com/office/drawing/2014/main" id="{5CD50433-EE3A-87EB-67BF-074A05BB897B}"/>
-              </a:ext>
-            </a:extLst>
-          </p:cNvPr>
+          <p:cNvPr id="5" name="Footer Placeholder 4"/>
           <p:cNvSpPr>
             <a:spLocks noGrp="1"/>
           </p:cNvSpPr>
@@ -1187,13 +3584,7 @@
       </p:sp>
       <p:sp>
         <p:nvSpPr>
-          <p:cNvPr id="6" name="Slide Number Placeholder 5">
-            <a:extLst>
-              <a:ext uri="{FF2B5EF4-FFF2-40B4-BE49-F238E27FC236}">
-                <a16:creationId xmlns:a16="http://schemas.microsoft.com/office/drawing/2014/main" id="{BAC093E4-E948-C505-5B42-777C38AE6225}"/>
-              </a:ext>
-            </a:extLst>
-          </p:cNvPr>
+          <p:cNvPr id="6" name="Slide Number Placeholder 5"/>
           <p:cNvSpPr>
             <a:spLocks noGrp="1"/>
           </p:cNvSpPr>
@@ -1217,7 +3608,7 @@
     </p:spTree>
     <p:extLst>
       <p:ext uri="{BB962C8B-B14F-4D97-AF65-F5344CB8AC3E}">
-        <p14:creationId xmlns:p14="http://schemas.microsoft.com/office/powerpoint/2010/main" val="2937324365"/>
+        <p14:creationId xmlns:p14="http://schemas.microsoft.com/office/powerpoint/2010/main" val="1332895279"/>
       </p:ext>
     </p:extLst>
   </p:cSld>
@@ -1246,13 +3637,7 @@
       </p:grpSpPr>
       <p:sp>
         <p:nvSpPr>
-          <p:cNvPr id="2" name="Title 1">
-            <a:extLst>
-              <a:ext uri="{FF2B5EF4-FFF2-40B4-BE49-F238E27FC236}">
-                <a16:creationId xmlns:a16="http://schemas.microsoft.com/office/drawing/2014/main" id="{83CF79A4-0565-FE6E-DA20-30EBAA9FA139}"/>
-              </a:ext>
-            </a:extLst>
-          </p:cNvPr>
+          <p:cNvPr id="2" name="Title 1"/>
           <p:cNvSpPr>
             <a:spLocks noGrp="1"/>
           </p:cNvSpPr>
@@ -1260,7 +3645,12 @@
             <p:ph type="title"/>
           </p:nvPr>
         </p:nvSpPr>
-        <p:spPr/>
+        <p:spPr>
+          <a:xfrm>
+            <a:off x="1484311" y="685800"/>
+            <a:ext cx="10018713" cy="1752599"/>
+          </a:xfrm>
+        </p:spPr>
         <p:txBody>
           <a:bodyPr/>
           <a:lstStyle/>
@@ -1269,19 +3659,13 @@
               <a:rPr lang="en-US"/>
               <a:t>Click to edit Master title style</a:t>
             </a:r>
-            <a:endParaRPr lang="de-CH"/>
-          </a:p>
-        </p:txBody>
-      </p:sp>
-      <p:sp>
-        <p:nvSpPr>
-          <p:cNvPr id="3" name="Content Placeholder 2">
-            <a:extLst>
-              <a:ext uri="{FF2B5EF4-FFF2-40B4-BE49-F238E27FC236}">
-                <a16:creationId xmlns:a16="http://schemas.microsoft.com/office/drawing/2014/main" id="{5E56CC13-0648-182D-FB1D-79AF1DEDE8E6}"/>
-              </a:ext>
-            </a:extLst>
-          </p:cNvPr>
+            <a:endParaRPr lang="en-US" dirty="0"/>
+          </a:p>
+        </p:txBody>
+      </p:sp>
+      <p:sp>
+        <p:nvSpPr>
+          <p:cNvPr id="3" name="Content Placeholder 2"/>
           <p:cNvSpPr>
             <a:spLocks noGrp="1"/>
           </p:cNvSpPr>
@@ -1291,13 +3675,43 @@
         </p:nvSpPr>
         <p:spPr>
           <a:xfrm>
-            <a:off x="838200" y="1825625"/>
-            <a:ext cx="5181600" cy="4351338"/>
+            <a:off x="1484312" y="2666999"/>
+            <a:ext cx="4895055" cy="3124201"/>
           </a:xfrm>
         </p:spPr>
         <p:txBody>
-          <a:bodyPr/>
-          <a:lstStyle/>
+          <a:bodyPr>
+            <a:normAutofit/>
+          </a:bodyPr>
+          <a:lstStyle>
+            <a:lvl1pPr>
+              <a:defRPr sz="1800"/>
+            </a:lvl1pPr>
+            <a:lvl2pPr>
+              <a:defRPr sz="1600"/>
+            </a:lvl2pPr>
+            <a:lvl3pPr>
+              <a:defRPr sz="1400"/>
+            </a:lvl3pPr>
+            <a:lvl4pPr>
+              <a:defRPr sz="1200"/>
+            </a:lvl4pPr>
+            <a:lvl5pPr>
+              <a:defRPr sz="1200"/>
+            </a:lvl5pPr>
+            <a:lvl6pPr>
+              <a:defRPr sz="1200"/>
+            </a:lvl6pPr>
+            <a:lvl7pPr>
+              <a:defRPr sz="1200"/>
+            </a:lvl7pPr>
+            <a:lvl8pPr>
+              <a:defRPr sz="1200"/>
+            </a:lvl8pPr>
+            <a:lvl9pPr>
+              <a:defRPr sz="1200"/>
+            </a:lvl9pPr>
+          </a:lstStyle>
           <a:p>
             <a:pPr lvl="0"/>
             <a:r>
@@ -1332,19 +3746,13 @@
               <a:rPr lang="en-US"/>
               <a:t>Fifth level</a:t>
             </a:r>
-            <a:endParaRPr lang="de-CH"/>
-          </a:p>
-        </p:txBody>
-      </p:sp>
-      <p:sp>
-        <p:nvSpPr>
-          <p:cNvPr id="4" name="Content Placeholder 3">
-            <a:extLst>
-              <a:ext uri="{FF2B5EF4-FFF2-40B4-BE49-F238E27FC236}">
-                <a16:creationId xmlns:a16="http://schemas.microsoft.com/office/drawing/2014/main" id="{99D32756-7BF4-3E63-9127-E87E02AE23CC}"/>
-              </a:ext>
-            </a:extLst>
-          </p:cNvPr>
+            <a:endParaRPr lang="en-US" dirty="0"/>
+          </a:p>
+        </p:txBody>
+      </p:sp>
+      <p:sp>
+        <p:nvSpPr>
+          <p:cNvPr id="4" name="Content Placeholder 3"/>
           <p:cNvSpPr>
             <a:spLocks noGrp="1"/>
           </p:cNvSpPr>
@@ -1354,13 +3762,43 @@
         </p:nvSpPr>
         <p:spPr>
           <a:xfrm>
-            <a:off x="6172200" y="1825625"/>
-            <a:ext cx="5181600" cy="4351338"/>
+            <a:off x="6607967" y="2667000"/>
+            <a:ext cx="4895056" cy="3124200"/>
           </a:xfrm>
         </p:spPr>
         <p:txBody>
-          <a:bodyPr/>
-          <a:lstStyle/>
+          <a:bodyPr>
+            <a:normAutofit/>
+          </a:bodyPr>
+          <a:lstStyle>
+            <a:lvl1pPr>
+              <a:defRPr sz="1800"/>
+            </a:lvl1pPr>
+            <a:lvl2pPr>
+              <a:defRPr sz="1600"/>
+            </a:lvl2pPr>
+            <a:lvl3pPr>
+              <a:defRPr sz="1400"/>
+            </a:lvl3pPr>
+            <a:lvl4pPr>
+              <a:defRPr sz="1200"/>
+            </a:lvl4pPr>
+            <a:lvl5pPr>
+              <a:defRPr sz="1200"/>
+            </a:lvl5pPr>
+            <a:lvl6pPr>
+              <a:defRPr sz="1200"/>
+            </a:lvl6pPr>
+            <a:lvl7pPr>
+              <a:defRPr sz="1200"/>
+            </a:lvl7pPr>
+            <a:lvl8pPr>
+              <a:defRPr sz="1200"/>
+            </a:lvl8pPr>
+            <a:lvl9pPr>
+              <a:defRPr sz="1200"/>
+            </a:lvl9pPr>
+          </a:lstStyle>
           <a:p>
             <a:pPr lvl="0"/>
             <a:r>
@@ -1395,19 +3833,13 @@
               <a:rPr lang="en-US"/>
               <a:t>Fifth level</a:t>
             </a:r>
-            <a:endParaRPr lang="de-CH"/>
-          </a:p>
-        </p:txBody>
-      </p:sp>
-      <p:sp>
-        <p:nvSpPr>
-          <p:cNvPr id="5" name="Date Placeholder 4">
-            <a:extLst>
-              <a:ext uri="{FF2B5EF4-FFF2-40B4-BE49-F238E27FC236}">
-                <a16:creationId xmlns:a16="http://schemas.microsoft.com/office/drawing/2014/main" id="{A92A6C83-FF53-F543-871F-0A3AB276D258}"/>
-              </a:ext>
-            </a:extLst>
-          </p:cNvPr>
+            <a:endParaRPr lang="en-US" dirty="0"/>
+          </a:p>
+        </p:txBody>
+      </p:sp>
+      <p:sp>
+        <p:nvSpPr>
+          <p:cNvPr id="5" name="Date Placeholder 4"/>
           <p:cNvSpPr>
             <a:spLocks noGrp="1"/>
           </p:cNvSpPr>
@@ -1422,7 +3854,7 @@
           <a:p>
             <a:fld id="{75010D13-5421-45FB-91B5-734B751F6B9F}" type="datetimeFigureOut">
               <a:rPr lang="de-CH" smtClean="0"/>
-              <a:t>28.02.2025</a:t>
+              <a:t>02.03.2025</a:t>
             </a:fld>
             <a:endParaRPr lang="de-CH"/>
           </a:p>
@@ -1430,13 +3862,7 @@
       </p:sp>
       <p:sp>
         <p:nvSpPr>
-          <p:cNvPr id="6" name="Footer Placeholder 5">
-            <a:extLst>
-              <a:ext uri="{FF2B5EF4-FFF2-40B4-BE49-F238E27FC236}">
-                <a16:creationId xmlns:a16="http://schemas.microsoft.com/office/drawing/2014/main" id="{9A361F1D-8CE6-FCAF-EC09-E9C226A1DEEC}"/>
-              </a:ext>
-            </a:extLst>
-          </p:cNvPr>
+          <p:cNvPr id="6" name="Footer Placeholder 5"/>
           <p:cNvSpPr>
             <a:spLocks noGrp="1"/>
           </p:cNvSpPr>
@@ -1455,13 +3881,7 @@
       </p:sp>
       <p:sp>
         <p:nvSpPr>
-          <p:cNvPr id="7" name="Slide Number Placeholder 6">
-            <a:extLst>
-              <a:ext uri="{FF2B5EF4-FFF2-40B4-BE49-F238E27FC236}">
-                <a16:creationId xmlns:a16="http://schemas.microsoft.com/office/drawing/2014/main" id="{EEB1D577-D856-F6CC-96F6-E8219C7C9C7F}"/>
-              </a:ext>
-            </a:extLst>
-          </p:cNvPr>
+          <p:cNvPr id="7" name="Slide Number Placeholder 6"/>
           <p:cNvSpPr>
             <a:spLocks noGrp="1"/>
           </p:cNvSpPr>
@@ -1485,7 +3905,7 @@
     </p:spTree>
     <p:extLst>
       <p:ext uri="{BB962C8B-B14F-4D97-AF65-F5344CB8AC3E}">
-        <p14:creationId xmlns:p14="http://schemas.microsoft.com/office/powerpoint/2010/main" val="324171916"/>
+        <p14:creationId xmlns:p14="http://schemas.microsoft.com/office/powerpoint/2010/main" val="745876"/>
       </p:ext>
     </p:extLst>
   </p:cSld>
@@ -1514,66 +3934,61 @@
       </p:grpSpPr>
       <p:sp>
         <p:nvSpPr>
-          <p:cNvPr id="2" name="Title 1">
-            <a:extLst>
-              <a:ext uri="{FF2B5EF4-FFF2-40B4-BE49-F238E27FC236}">
-                <a16:creationId xmlns:a16="http://schemas.microsoft.com/office/drawing/2014/main" id="{DAA6B6F7-94BC-1810-1561-2496CE719813}"/>
-              </a:ext>
-            </a:extLst>
-          </p:cNvPr>
+          <p:cNvPr id="2" name="Title 1"/>
           <p:cNvSpPr>
             <a:spLocks noGrp="1"/>
           </p:cNvSpPr>
           <p:nvPr>
             <p:ph type="title"/>
+          </p:nvPr>
+        </p:nvSpPr>
+        <p:spPr/>
+        <p:txBody>
+          <a:bodyPr/>
+          <a:lstStyle>
+            <a:lvl1pPr>
+              <a:defRPr/>
+            </a:lvl1pPr>
+          </a:lstStyle>
+          <a:p>
+            <a:r>
+              <a:rPr lang="en-US"/>
+              <a:t>Click to edit Master title style</a:t>
+            </a:r>
+            <a:endParaRPr lang="en-US" dirty="0"/>
+          </a:p>
+        </p:txBody>
+      </p:sp>
+      <p:sp>
+        <p:nvSpPr>
+          <p:cNvPr id="3" name="Text Placeholder 2"/>
+          <p:cNvSpPr>
+            <a:spLocks noGrp="1"/>
+          </p:cNvSpPr>
+          <p:nvPr>
+            <p:ph type="body" idx="1"/>
           </p:nvPr>
         </p:nvSpPr>
         <p:spPr>
           <a:xfrm>
-            <a:off x="839788" y="365125"/>
-            <a:ext cx="10515600" cy="1325563"/>
+            <a:off x="1772179" y="2658533"/>
+            <a:ext cx="4607188" cy="576262"/>
           </a:xfrm>
         </p:spPr>
         <p:txBody>
-          <a:bodyPr/>
-          <a:lstStyle/>
-          <a:p>
-            <a:r>
-              <a:rPr lang="en-US"/>
-              <a:t>Click to edit Master title style</a:t>
-            </a:r>
-            <a:endParaRPr lang="de-CH"/>
-          </a:p>
-        </p:txBody>
-      </p:sp>
-      <p:sp>
-        <p:nvSpPr>
-          <p:cNvPr id="3" name="Text Placeholder 2">
-            <a:extLst>
-              <a:ext uri="{FF2B5EF4-FFF2-40B4-BE49-F238E27FC236}">
-                <a16:creationId xmlns:a16="http://schemas.microsoft.com/office/drawing/2014/main" id="{59E98001-65FC-99C2-D144-9DD880481E58}"/>
-              </a:ext>
-            </a:extLst>
-          </p:cNvPr>
-          <p:cNvSpPr>
-            <a:spLocks noGrp="1"/>
-          </p:cNvSpPr>
-          <p:nvPr>
-            <p:ph type="body" idx="1"/>
-          </p:nvPr>
-        </p:nvSpPr>
-        <p:spPr>
-          <a:xfrm>
-            <a:off x="839788" y="1681163"/>
-            <a:ext cx="5157787" cy="823912"/>
-          </a:xfrm>
-        </p:spPr>
-        <p:txBody>
-          <a:bodyPr anchor="b"/>
+          <a:bodyPr anchor="b">
+            <a:noAutofit/>
+          </a:bodyPr>
           <a:lstStyle>
             <a:lvl1pPr marL="0" indent="0">
               <a:buNone/>
-              <a:defRPr sz="2400" b="1"/>
+              <a:defRPr sz="2800" b="0">
+                <a:solidFill>
+                  <a:schemeClr val="accent1">
+                    <a:lumMod val="75000"/>
+                  </a:schemeClr>
+                </a:solidFill>
+              </a:defRPr>
             </a:lvl1pPr>
             <a:lvl2pPr marL="457200" indent="0">
               <a:buNone/>
@@ -1619,13 +4034,7 @@
       </p:sp>
       <p:sp>
         <p:nvSpPr>
-          <p:cNvPr id="4" name="Content Placeholder 3">
-            <a:extLst>
-              <a:ext uri="{FF2B5EF4-FFF2-40B4-BE49-F238E27FC236}">
-                <a16:creationId xmlns:a16="http://schemas.microsoft.com/office/drawing/2014/main" id="{D796FCEA-E0BD-47E2-B76F-1C92D16D783F}"/>
-              </a:ext>
-            </a:extLst>
-          </p:cNvPr>
+          <p:cNvPr id="4" name="Content Placeholder 3"/>
           <p:cNvSpPr>
             <a:spLocks noGrp="1"/>
           </p:cNvSpPr>
@@ -1635,13 +4044,43 @@
         </p:nvSpPr>
         <p:spPr>
           <a:xfrm>
-            <a:off x="839788" y="2505075"/>
-            <a:ext cx="5157787" cy="3684588"/>
+            <a:off x="1484311" y="3335337"/>
+            <a:ext cx="4895056" cy="2455862"/>
           </a:xfrm>
         </p:spPr>
         <p:txBody>
-          <a:bodyPr/>
-          <a:lstStyle/>
+          <a:bodyPr anchor="t">
+            <a:normAutofit/>
+          </a:bodyPr>
+          <a:lstStyle>
+            <a:lvl1pPr>
+              <a:defRPr sz="1800"/>
+            </a:lvl1pPr>
+            <a:lvl2pPr>
+              <a:defRPr sz="1600"/>
+            </a:lvl2pPr>
+            <a:lvl3pPr>
+              <a:defRPr sz="1400"/>
+            </a:lvl3pPr>
+            <a:lvl4pPr>
+              <a:defRPr sz="1200"/>
+            </a:lvl4pPr>
+            <a:lvl5pPr>
+              <a:defRPr sz="1200"/>
+            </a:lvl5pPr>
+            <a:lvl6pPr>
+              <a:defRPr sz="1200"/>
+            </a:lvl6pPr>
+            <a:lvl7pPr>
+              <a:defRPr sz="1200"/>
+            </a:lvl7pPr>
+            <a:lvl8pPr>
+              <a:defRPr sz="1200"/>
+            </a:lvl8pPr>
+            <a:lvl9pPr>
+              <a:defRPr sz="1200"/>
+            </a:lvl9pPr>
+          </a:lstStyle>
           <a:p>
             <a:pPr lvl="0"/>
             <a:r>
@@ -1676,19 +4115,13 @@
               <a:rPr lang="en-US"/>
               <a:t>Fifth level</a:t>
             </a:r>
-            <a:endParaRPr lang="de-CH"/>
-          </a:p>
-        </p:txBody>
-      </p:sp>
-      <p:sp>
-        <p:nvSpPr>
-          <p:cNvPr id="5" name="Text Placeholder 4">
-            <a:extLst>
-              <a:ext uri="{FF2B5EF4-FFF2-40B4-BE49-F238E27FC236}">
-                <a16:creationId xmlns:a16="http://schemas.microsoft.com/office/drawing/2014/main" id="{6C075EC4-7C32-3457-FB68-4F9D8DFCCC3B}"/>
-              </a:ext>
-            </a:extLst>
-          </p:cNvPr>
+            <a:endParaRPr lang="en-US" dirty="0"/>
+          </a:p>
+        </p:txBody>
+      </p:sp>
+      <p:sp>
+        <p:nvSpPr>
+          <p:cNvPr id="5" name="Text Placeholder 4"/>
           <p:cNvSpPr>
             <a:spLocks noGrp="1"/>
           </p:cNvSpPr>
@@ -1698,16 +4131,24 @@
         </p:nvSpPr>
         <p:spPr>
           <a:xfrm>
-            <a:off x="6172200" y="1681163"/>
-            <a:ext cx="5183188" cy="823912"/>
+            <a:off x="6880487" y="2667000"/>
+            <a:ext cx="4622537" cy="576262"/>
           </a:xfrm>
         </p:spPr>
         <p:txBody>
-          <a:bodyPr anchor="b"/>
+          <a:bodyPr anchor="b">
+            <a:noAutofit/>
+          </a:bodyPr>
           <a:lstStyle>
             <a:lvl1pPr marL="0" indent="0">
               <a:buNone/>
-              <a:defRPr sz="2400" b="1"/>
+              <a:defRPr sz="2800" b="0">
+                <a:solidFill>
+                  <a:schemeClr val="accent1">
+                    <a:lumMod val="75000"/>
+                  </a:schemeClr>
+                </a:solidFill>
+              </a:defRPr>
             </a:lvl1pPr>
             <a:lvl2pPr marL="457200" indent="0">
               <a:buNone/>
@@ -1753,13 +4194,7 @@
       </p:sp>
       <p:sp>
         <p:nvSpPr>
-          <p:cNvPr id="6" name="Content Placeholder 5">
-            <a:extLst>
-              <a:ext uri="{FF2B5EF4-FFF2-40B4-BE49-F238E27FC236}">
-                <a16:creationId xmlns:a16="http://schemas.microsoft.com/office/drawing/2014/main" id="{E6F2D284-8C52-99F8-01AC-A0F67462A831}"/>
-              </a:ext>
-            </a:extLst>
-          </p:cNvPr>
+          <p:cNvPr id="6" name="Content Placeholder 5"/>
           <p:cNvSpPr>
             <a:spLocks noGrp="1"/>
           </p:cNvSpPr>
@@ -1769,13 +4204,43 @@
         </p:nvSpPr>
         <p:spPr>
           <a:xfrm>
-            <a:off x="6172200" y="2505075"/>
-            <a:ext cx="5183188" cy="3684588"/>
+            <a:off x="6607967" y="3335337"/>
+            <a:ext cx="4895056" cy="2455862"/>
           </a:xfrm>
         </p:spPr>
         <p:txBody>
-          <a:bodyPr/>
-          <a:lstStyle/>
+          <a:bodyPr anchor="t">
+            <a:normAutofit/>
+          </a:bodyPr>
+          <a:lstStyle>
+            <a:lvl1pPr>
+              <a:defRPr sz="1800"/>
+            </a:lvl1pPr>
+            <a:lvl2pPr>
+              <a:defRPr sz="1600"/>
+            </a:lvl2pPr>
+            <a:lvl3pPr>
+              <a:defRPr sz="1400"/>
+            </a:lvl3pPr>
+            <a:lvl4pPr>
+              <a:defRPr sz="1200"/>
+            </a:lvl4pPr>
+            <a:lvl5pPr>
+              <a:defRPr sz="1200"/>
+            </a:lvl5pPr>
+            <a:lvl6pPr>
+              <a:defRPr sz="1200"/>
+            </a:lvl6pPr>
+            <a:lvl7pPr>
+              <a:defRPr sz="1200"/>
+            </a:lvl7pPr>
+            <a:lvl8pPr>
+              <a:defRPr sz="1200"/>
+            </a:lvl8pPr>
+            <a:lvl9pPr>
+              <a:defRPr sz="1200"/>
+            </a:lvl9pPr>
+          </a:lstStyle>
           <a:p>
             <a:pPr lvl="0"/>
             <a:r>
@@ -1810,19 +4275,13 @@
               <a:rPr lang="en-US"/>
               <a:t>Fifth level</a:t>
             </a:r>
-            <a:endParaRPr lang="de-CH"/>
-          </a:p>
-        </p:txBody>
-      </p:sp>
-      <p:sp>
-        <p:nvSpPr>
-          <p:cNvPr id="7" name="Date Placeholder 6">
-            <a:extLst>
-              <a:ext uri="{FF2B5EF4-FFF2-40B4-BE49-F238E27FC236}">
-                <a16:creationId xmlns:a16="http://schemas.microsoft.com/office/drawing/2014/main" id="{476AEBE9-279C-22BC-90AA-EF32C9568B9E}"/>
-              </a:ext>
-            </a:extLst>
-          </p:cNvPr>
+            <a:endParaRPr lang="en-US" dirty="0"/>
+          </a:p>
+        </p:txBody>
+      </p:sp>
+      <p:sp>
+        <p:nvSpPr>
+          <p:cNvPr id="7" name="Date Placeholder 6"/>
           <p:cNvSpPr>
             <a:spLocks noGrp="1"/>
           </p:cNvSpPr>
@@ -1837,7 +4296,7 @@
           <a:p>
             <a:fld id="{75010D13-5421-45FB-91B5-734B751F6B9F}" type="datetimeFigureOut">
               <a:rPr lang="de-CH" smtClean="0"/>
-              <a:t>28.02.2025</a:t>
+              <a:t>02.03.2025</a:t>
             </a:fld>
             <a:endParaRPr lang="de-CH"/>
           </a:p>
@@ -1845,13 +4304,7 @@
       </p:sp>
       <p:sp>
         <p:nvSpPr>
-          <p:cNvPr id="8" name="Footer Placeholder 7">
-            <a:extLst>
-              <a:ext uri="{FF2B5EF4-FFF2-40B4-BE49-F238E27FC236}">
-                <a16:creationId xmlns:a16="http://schemas.microsoft.com/office/drawing/2014/main" id="{49AD5037-E248-A724-A520-714C2E96615E}"/>
-              </a:ext>
-            </a:extLst>
-          </p:cNvPr>
+          <p:cNvPr id="8" name="Footer Placeholder 7"/>
           <p:cNvSpPr>
             <a:spLocks noGrp="1"/>
           </p:cNvSpPr>
@@ -1870,13 +4323,7 @@
       </p:sp>
       <p:sp>
         <p:nvSpPr>
-          <p:cNvPr id="9" name="Slide Number Placeholder 8">
-            <a:extLst>
-              <a:ext uri="{FF2B5EF4-FFF2-40B4-BE49-F238E27FC236}">
-                <a16:creationId xmlns:a16="http://schemas.microsoft.com/office/drawing/2014/main" id="{52FE9179-D935-9337-0F7B-055C32CE6E1E}"/>
-              </a:ext>
-            </a:extLst>
-          </p:cNvPr>
+          <p:cNvPr id="9" name="Slide Number Placeholder 8"/>
           <p:cNvSpPr>
             <a:spLocks noGrp="1"/>
           </p:cNvSpPr>
@@ -1900,7 +4347,7 @@
     </p:spTree>
     <p:extLst>
       <p:ext uri="{BB962C8B-B14F-4D97-AF65-F5344CB8AC3E}">
-        <p14:creationId xmlns:p14="http://schemas.microsoft.com/office/powerpoint/2010/main" val="865508641"/>
+        <p14:creationId xmlns:p14="http://schemas.microsoft.com/office/powerpoint/2010/main" val="3989284195"/>
       </p:ext>
     </p:extLst>
   </p:cSld>
@@ -1929,13 +4376,7 @@
       </p:grpSpPr>
       <p:sp>
         <p:nvSpPr>
-          <p:cNvPr id="2" name="Title 1">
-            <a:extLst>
-              <a:ext uri="{FF2B5EF4-FFF2-40B4-BE49-F238E27FC236}">
-                <a16:creationId xmlns:a16="http://schemas.microsoft.com/office/drawing/2014/main" id="{ACC8E200-4453-4912-485F-025FC3943A80}"/>
-              </a:ext>
-            </a:extLst>
-          </p:cNvPr>
+          <p:cNvPr id="2" name="Title 1"/>
           <p:cNvSpPr>
             <a:spLocks noGrp="1"/>
           </p:cNvSpPr>
@@ -1952,19 +4393,13 @@
               <a:rPr lang="en-US"/>
               <a:t>Click to edit Master title style</a:t>
             </a:r>
-            <a:endParaRPr lang="de-CH"/>
-          </a:p>
-        </p:txBody>
-      </p:sp>
-      <p:sp>
-        <p:nvSpPr>
-          <p:cNvPr id="3" name="Date Placeholder 2">
-            <a:extLst>
-              <a:ext uri="{FF2B5EF4-FFF2-40B4-BE49-F238E27FC236}">
-                <a16:creationId xmlns:a16="http://schemas.microsoft.com/office/drawing/2014/main" id="{4418B29E-24CB-E3BA-D975-6E659B201425}"/>
-              </a:ext>
-            </a:extLst>
-          </p:cNvPr>
+            <a:endParaRPr lang="en-US" dirty="0"/>
+          </a:p>
+        </p:txBody>
+      </p:sp>
+      <p:sp>
+        <p:nvSpPr>
+          <p:cNvPr id="3" name="Date Placeholder 2"/>
           <p:cNvSpPr>
             <a:spLocks noGrp="1"/>
           </p:cNvSpPr>
@@ -1979,7 +4414,7 @@
           <a:p>
             <a:fld id="{75010D13-5421-45FB-91B5-734B751F6B9F}" type="datetimeFigureOut">
               <a:rPr lang="de-CH" smtClean="0"/>
-              <a:t>28.02.2025</a:t>
+              <a:t>02.03.2025</a:t>
             </a:fld>
             <a:endParaRPr lang="de-CH"/>
           </a:p>
@@ -1987,13 +4422,7 @@
       </p:sp>
       <p:sp>
         <p:nvSpPr>
-          <p:cNvPr id="4" name="Footer Placeholder 3">
-            <a:extLst>
-              <a:ext uri="{FF2B5EF4-FFF2-40B4-BE49-F238E27FC236}">
-                <a16:creationId xmlns:a16="http://schemas.microsoft.com/office/drawing/2014/main" id="{5CA9C559-48F7-22A0-7F4C-DFC5FEA1BD3F}"/>
-              </a:ext>
-            </a:extLst>
-          </p:cNvPr>
+          <p:cNvPr id="4" name="Footer Placeholder 3"/>
           <p:cNvSpPr>
             <a:spLocks noGrp="1"/>
           </p:cNvSpPr>
@@ -2012,13 +4441,7 @@
       </p:sp>
       <p:sp>
         <p:nvSpPr>
-          <p:cNvPr id="5" name="Slide Number Placeholder 4">
-            <a:extLst>
-              <a:ext uri="{FF2B5EF4-FFF2-40B4-BE49-F238E27FC236}">
-                <a16:creationId xmlns:a16="http://schemas.microsoft.com/office/drawing/2014/main" id="{1A1D8A71-FBE8-7F74-1FF9-19F59FBAF826}"/>
-              </a:ext>
-            </a:extLst>
-          </p:cNvPr>
+          <p:cNvPr id="5" name="Slide Number Placeholder 4"/>
           <p:cNvSpPr>
             <a:spLocks noGrp="1"/>
           </p:cNvSpPr>
@@ -2042,7 +4465,7 @@
     </p:spTree>
     <p:extLst>
       <p:ext uri="{BB962C8B-B14F-4D97-AF65-F5344CB8AC3E}">
-        <p14:creationId xmlns:p14="http://schemas.microsoft.com/office/powerpoint/2010/main" val="3105495593"/>
+        <p14:creationId xmlns:p14="http://schemas.microsoft.com/office/powerpoint/2010/main" val="2012684437"/>
       </p:ext>
     </p:extLst>
   </p:cSld>
@@ -2071,13 +4494,7 @@
       </p:grpSpPr>
       <p:sp>
         <p:nvSpPr>
-          <p:cNvPr id="2" name="Date Placeholder 1">
-            <a:extLst>
-              <a:ext uri="{FF2B5EF4-FFF2-40B4-BE49-F238E27FC236}">
-                <a16:creationId xmlns:a16="http://schemas.microsoft.com/office/drawing/2014/main" id="{4F201732-73F3-ECBC-D2B0-1196BD9C2363}"/>
-              </a:ext>
-            </a:extLst>
-          </p:cNvPr>
+          <p:cNvPr id="2" name="Date Placeholder 1"/>
           <p:cNvSpPr>
             <a:spLocks noGrp="1"/>
           </p:cNvSpPr>
@@ -2092,7 +4509,7 @@
           <a:p>
             <a:fld id="{75010D13-5421-45FB-91B5-734B751F6B9F}" type="datetimeFigureOut">
               <a:rPr lang="de-CH" smtClean="0"/>
-              <a:t>28.02.2025</a:t>
+              <a:t>02.03.2025</a:t>
             </a:fld>
             <a:endParaRPr lang="de-CH"/>
           </a:p>
@@ -2100,13 +4517,7 @@
       </p:sp>
       <p:sp>
         <p:nvSpPr>
-          <p:cNvPr id="3" name="Footer Placeholder 2">
-            <a:extLst>
-              <a:ext uri="{FF2B5EF4-FFF2-40B4-BE49-F238E27FC236}">
-                <a16:creationId xmlns:a16="http://schemas.microsoft.com/office/drawing/2014/main" id="{5142ADF2-610F-AAA3-CCFC-444CF2329BF4}"/>
-              </a:ext>
-            </a:extLst>
-          </p:cNvPr>
+          <p:cNvPr id="3" name="Footer Placeholder 2"/>
           <p:cNvSpPr>
             <a:spLocks noGrp="1"/>
           </p:cNvSpPr>
@@ -2125,13 +4536,7 @@
       </p:sp>
       <p:sp>
         <p:nvSpPr>
-          <p:cNvPr id="4" name="Slide Number Placeholder 3">
-            <a:extLst>
-              <a:ext uri="{FF2B5EF4-FFF2-40B4-BE49-F238E27FC236}">
-                <a16:creationId xmlns:a16="http://schemas.microsoft.com/office/drawing/2014/main" id="{53450F72-2329-FD2E-5D66-F5528E6524FD}"/>
-              </a:ext>
-            </a:extLst>
-          </p:cNvPr>
+          <p:cNvPr id="4" name="Slide Number Placeholder 3"/>
           <p:cNvSpPr>
             <a:spLocks noGrp="1"/>
           </p:cNvSpPr>
@@ -2155,7 +4560,7 @@
     </p:spTree>
     <p:extLst>
       <p:ext uri="{BB962C8B-B14F-4D97-AF65-F5344CB8AC3E}">
-        <p14:creationId xmlns:p14="http://schemas.microsoft.com/office/powerpoint/2010/main" val="3472384632"/>
+        <p14:creationId xmlns:p14="http://schemas.microsoft.com/office/powerpoint/2010/main" val="2471363386"/>
       </p:ext>
     </p:extLst>
   </p:cSld>
@@ -2184,13 +4589,7 @@
       </p:grpSpPr>
       <p:sp>
         <p:nvSpPr>
-          <p:cNvPr id="2" name="Title 1">
-            <a:extLst>
-              <a:ext uri="{FF2B5EF4-FFF2-40B4-BE49-F238E27FC236}">
-                <a16:creationId xmlns:a16="http://schemas.microsoft.com/office/drawing/2014/main" id="{FA1AA68F-96DC-5674-897D-4E7BD434C66C}"/>
-              </a:ext>
-            </a:extLst>
-          </p:cNvPr>
+          <p:cNvPr id="2" name="Title 1"/>
           <p:cNvSpPr>
             <a:spLocks noGrp="1"/>
           </p:cNvSpPr>
@@ -2200,177 +4599,171 @@
         </p:nvSpPr>
         <p:spPr>
           <a:xfrm>
-            <a:off x="839788" y="457200"/>
-            <a:ext cx="3932237" cy="1600200"/>
+            <a:off x="1484312" y="1600200"/>
+            <a:ext cx="3549121" cy="1371600"/>
           </a:xfrm>
         </p:spPr>
         <p:txBody>
-          <a:bodyPr anchor="b"/>
+          <a:bodyPr anchor="b">
+            <a:normAutofit/>
+          </a:bodyPr>
+          <a:lstStyle>
+            <a:lvl1pPr algn="ctr">
+              <a:defRPr sz="2400" b="0"/>
+            </a:lvl1pPr>
+          </a:lstStyle>
+          <a:p>
+            <a:r>
+              <a:rPr lang="en-US"/>
+              <a:t>Click to edit Master title style</a:t>
+            </a:r>
+            <a:endParaRPr lang="en-US" dirty="0"/>
+          </a:p>
+        </p:txBody>
+      </p:sp>
+      <p:sp>
+        <p:nvSpPr>
+          <p:cNvPr id="3" name="Content Placeholder 2"/>
+          <p:cNvSpPr>
+            <a:spLocks noGrp="1"/>
+          </p:cNvSpPr>
+          <p:nvPr>
+            <p:ph idx="1"/>
+          </p:nvPr>
+        </p:nvSpPr>
+        <p:spPr>
+          <a:xfrm>
+            <a:off x="5262033" y="685799"/>
+            <a:ext cx="6240990" cy="5105401"/>
+          </a:xfrm>
+        </p:spPr>
+        <p:txBody>
+          <a:bodyPr anchor="ctr">
+            <a:normAutofit/>
+          </a:bodyPr>
           <a:lstStyle>
             <a:lvl1pPr>
-              <a:defRPr sz="3200"/>
+              <a:defRPr sz="2000"/>
             </a:lvl1pPr>
+            <a:lvl2pPr>
+              <a:defRPr sz="1800"/>
+            </a:lvl2pPr>
+            <a:lvl3pPr>
+              <a:defRPr sz="1600"/>
+            </a:lvl3pPr>
+            <a:lvl4pPr>
+              <a:defRPr sz="1400"/>
+            </a:lvl4pPr>
+            <a:lvl5pPr>
+              <a:defRPr sz="1400"/>
+            </a:lvl5pPr>
+            <a:lvl6pPr>
+              <a:defRPr sz="1400"/>
+            </a:lvl6pPr>
+            <a:lvl7pPr>
+              <a:defRPr sz="1400"/>
+            </a:lvl7pPr>
+            <a:lvl8pPr>
+              <a:defRPr sz="1400"/>
+            </a:lvl8pPr>
+            <a:lvl9pPr>
+              <a:defRPr sz="1400"/>
+            </a:lvl9pPr>
           </a:lstStyle>
           <a:p>
+            <a:pPr lvl="0"/>
             <a:r>
               <a:rPr lang="en-US"/>
-              <a:t>Click to edit Master title style</a:t>
-            </a:r>
-            <a:endParaRPr lang="de-CH"/>
-          </a:p>
-        </p:txBody>
-      </p:sp>
-      <p:sp>
-        <p:nvSpPr>
-          <p:cNvPr id="3" name="Content Placeholder 2">
-            <a:extLst>
-              <a:ext uri="{FF2B5EF4-FFF2-40B4-BE49-F238E27FC236}">
-                <a16:creationId xmlns:a16="http://schemas.microsoft.com/office/drawing/2014/main" id="{B1F8B8CD-AABC-81A3-EDC8-FCD4D2EFE5B3}"/>
-              </a:ext>
-            </a:extLst>
-          </p:cNvPr>
-          <p:cNvSpPr>
-            <a:spLocks noGrp="1"/>
-          </p:cNvSpPr>
-          <p:nvPr>
-            <p:ph idx="1"/>
+              <a:t>Click to edit Master text styles</a:t>
+            </a:r>
+          </a:p>
+          <a:p>
+            <a:pPr lvl="1"/>
+            <a:r>
+              <a:rPr lang="en-US"/>
+              <a:t>Second level</a:t>
+            </a:r>
+          </a:p>
+          <a:p>
+            <a:pPr lvl="2"/>
+            <a:r>
+              <a:rPr lang="en-US"/>
+              <a:t>Third level</a:t>
+            </a:r>
+          </a:p>
+          <a:p>
+            <a:pPr lvl="3"/>
+            <a:r>
+              <a:rPr lang="en-US"/>
+              <a:t>Fourth level</a:t>
+            </a:r>
+          </a:p>
+          <a:p>
+            <a:pPr lvl="4"/>
+            <a:r>
+              <a:rPr lang="en-US"/>
+              <a:t>Fifth level</a:t>
+            </a:r>
+            <a:endParaRPr lang="en-US" dirty="0"/>
+          </a:p>
+        </p:txBody>
+      </p:sp>
+      <p:sp>
+        <p:nvSpPr>
+          <p:cNvPr id="4" name="Text Placeholder 3"/>
+          <p:cNvSpPr>
+            <a:spLocks noGrp="1"/>
+          </p:cNvSpPr>
+          <p:nvPr>
+            <p:ph type="body" sz="half" idx="2"/>
           </p:nvPr>
         </p:nvSpPr>
         <p:spPr>
           <a:xfrm>
-            <a:off x="5183188" y="987425"/>
-            <a:ext cx="6172200" cy="4873625"/>
+            <a:off x="1484312" y="2971800"/>
+            <a:ext cx="3549121" cy="1828800"/>
           </a:xfrm>
         </p:spPr>
         <p:txBody>
-          <a:bodyPr/>
+          <a:bodyPr>
+            <a:normAutofit/>
+          </a:bodyPr>
           <a:lstStyle>
-            <a:lvl1pPr>
-              <a:defRPr sz="3200"/>
-            </a:lvl1pPr>
-            <a:lvl2pPr>
-              <a:defRPr sz="2800"/>
-            </a:lvl2pPr>
-            <a:lvl3pPr>
-              <a:defRPr sz="2400"/>
-            </a:lvl3pPr>
-            <a:lvl4pPr>
-              <a:defRPr sz="2000"/>
-            </a:lvl4pPr>
-            <a:lvl5pPr>
-              <a:defRPr sz="2000"/>
-            </a:lvl5pPr>
-            <a:lvl6pPr>
-              <a:defRPr sz="2000"/>
-            </a:lvl6pPr>
-            <a:lvl7pPr>
-              <a:defRPr sz="2000"/>
-            </a:lvl7pPr>
-            <a:lvl8pPr>
-              <a:defRPr sz="2000"/>
-            </a:lvl8pPr>
-            <a:lvl9pPr>
-              <a:defRPr sz="2000"/>
-            </a:lvl9pPr>
-          </a:lstStyle>
-          <a:p>
-            <a:pPr lvl="0"/>
-            <a:r>
-              <a:rPr lang="en-US"/>
-              <a:t>Click to edit Master text styles</a:t>
-            </a:r>
-          </a:p>
-          <a:p>
-            <a:pPr lvl="1"/>
-            <a:r>
-              <a:rPr lang="en-US"/>
-              <a:t>Second level</a:t>
-            </a:r>
-          </a:p>
-          <a:p>
-            <a:pPr lvl="2"/>
-            <a:r>
-              <a:rPr lang="en-US"/>
-              <a:t>Third level</a:t>
-            </a:r>
-          </a:p>
-          <a:p>
-            <a:pPr lvl="3"/>
-            <a:r>
-              <a:rPr lang="en-US"/>
-              <a:t>Fourth level</a:t>
-            </a:r>
-          </a:p>
-          <a:p>
-            <a:pPr lvl="4"/>
-            <a:r>
-              <a:rPr lang="en-US"/>
-              <a:t>Fifth level</a:t>
-            </a:r>
-            <a:endParaRPr lang="de-CH"/>
-          </a:p>
-        </p:txBody>
-      </p:sp>
-      <p:sp>
-        <p:nvSpPr>
-          <p:cNvPr id="4" name="Text Placeholder 3">
-            <a:extLst>
-              <a:ext uri="{FF2B5EF4-FFF2-40B4-BE49-F238E27FC236}">
-                <a16:creationId xmlns:a16="http://schemas.microsoft.com/office/drawing/2014/main" id="{3C55DA1E-3DE2-E7CD-A4D3-7614B09F2CB5}"/>
-              </a:ext>
-            </a:extLst>
-          </p:cNvPr>
-          <p:cNvSpPr>
-            <a:spLocks noGrp="1"/>
-          </p:cNvSpPr>
-          <p:nvPr>
-            <p:ph type="body" sz="half" idx="2"/>
-          </p:nvPr>
-        </p:nvSpPr>
-        <p:spPr>
-          <a:xfrm>
-            <a:off x="839788" y="2057400"/>
-            <a:ext cx="3932237" cy="3811588"/>
-          </a:xfrm>
-        </p:spPr>
-        <p:txBody>
-          <a:bodyPr/>
-          <a:lstStyle>
-            <a:lvl1pPr marL="0" indent="0">
+            <a:lvl1pPr marL="0" indent="0" algn="ctr">
               <a:buNone/>
               <a:defRPr sz="1600"/>
             </a:lvl1pPr>
             <a:lvl2pPr marL="457200" indent="0">
               <a:buNone/>
-              <a:defRPr sz="1400"/>
+              <a:defRPr sz="1200"/>
             </a:lvl2pPr>
             <a:lvl3pPr marL="914400" indent="0">
               <a:buNone/>
-              <a:defRPr sz="1200"/>
+              <a:defRPr sz="1000"/>
             </a:lvl3pPr>
             <a:lvl4pPr marL="1371600" indent="0">
               <a:buNone/>
-              <a:defRPr sz="1000"/>
+              <a:defRPr sz="900"/>
             </a:lvl4pPr>
             <a:lvl5pPr marL="1828800" indent="0">
               <a:buNone/>
-              <a:defRPr sz="1000"/>
+              <a:defRPr sz="900"/>
             </a:lvl5pPr>
             <a:lvl6pPr marL="2286000" indent="0">
               <a:buNone/>
-              <a:defRPr sz="1000"/>
+              <a:defRPr sz="900"/>
             </a:lvl6pPr>
             <a:lvl7pPr marL="2743200" indent="0">
               <a:buNone/>
-              <a:defRPr sz="1000"/>
+              <a:defRPr sz="900"/>
             </a:lvl7pPr>
             <a:lvl8pPr marL="3200400" indent="0">
               <a:buNone/>
-              <a:defRPr sz="1000"/>
+              <a:defRPr sz="900"/>
             </a:lvl8pPr>
             <a:lvl9pPr marL="3657600" indent="0">
               <a:buNone/>
-              <a:defRPr sz="1000"/>
+              <a:defRPr sz="900"/>
             </a:lvl9pPr>
           </a:lstStyle>
           <a:p>
@@ -2384,13 +4777,7 @@
       </p:sp>
       <p:sp>
         <p:nvSpPr>
-          <p:cNvPr id="5" name="Date Placeholder 4">
-            <a:extLst>
-              <a:ext uri="{FF2B5EF4-FFF2-40B4-BE49-F238E27FC236}">
-                <a16:creationId xmlns:a16="http://schemas.microsoft.com/office/drawing/2014/main" id="{FAEC83C6-6A46-AA77-46FA-5A413A1FC067}"/>
-              </a:ext>
-            </a:extLst>
-          </p:cNvPr>
+          <p:cNvPr id="5" name="Date Placeholder 4"/>
           <p:cNvSpPr>
             <a:spLocks noGrp="1"/>
           </p:cNvSpPr>
@@ -2405,7 +4792,7 @@
           <a:p>
             <a:fld id="{75010D13-5421-45FB-91B5-734B751F6B9F}" type="datetimeFigureOut">
               <a:rPr lang="de-CH" smtClean="0"/>
-              <a:t>28.02.2025</a:t>
+              <a:t>02.03.2025</a:t>
             </a:fld>
             <a:endParaRPr lang="de-CH"/>
           </a:p>
@@ -2413,13 +4800,7 @@
       </p:sp>
       <p:sp>
         <p:nvSpPr>
-          <p:cNvPr id="6" name="Footer Placeholder 5">
-            <a:extLst>
-              <a:ext uri="{FF2B5EF4-FFF2-40B4-BE49-F238E27FC236}">
-                <a16:creationId xmlns:a16="http://schemas.microsoft.com/office/drawing/2014/main" id="{65A83944-31E4-D0D4-12B5-CEE3D1318245}"/>
-              </a:ext>
-            </a:extLst>
-          </p:cNvPr>
+          <p:cNvPr id="6" name="Footer Placeholder 5"/>
           <p:cNvSpPr>
             <a:spLocks noGrp="1"/>
           </p:cNvSpPr>
@@ -2438,13 +4819,7 @@
       </p:sp>
       <p:sp>
         <p:nvSpPr>
-          <p:cNvPr id="7" name="Slide Number Placeholder 6">
-            <a:extLst>
-              <a:ext uri="{FF2B5EF4-FFF2-40B4-BE49-F238E27FC236}">
-                <a16:creationId xmlns:a16="http://schemas.microsoft.com/office/drawing/2014/main" id="{008EAAC2-3F37-564C-5911-52B409F47291}"/>
-              </a:ext>
-            </a:extLst>
-          </p:cNvPr>
+          <p:cNvPr id="7" name="Slide Number Placeholder 6"/>
           <p:cNvSpPr>
             <a:spLocks noGrp="1"/>
           </p:cNvSpPr>
@@ -2468,7 +4843,7 @@
     </p:spTree>
     <p:extLst>
       <p:ext uri="{BB962C8B-B14F-4D97-AF65-F5344CB8AC3E}">
-        <p14:creationId xmlns:p14="http://schemas.microsoft.com/office/powerpoint/2010/main" val="4130143560"/>
+        <p14:creationId xmlns:p14="http://schemas.microsoft.com/office/powerpoint/2010/main" val="3315726282"/>
       </p:ext>
     </p:extLst>
   </p:cSld>
@@ -2497,13 +4872,7 @@
       </p:grpSpPr>
       <p:sp>
         <p:nvSpPr>
-          <p:cNvPr id="2" name="Title 1">
-            <a:extLst>
-              <a:ext uri="{FF2B5EF4-FFF2-40B4-BE49-F238E27FC236}">
-                <a16:creationId xmlns:a16="http://schemas.microsoft.com/office/drawing/2014/main" id="{9DCF6014-5111-F627-A413-E2DD3EFC8166}"/>
-              </a:ext>
-            </a:extLst>
-          </p:cNvPr>
+          <p:cNvPr id="2" name="Title 1"/>
           <p:cNvSpPr>
             <a:spLocks noGrp="1"/>
           </p:cNvSpPr>
@@ -2513,15 +4882,17 @@
         </p:nvSpPr>
         <p:spPr>
           <a:xfrm>
-            <a:off x="839788" y="457200"/>
-            <a:ext cx="3932237" cy="1600200"/>
+            <a:off x="1482724" y="1752599"/>
+            <a:ext cx="5426158" cy="1371600"/>
           </a:xfrm>
         </p:spPr>
         <p:txBody>
-          <a:bodyPr anchor="b"/>
+          <a:bodyPr anchor="b">
+            <a:normAutofit/>
+          </a:bodyPr>
           <a:lstStyle>
-            <a:lvl1pPr>
-              <a:defRPr sz="3200"/>
+            <a:lvl1pPr algn="ctr">
+              <a:defRPr sz="2800" b="0"/>
             </a:lvl1pPr>
           </a:lstStyle>
           <a:p>
@@ -2529,21 +4900,15 @@
               <a:rPr lang="en-US"/>
               <a:t>Click to edit Master title style</a:t>
             </a:r>
-            <a:endParaRPr lang="de-CH"/>
-          </a:p>
-        </p:txBody>
-      </p:sp>
-      <p:sp>
-        <p:nvSpPr>
-          <p:cNvPr id="3" name="Picture Placeholder 2">
-            <a:extLst>
-              <a:ext uri="{FF2B5EF4-FFF2-40B4-BE49-F238E27FC236}">
-                <a16:creationId xmlns:a16="http://schemas.microsoft.com/office/drawing/2014/main" id="{24BA544B-612A-75F0-C169-E988B7B20461}"/>
-              </a:ext>
-            </a:extLst>
-          </p:cNvPr>
-          <p:cNvSpPr>
-            <a:spLocks noGrp="1"/>
+            <a:endParaRPr lang="en-US" dirty="0"/>
+          </a:p>
+        </p:txBody>
+      </p:sp>
+      <p:sp>
+        <p:nvSpPr>
+          <p:cNvPr id="14" name="Picture Placeholder 2"/>
+          <p:cNvSpPr>
+            <a:spLocks noGrp="1" noChangeAspect="1"/>
           </p:cNvSpPr>
           <p:nvPr>
             <p:ph type="pic" idx="1"/>
@@ -2551,118 +4916,148 @@
         </p:nvSpPr>
         <p:spPr>
           <a:xfrm>
-            <a:off x="5183188" y="987425"/>
-            <a:ext cx="6172200" cy="4873625"/>
+            <a:off x="7594682" y="914400"/>
+            <a:ext cx="3280974" cy="4572000"/>
           </a:xfrm>
+          <a:prstGeom prst="roundRect">
+            <a:avLst>
+              <a:gd name="adj" fmla="val 4280"/>
+            </a:avLst>
+          </a:prstGeom>
+          <a:ln w="38100">
+            <a:gradFill flip="none" rotWithShape="1">
+              <a:gsLst>
+                <a:gs pos="0">
+                  <a:schemeClr val="bg2"/>
+                </a:gs>
+                <a:gs pos="100000">
+                  <a:schemeClr val="bg2">
+                    <a:lumMod val="75000"/>
+                  </a:schemeClr>
+                </a:gs>
+              </a:gsLst>
+              <a:lin ang="5400000" scaled="0"/>
+              <a:tileRect/>
+            </a:gradFill>
+          </a:ln>
+          <a:effectLst>
+            <a:innerShdw blurRad="57150" dist="38100" dir="14460000">
+              <a:srgbClr val="000000">
+                <a:alpha val="70000"/>
+              </a:srgbClr>
+            </a:innerShdw>
+          </a:effectLst>
         </p:spPr>
         <p:txBody>
-          <a:bodyPr/>
+          <a:bodyPr anchor="t">
+            <a:normAutofit/>
+          </a:bodyPr>
           <a:lstStyle>
-            <a:lvl1pPr marL="0" indent="0">
-              <a:buNone/>
-              <a:defRPr sz="3200"/>
-            </a:lvl1pPr>
-            <a:lvl2pPr marL="457200" indent="0">
-              <a:buNone/>
-              <a:defRPr sz="2800"/>
-            </a:lvl2pPr>
-            <a:lvl3pPr marL="914400" indent="0">
-              <a:buNone/>
-              <a:defRPr sz="2400"/>
-            </a:lvl3pPr>
-            <a:lvl4pPr marL="1371600" indent="0">
-              <a:buNone/>
-              <a:defRPr sz="2000"/>
-            </a:lvl4pPr>
-            <a:lvl5pPr marL="1828800" indent="0">
-              <a:buNone/>
-              <a:defRPr sz="2000"/>
-            </a:lvl5pPr>
-            <a:lvl6pPr marL="2286000" indent="0">
-              <a:buNone/>
-              <a:defRPr sz="2000"/>
-            </a:lvl6pPr>
-            <a:lvl7pPr marL="2743200" indent="0">
-              <a:buNone/>
-              <a:defRPr sz="2000"/>
-            </a:lvl7pPr>
-            <a:lvl8pPr marL="3200400" indent="0">
-              <a:buNone/>
-              <a:defRPr sz="2000"/>
-            </a:lvl8pPr>
-            <a:lvl9pPr marL="3657600" indent="0">
-              <a:buNone/>
-              <a:defRPr sz="2000"/>
-            </a:lvl9pPr>
-          </a:lstStyle>
-          <a:p>
-            <a:endParaRPr lang="de-CH"/>
-          </a:p>
-        </p:txBody>
-      </p:sp>
-      <p:sp>
-        <p:nvSpPr>
-          <p:cNvPr id="4" name="Text Placeholder 3">
-            <a:extLst>
-              <a:ext uri="{FF2B5EF4-FFF2-40B4-BE49-F238E27FC236}">
-                <a16:creationId xmlns:a16="http://schemas.microsoft.com/office/drawing/2014/main" id="{BE64210D-F395-BFA2-2F6F-344CC8542F7E}"/>
-              </a:ext>
-            </a:extLst>
-          </p:cNvPr>
-          <p:cNvSpPr>
-            <a:spLocks noGrp="1"/>
-          </p:cNvSpPr>
-          <p:nvPr>
-            <p:ph type="body" sz="half" idx="2"/>
-          </p:nvPr>
-        </p:nvSpPr>
-        <p:spPr>
-          <a:xfrm>
-            <a:off x="839788" y="2057400"/>
-            <a:ext cx="3932237" cy="3811588"/>
-          </a:xfrm>
-        </p:spPr>
-        <p:txBody>
-          <a:bodyPr/>
-          <a:lstStyle>
-            <a:lvl1pPr marL="0" indent="0">
+            <a:lvl1pPr marL="0" indent="0" algn="ctr">
               <a:buNone/>
               <a:defRPr sz="1600"/>
             </a:lvl1pPr>
             <a:lvl2pPr marL="457200" indent="0">
               <a:buNone/>
-              <a:defRPr sz="1400"/>
+              <a:defRPr sz="1600"/>
             </a:lvl2pPr>
             <a:lvl3pPr marL="914400" indent="0">
               <a:buNone/>
-              <a:defRPr sz="1200"/>
+              <a:defRPr sz="1600"/>
             </a:lvl3pPr>
             <a:lvl4pPr marL="1371600" indent="0">
               <a:buNone/>
-              <a:defRPr sz="1000"/>
+              <a:defRPr sz="1600"/>
             </a:lvl4pPr>
             <a:lvl5pPr marL="1828800" indent="0">
               <a:buNone/>
-              <a:defRPr sz="1000"/>
+              <a:defRPr sz="1600"/>
             </a:lvl5pPr>
             <a:lvl6pPr marL="2286000" indent="0">
               <a:buNone/>
-              <a:defRPr sz="1000"/>
+              <a:defRPr sz="1600"/>
             </a:lvl6pPr>
             <a:lvl7pPr marL="2743200" indent="0">
               <a:buNone/>
-              <a:defRPr sz="1000"/>
+              <a:defRPr sz="1600"/>
             </a:lvl7pPr>
             <a:lvl8pPr marL="3200400" indent="0">
               <a:buNone/>
-              <a:defRPr sz="1000"/>
+              <a:defRPr sz="1600"/>
             </a:lvl8pPr>
             <a:lvl9pPr marL="3657600" indent="0">
               <a:buNone/>
-              <a:defRPr sz="1000"/>
+              <a:defRPr sz="1600"/>
             </a:lvl9pPr>
           </a:lstStyle>
           <a:p>
+            <a:r>
+              <a:rPr lang="en-US"/>
+              <a:t>Click icon to add picture</a:t>
+            </a:r>
+            <a:endParaRPr lang="en-US" dirty="0"/>
+          </a:p>
+        </p:txBody>
+      </p:sp>
+      <p:sp>
+        <p:nvSpPr>
+          <p:cNvPr id="4" name="Text Placeholder 3"/>
+          <p:cNvSpPr>
+            <a:spLocks noGrp="1"/>
+          </p:cNvSpPr>
+          <p:nvPr>
+            <p:ph type="body" sz="half" idx="2"/>
+          </p:nvPr>
+        </p:nvSpPr>
+        <p:spPr>
+          <a:xfrm>
+            <a:off x="1482724" y="3124199"/>
+            <a:ext cx="5426158" cy="1828800"/>
+          </a:xfrm>
+        </p:spPr>
+        <p:txBody>
+          <a:bodyPr>
+            <a:normAutofit/>
+          </a:bodyPr>
+          <a:lstStyle>
+            <a:lvl1pPr marL="0" indent="0" algn="ctr">
+              <a:buNone/>
+              <a:defRPr sz="1800"/>
+            </a:lvl1pPr>
+            <a:lvl2pPr marL="457200" indent="0">
+              <a:buNone/>
+              <a:defRPr sz="1200"/>
+            </a:lvl2pPr>
+            <a:lvl3pPr marL="914400" indent="0">
+              <a:buNone/>
+              <a:defRPr sz="1000"/>
+            </a:lvl3pPr>
+            <a:lvl4pPr marL="1371600" indent="0">
+              <a:buNone/>
+              <a:defRPr sz="900"/>
+            </a:lvl4pPr>
+            <a:lvl5pPr marL="1828800" indent="0">
+              <a:buNone/>
+              <a:defRPr sz="900"/>
+            </a:lvl5pPr>
+            <a:lvl6pPr marL="2286000" indent="0">
+              <a:buNone/>
+              <a:defRPr sz="900"/>
+            </a:lvl6pPr>
+            <a:lvl7pPr marL="2743200" indent="0">
+              <a:buNone/>
+              <a:defRPr sz="900"/>
+            </a:lvl7pPr>
+            <a:lvl8pPr marL="3200400" indent="0">
+              <a:buNone/>
+              <a:defRPr sz="900"/>
+            </a:lvl8pPr>
+            <a:lvl9pPr marL="3657600" indent="0">
+              <a:buNone/>
+              <a:defRPr sz="900"/>
+            </a:lvl9pPr>
+          </a:lstStyle>
+          <a:p>
             <a:pPr lvl="0"/>
             <a:r>
               <a:rPr lang="en-US"/>
@@ -2673,13 +5068,7 @@
       </p:sp>
       <p:sp>
         <p:nvSpPr>
-          <p:cNvPr id="5" name="Date Placeholder 4">
-            <a:extLst>
-              <a:ext uri="{FF2B5EF4-FFF2-40B4-BE49-F238E27FC236}">
-                <a16:creationId xmlns:a16="http://schemas.microsoft.com/office/drawing/2014/main" id="{4C93609F-FCC5-15F5-8722-EC657E89B033}"/>
-              </a:ext>
-            </a:extLst>
-          </p:cNvPr>
+          <p:cNvPr id="5" name="Date Placeholder 4"/>
           <p:cNvSpPr>
             <a:spLocks noGrp="1"/>
           </p:cNvSpPr>
@@ -2694,7 +5083,7 @@
           <a:p>
             <a:fld id="{75010D13-5421-45FB-91B5-734B751F6B9F}" type="datetimeFigureOut">
               <a:rPr lang="de-CH" smtClean="0"/>
-              <a:t>28.02.2025</a:t>
+              <a:t>02.03.2025</a:t>
             </a:fld>
             <a:endParaRPr lang="de-CH"/>
           </a:p>
@@ -2702,13 +5091,7 @@
       </p:sp>
       <p:sp>
         <p:nvSpPr>
-          <p:cNvPr id="6" name="Footer Placeholder 5">
-            <a:extLst>
-              <a:ext uri="{FF2B5EF4-FFF2-40B4-BE49-F238E27FC236}">
-                <a16:creationId xmlns:a16="http://schemas.microsoft.com/office/drawing/2014/main" id="{6750A7A0-1F8F-FB3A-C189-835709010C09}"/>
-              </a:ext>
-            </a:extLst>
-          </p:cNvPr>
+          <p:cNvPr id="6" name="Footer Placeholder 5"/>
           <p:cNvSpPr>
             <a:spLocks noGrp="1"/>
           </p:cNvSpPr>
@@ -2727,13 +5110,7 @@
       </p:sp>
       <p:sp>
         <p:nvSpPr>
-          <p:cNvPr id="7" name="Slide Number Placeholder 6">
-            <a:extLst>
-              <a:ext uri="{FF2B5EF4-FFF2-40B4-BE49-F238E27FC236}">
-                <a16:creationId xmlns:a16="http://schemas.microsoft.com/office/drawing/2014/main" id="{EDEAACE1-5418-E198-986E-A2D1A6B4B171}"/>
-              </a:ext>
-            </a:extLst>
-          </p:cNvPr>
+          <p:cNvPr id="7" name="Slide Number Placeholder 6"/>
           <p:cNvSpPr>
             <a:spLocks noGrp="1"/>
           </p:cNvSpPr>
@@ -2757,7 +5134,7 @@
     </p:spTree>
     <p:extLst>
       <p:ext uri="{BB962C8B-B14F-4D97-AF65-F5344CB8AC3E}">
-        <p14:creationId xmlns:p14="http://schemas.microsoft.com/office/powerpoint/2010/main" val="3147540597"/>
+        <p14:creationId xmlns:p14="http://schemas.microsoft.com/office/powerpoint/2010/main" val="2225137431"/>
       </p:ext>
     </p:extLst>
   </p:cSld>
@@ -2771,8 +5148,8 @@
 <p:sldMaster xmlns:a="http://schemas.openxmlformats.org/drawingml/2006/main" xmlns:r="http://schemas.openxmlformats.org/officeDocument/2006/relationships" xmlns:p="http://schemas.openxmlformats.org/presentationml/2006/main">
   <p:cSld>
     <p:bg>
-      <p:bgRef idx="1001">
-        <a:schemeClr val="bg1"/>
+      <p:bgRef idx="1003">
+        <a:schemeClr val="bg2"/>
       </p:bgRef>
     </p:bg>
     <p:spTree>
@@ -2789,15 +5166,325 @@
           <a:chExt cx="0" cy="0"/>
         </a:xfrm>
       </p:grpSpPr>
-      <p:sp>
-        <p:nvSpPr>
-          <p:cNvPr id="2" name="Title Placeholder 1">
-            <a:extLst>
-              <a:ext uri="{FF2B5EF4-FFF2-40B4-BE49-F238E27FC236}">
-                <a16:creationId xmlns:a16="http://schemas.microsoft.com/office/drawing/2014/main" id="{0E82C56A-19F5-1FF7-4493-7FAEA35DB8F8}"/>
-              </a:ext>
-            </a:extLst>
-          </p:cNvPr>
+      <p:grpSp>
+        <p:nvGrpSpPr>
+          <p:cNvPr id="7" name="Group 6"/>
+          <p:cNvGrpSpPr/>
+          <p:nvPr/>
+        </p:nvGrpSpPr>
+        <p:grpSpPr>
+          <a:xfrm>
+            <a:off x="150812" y="0"/>
+            <a:ext cx="2436813" cy="6858001"/>
+            <a:chOff x="1320800" y="0"/>
+            <a:chExt cx="2436813" cy="6858001"/>
+          </a:xfrm>
+        </p:grpSpPr>
+        <p:sp>
+          <p:nvSpPr>
+            <p:cNvPr id="8" name="Freeform 6"/>
+            <p:cNvSpPr/>
+            <p:nvPr/>
+          </p:nvSpPr>
+          <p:spPr bwMode="auto">
+            <a:xfrm>
+              <a:off x="1627188" y="0"/>
+              <a:ext cx="1122363" cy="5329238"/>
+            </a:xfrm>
+            <a:custGeom>
+              <a:avLst/>
+              <a:gdLst/>
+              <a:ahLst/>
+              <a:cxnLst/>
+              <a:rect l="0" t="0" r="r" b="b"/>
+              <a:pathLst>
+                <a:path w="707" h="3357">
+                  <a:moveTo>
+                    <a:pt x="0" y="3330"/>
+                  </a:moveTo>
+                  <a:lnTo>
+                    <a:pt x="156" y="3357"/>
+                  </a:lnTo>
+                  <a:lnTo>
+                    <a:pt x="707" y="0"/>
+                  </a:lnTo>
+                  <a:lnTo>
+                    <a:pt x="547" y="0"/>
+                  </a:lnTo>
+                  <a:lnTo>
+                    <a:pt x="0" y="3330"/>
+                  </a:lnTo>
+                  <a:close/>
+                </a:path>
+              </a:pathLst>
+            </a:custGeom>
+            <a:solidFill>
+              <a:schemeClr val="accent1"/>
+            </a:solidFill>
+            <a:ln>
+              <a:noFill/>
+            </a:ln>
+          </p:spPr>
+        </p:sp>
+        <p:sp>
+          <p:nvSpPr>
+            <p:cNvPr id="9" name="Freeform 7"/>
+            <p:cNvSpPr/>
+            <p:nvPr/>
+          </p:nvSpPr>
+          <p:spPr bwMode="auto">
+            <a:xfrm>
+              <a:off x="1320800" y="0"/>
+              <a:ext cx="1117600" cy="5276850"/>
+            </a:xfrm>
+            <a:custGeom>
+              <a:avLst/>
+              <a:gdLst/>
+              <a:ahLst/>
+              <a:cxnLst/>
+              <a:rect l="0" t="0" r="r" b="b"/>
+              <a:pathLst>
+                <a:path w="704" h="3324">
+                  <a:moveTo>
+                    <a:pt x="704" y="0"/>
+                  </a:moveTo>
+                  <a:lnTo>
+                    <a:pt x="545" y="0"/>
+                  </a:lnTo>
+                  <a:lnTo>
+                    <a:pt x="0" y="3300"/>
+                  </a:lnTo>
+                  <a:lnTo>
+                    <a:pt x="157" y="3324"/>
+                  </a:lnTo>
+                  <a:lnTo>
+                    <a:pt x="704" y="0"/>
+                  </a:lnTo>
+                  <a:close/>
+                </a:path>
+              </a:pathLst>
+            </a:custGeom>
+            <a:solidFill>
+              <a:schemeClr val="tx1">
+                <a:lumMod val="65000"/>
+                <a:lumOff val="35000"/>
+              </a:schemeClr>
+            </a:solidFill>
+            <a:ln>
+              <a:noFill/>
+            </a:ln>
+          </p:spPr>
+        </p:sp>
+        <p:sp>
+          <p:nvSpPr>
+            <p:cNvPr id="10" name="Freeform 8"/>
+            <p:cNvSpPr/>
+            <p:nvPr/>
+          </p:nvSpPr>
+          <p:spPr bwMode="auto">
+            <a:xfrm>
+              <a:off x="1320800" y="5238750"/>
+              <a:ext cx="1228725" cy="1619250"/>
+            </a:xfrm>
+            <a:custGeom>
+              <a:avLst/>
+              <a:gdLst/>
+              <a:ahLst/>
+              <a:cxnLst/>
+              <a:rect l="0" t="0" r="r" b="b"/>
+              <a:pathLst>
+                <a:path w="774" h="1020">
+                  <a:moveTo>
+                    <a:pt x="0" y="0"/>
+                  </a:moveTo>
+                  <a:lnTo>
+                    <a:pt x="740" y="1020"/>
+                  </a:lnTo>
+                  <a:lnTo>
+                    <a:pt x="774" y="1020"/>
+                  </a:lnTo>
+                  <a:lnTo>
+                    <a:pt x="0" y="0"/>
+                  </a:lnTo>
+                  <a:close/>
+                </a:path>
+              </a:pathLst>
+            </a:custGeom>
+            <a:solidFill>
+              <a:schemeClr val="tx1">
+                <a:lumMod val="85000"/>
+                <a:lumOff val="15000"/>
+              </a:schemeClr>
+            </a:solidFill>
+            <a:ln>
+              <a:noFill/>
+            </a:ln>
+          </p:spPr>
+        </p:sp>
+        <p:sp>
+          <p:nvSpPr>
+            <p:cNvPr id="11" name="Freeform 9"/>
+            <p:cNvSpPr/>
+            <p:nvPr/>
+          </p:nvSpPr>
+          <p:spPr bwMode="auto">
+            <a:xfrm>
+              <a:off x="1627188" y="5291138"/>
+              <a:ext cx="1495425" cy="1566863"/>
+            </a:xfrm>
+            <a:custGeom>
+              <a:avLst/>
+              <a:gdLst/>
+              <a:ahLst/>
+              <a:cxnLst/>
+              <a:rect l="0" t="0" r="r" b="b"/>
+              <a:pathLst>
+                <a:path w="942" h="987">
+                  <a:moveTo>
+                    <a:pt x="0" y="0"/>
+                  </a:moveTo>
+                  <a:lnTo>
+                    <a:pt x="909" y="987"/>
+                  </a:lnTo>
+                  <a:lnTo>
+                    <a:pt x="942" y="987"/>
+                  </a:lnTo>
+                  <a:lnTo>
+                    <a:pt x="0" y="0"/>
+                  </a:lnTo>
+                  <a:close/>
+                </a:path>
+              </a:pathLst>
+            </a:custGeom>
+            <a:solidFill>
+              <a:schemeClr val="accent1">
+                <a:lumMod val="50000"/>
+              </a:schemeClr>
+            </a:solidFill>
+            <a:ln>
+              <a:noFill/>
+            </a:ln>
+          </p:spPr>
+        </p:sp>
+        <p:sp>
+          <p:nvSpPr>
+            <p:cNvPr id="12" name="Freeform 10"/>
+            <p:cNvSpPr/>
+            <p:nvPr/>
+          </p:nvSpPr>
+          <p:spPr bwMode="auto">
+            <a:xfrm>
+              <a:off x="1627188" y="5286375"/>
+              <a:ext cx="2130425" cy="1571625"/>
+            </a:xfrm>
+            <a:custGeom>
+              <a:avLst/>
+              <a:gdLst/>
+              <a:ahLst/>
+              <a:cxnLst/>
+              <a:rect l="0" t="0" r="r" b="b"/>
+              <a:pathLst>
+                <a:path w="1342" h="990">
+                  <a:moveTo>
+                    <a:pt x="0" y="3"/>
+                  </a:moveTo>
+                  <a:lnTo>
+                    <a:pt x="942" y="990"/>
+                  </a:lnTo>
+                  <a:lnTo>
+                    <a:pt x="1342" y="990"/>
+                  </a:lnTo>
+                  <a:lnTo>
+                    <a:pt x="156" y="27"/>
+                  </a:lnTo>
+                  <a:lnTo>
+                    <a:pt x="0" y="0"/>
+                  </a:lnTo>
+                  <a:lnTo>
+                    <a:pt x="0" y="3"/>
+                  </a:lnTo>
+                  <a:close/>
+                </a:path>
+              </a:pathLst>
+            </a:custGeom>
+            <a:solidFill>
+              <a:schemeClr val="accent1">
+                <a:lumMod val="75000"/>
+              </a:schemeClr>
+            </a:solidFill>
+            <a:ln>
+              <a:noFill/>
+            </a:ln>
+          </p:spPr>
+        </p:sp>
+        <p:sp>
+          <p:nvSpPr>
+            <p:cNvPr id="13" name="Freeform 11"/>
+            <p:cNvSpPr/>
+            <p:nvPr/>
+          </p:nvSpPr>
+          <p:spPr bwMode="auto">
+            <a:xfrm>
+              <a:off x="1320800" y="5238750"/>
+              <a:ext cx="1695450" cy="1619250"/>
+            </a:xfrm>
+            <a:custGeom>
+              <a:avLst/>
+              <a:gdLst/>
+              <a:ahLst/>
+              <a:cxnLst/>
+              <a:rect l="0" t="0" r="r" b="b"/>
+              <a:pathLst>
+                <a:path w="1068" h="1020">
+                  <a:moveTo>
+                    <a:pt x="1068" y="1020"/>
+                  </a:moveTo>
+                  <a:lnTo>
+                    <a:pt x="184" y="60"/>
+                  </a:lnTo>
+                  <a:lnTo>
+                    <a:pt x="154" y="27"/>
+                  </a:lnTo>
+                  <a:lnTo>
+                    <a:pt x="157" y="27"/>
+                  </a:lnTo>
+                  <a:lnTo>
+                    <a:pt x="157" y="24"/>
+                  </a:lnTo>
+                  <a:lnTo>
+                    <a:pt x="154" y="24"/>
+                  </a:lnTo>
+                  <a:lnTo>
+                    <a:pt x="0" y="0"/>
+                  </a:lnTo>
+                  <a:lnTo>
+                    <a:pt x="0" y="0"/>
+                  </a:lnTo>
+                  <a:lnTo>
+                    <a:pt x="774" y="1020"/>
+                  </a:lnTo>
+                  <a:lnTo>
+                    <a:pt x="1068" y="1020"/>
+                  </a:lnTo>
+                  <a:close/>
+                </a:path>
+              </a:pathLst>
+            </a:custGeom>
+            <a:solidFill>
+              <a:schemeClr val="tx1">
+                <a:lumMod val="75000"/>
+                <a:lumOff val="25000"/>
+              </a:schemeClr>
+            </a:solidFill>
+            <a:ln>
+              <a:noFill/>
+            </a:ln>
+          </p:spPr>
+        </p:sp>
+      </p:grpSp>
+      <p:sp>
+        <p:nvSpPr>
+          <p:cNvPr id="2" name="Title Placeholder 1"/>
           <p:cNvSpPr>
             <a:spLocks noGrp="1"/>
           </p:cNvSpPr>
@@ -2807,8 +5494,42 @@
         </p:nvSpPr>
         <p:spPr>
           <a:xfrm>
-            <a:off x="838200" y="365125"/>
-            <a:ext cx="10515600" cy="1325563"/>
+            <a:off x="1484311" y="685800"/>
+            <a:ext cx="10018713" cy="1752599"/>
+          </a:xfrm>
+          <a:prstGeom prst="rect">
+            <a:avLst/>
+          </a:prstGeom>
+          <a:effectLst/>
+        </p:spPr>
+        <p:txBody>
+          <a:bodyPr vert="horz" lIns="91440" tIns="45720" rIns="91440" bIns="45720" rtlCol="0" anchor="ctr">
+            <a:normAutofit/>
+          </a:bodyPr>
+          <a:lstStyle/>
+          <a:p>
+            <a:r>
+              <a:rPr lang="en-US"/>
+              <a:t>Click to edit Master title style</a:t>
+            </a:r>
+            <a:endParaRPr lang="en-US" dirty="0"/>
+          </a:p>
+        </p:txBody>
+      </p:sp>
+      <p:sp>
+        <p:nvSpPr>
+          <p:cNvPr id="3" name="Text Placeholder 2"/>
+          <p:cNvSpPr>
+            <a:spLocks noGrp="1"/>
+          </p:cNvSpPr>
+          <p:nvPr>
+            <p:ph type="body" idx="1"/>
+          </p:nvPr>
+        </p:nvSpPr>
+        <p:spPr>
+          <a:xfrm>
+            <a:off x="1484310" y="2666999"/>
+            <a:ext cx="10018713" cy="3124201"/>
           </a:xfrm>
           <a:prstGeom prst="rect">
             <a:avLst/>
@@ -2820,102 +5541,98 @@
           </a:bodyPr>
           <a:lstStyle/>
           <a:p>
+            <a:pPr lvl="0"/>
             <a:r>
               <a:rPr lang="en-US"/>
-              <a:t>Click to edit Master title style</a:t>
-            </a:r>
-            <a:endParaRPr lang="de-CH"/>
-          </a:p>
-        </p:txBody>
-      </p:sp>
-      <p:sp>
-        <p:nvSpPr>
-          <p:cNvPr id="3" name="Text Placeholder 2">
-            <a:extLst>
-              <a:ext uri="{FF2B5EF4-FFF2-40B4-BE49-F238E27FC236}">
-                <a16:creationId xmlns:a16="http://schemas.microsoft.com/office/drawing/2014/main" id="{FA7A3DAD-CDD7-ABD6-74AC-633442CE29DE}"/>
-              </a:ext>
-            </a:extLst>
-          </p:cNvPr>
-          <p:cNvSpPr>
-            <a:spLocks noGrp="1"/>
-          </p:cNvSpPr>
-          <p:nvPr>
-            <p:ph type="body" idx="1"/>
+              <a:t>Click to edit Master text styles</a:t>
+            </a:r>
+          </a:p>
+          <a:p>
+            <a:pPr lvl="1"/>
+            <a:r>
+              <a:rPr lang="en-US"/>
+              <a:t>Second level</a:t>
+            </a:r>
+          </a:p>
+          <a:p>
+            <a:pPr lvl="2"/>
+            <a:r>
+              <a:rPr lang="en-US"/>
+              <a:t>Third level</a:t>
+            </a:r>
+          </a:p>
+          <a:p>
+            <a:pPr lvl="3"/>
+            <a:r>
+              <a:rPr lang="en-US"/>
+              <a:t>Fourth level</a:t>
+            </a:r>
+          </a:p>
+          <a:p>
+            <a:pPr lvl="4"/>
+            <a:r>
+              <a:rPr lang="en-US"/>
+              <a:t>Fifth level</a:t>
+            </a:r>
+            <a:endParaRPr lang="en-US" dirty="0"/>
+          </a:p>
+        </p:txBody>
+      </p:sp>
+      <p:sp>
+        <p:nvSpPr>
+          <p:cNvPr id="4" name="Date Placeholder 3"/>
+          <p:cNvSpPr>
+            <a:spLocks noGrp="1"/>
+          </p:cNvSpPr>
+          <p:nvPr>
+            <p:ph type="dt" sz="half" idx="2"/>
           </p:nvPr>
         </p:nvSpPr>
         <p:spPr>
           <a:xfrm>
-            <a:off x="838200" y="1825625"/>
-            <a:ext cx="10515600" cy="4351338"/>
+            <a:off x="9732656" y="5883275"/>
+            <a:ext cx="1143000" cy="365125"/>
           </a:xfrm>
           <a:prstGeom prst="rect">
             <a:avLst/>
           </a:prstGeom>
         </p:spPr>
         <p:txBody>
-          <a:bodyPr vert="horz" lIns="91440" tIns="45720" rIns="91440" bIns="45720" rtlCol="0">
-            <a:normAutofit/>
-          </a:bodyPr>
-          <a:lstStyle/>
-          <a:p>
-            <a:pPr lvl="0"/>
-            <a:r>
-              <a:rPr lang="en-US"/>
-              <a:t>Click to edit Master text styles</a:t>
-            </a:r>
-          </a:p>
-          <a:p>
-            <a:pPr lvl="1"/>
-            <a:r>
-              <a:rPr lang="en-US"/>
-              <a:t>Second level</a:t>
-            </a:r>
-          </a:p>
-          <a:p>
-            <a:pPr lvl="2"/>
-            <a:r>
-              <a:rPr lang="en-US"/>
-              <a:t>Third level</a:t>
-            </a:r>
-          </a:p>
-          <a:p>
-            <a:pPr lvl="3"/>
-            <a:r>
-              <a:rPr lang="en-US"/>
-              <a:t>Fourth level</a:t>
-            </a:r>
-          </a:p>
-          <a:p>
-            <a:pPr lvl="4"/>
-            <a:r>
-              <a:rPr lang="en-US"/>
-              <a:t>Fifth level</a:t>
-            </a:r>
+          <a:bodyPr vert="horz" lIns="91440" tIns="45720" rIns="91440" bIns="45720" rtlCol="0" anchor="ctr"/>
+          <a:lstStyle>
+            <a:lvl1pPr algn="r">
+              <a:defRPr sz="1000" b="0" i="0">
+                <a:solidFill>
+                  <a:schemeClr val="tx1"/>
+                </a:solidFill>
+                <a:effectLst/>
+                <a:latin typeface="+mn-lt"/>
+              </a:defRPr>
+            </a:lvl1pPr>
+          </a:lstStyle>
+          <a:p>
+            <a:fld id="{75010D13-5421-45FB-91B5-734B751F6B9F}" type="datetimeFigureOut">
+              <a:rPr lang="de-CH" smtClean="0"/>
+              <a:t>02.03.2025</a:t>
+            </a:fld>
             <a:endParaRPr lang="de-CH"/>
           </a:p>
         </p:txBody>
       </p:sp>
       <p:sp>
         <p:nvSpPr>
-          <p:cNvPr id="4" name="Date Placeholder 3">
-            <a:extLst>
-              <a:ext uri="{FF2B5EF4-FFF2-40B4-BE49-F238E27FC236}">
-                <a16:creationId xmlns:a16="http://schemas.microsoft.com/office/drawing/2014/main" id="{7100EDF4-CB8F-3D2F-3B8D-45026E9E0B3C}"/>
-              </a:ext>
-            </a:extLst>
-          </p:cNvPr>
-          <p:cNvSpPr>
-            <a:spLocks noGrp="1"/>
-          </p:cNvSpPr>
-          <p:nvPr>
-            <p:ph type="dt" sz="half" idx="2"/>
+          <p:cNvPr id="5" name="Footer Placeholder 4"/>
+          <p:cNvSpPr>
+            <a:spLocks noGrp="1"/>
+          </p:cNvSpPr>
+          <p:nvPr>
+            <p:ph type="ftr" sz="quarter" idx="3"/>
           </p:nvPr>
         </p:nvSpPr>
         <p:spPr>
           <a:xfrm>
-            <a:off x="838200" y="6356350"/>
-            <a:ext cx="2743200" cy="365125"/>
+            <a:off x="2572279" y="5883275"/>
+            <a:ext cx="7084177" cy="365125"/>
           </a:xfrm>
           <a:prstGeom prst="rect">
             <a:avLst/>
@@ -2925,44 +5642,34 @@
           <a:bodyPr vert="horz" lIns="91440" tIns="45720" rIns="91440" bIns="45720" rtlCol="0" anchor="ctr"/>
           <a:lstStyle>
             <a:lvl1pPr algn="l">
-              <a:defRPr sz="1200">
-                <a:solidFill>
-                  <a:schemeClr val="tx1">
-                    <a:tint val="82000"/>
-                  </a:schemeClr>
-                </a:solidFill>
+              <a:defRPr sz="1000" b="0" i="0">
+                <a:solidFill>
+                  <a:schemeClr val="tx1"/>
+                </a:solidFill>
+                <a:effectLst/>
+                <a:latin typeface="+mn-lt"/>
               </a:defRPr>
             </a:lvl1pPr>
           </a:lstStyle>
           <a:p>
-            <a:fld id="{75010D13-5421-45FB-91B5-734B751F6B9F}" type="datetimeFigureOut">
-              <a:rPr lang="de-CH" smtClean="0"/>
-              <a:t>28.02.2025</a:t>
-            </a:fld>
             <a:endParaRPr lang="de-CH"/>
           </a:p>
         </p:txBody>
       </p:sp>
       <p:sp>
         <p:nvSpPr>
-          <p:cNvPr id="5" name="Footer Placeholder 4">
-            <a:extLst>
-              <a:ext uri="{FF2B5EF4-FFF2-40B4-BE49-F238E27FC236}">
-                <a16:creationId xmlns:a16="http://schemas.microsoft.com/office/drawing/2014/main" id="{9A6D681E-2946-B102-8E18-A5F70EFFB3B4}"/>
-              </a:ext>
-            </a:extLst>
-          </p:cNvPr>
-          <p:cNvSpPr>
-            <a:spLocks noGrp="1"/>
-          </p:cNvSpPr>
-          <p:nvPr>
-            <p:ph type="ftr" sz="quarter" idx="3"/>
+          <p:cNvPr id="6" name="Slide Number Placeholder 5"/>
+          <p:cNvSpPr>
+            <a:spLocks noGrp="1"/>
+          </p:cNvSpPr>
+          <p:nvPr>
+            <p:ph type="sldNum" sz="quarter" idx="4"/>
           </p:nvPr>
         </p:nvSpPr>
         <p:spPr>
           <a:xfrm>
-            <a:off x="4038600" y="6356350"/>
-            <a:ext cx="4114800" cy="365125"/>
+            <a:off x="10951856" y="5883275"/>
+            <a:ext cx="551167" cy="365125"/>
           </a:xfrm>
           <a:prstGeom prst="rect">
             <a:avLst/>
@@ -2971,56 +5678,13 @@
         <p:txBody>
           <a:bodyPr vert="horz" lIns="91440" tIns="45720" rIns="91440" bIns="45720" rtlCol="0" anchor="ctr"/>
           <a:lstStyle>
-            <a:lvl1pPr algn="ctr">
-              <a:defRPr sz="1200">
-                <a:solidFill>
-                  <a:schemeClr val="tx1">
-                    <a:tint val="82000"/>
-                  </a:schemeClr>
-                </a:solidFill>
-              </a:defRPr>
-            </a:lvl1pPr>
-          </a:lstStyle>
-          <a:p>
-            <a:endParaRPr lang="de-CH"/>
-          </a:p>
-        </p:txBody>
-      </p:sp>
-      <p:sp>
-        <p:nvSpPr>
-          <p:cNvPr id="6" name="Slide Number Placeholder 5">
-            <a:extLst>
-              <a:ext uri="{FF2B5EF4-FFF2-40B4-BE49-F238E27FC236}">
-                <a16:creationId xmlns:a16="http://schemas.microsoft.com/office/drawing/2014/main" id="{2899202D-7E16-B8C5-BA0D-C7D4D82D9EBD}"/>
-              </a:ext>
-            </a:extLst>
-          </p:cNvPr>
-          <p:cNvSpPr>
-            <a:spLocks noGrp="1"/>
-          </p:cNvSpPr>
-          <p:nvPr>
-            <p:ph type="sldNum" sz="quarter" idx="4"/>
-          </p:nvPr>
-        </p:nvSpPr>
-        <p:spPr>
-          <a:xfrm>
-            <a:off x="8610600" y="6356350"/>
-            <a:ext cx="2743200" cy="365125"/>
-          </a:xfrm>
-          <a:prstGeom prst="rect">
-            <a:avLst/>
-          </a:prstGeom>
-        </p:spPr>
-        <p:txBody>
-          <a:bodyPr vert="horz" lIns="91440" tIns="45720" rIns="91440" bIns="45720" rtlCol="0" anchor="ctr"/>
-          <a:lstStyle>
             <a:lvl1pPr algn="r">
-              <a:defRPr sz="1200">
-                <a:solidFill>
-                  <a:schemeClr val="tx1">
-                    <a:tint val="82000"/>
-                  </a:schemeClr>
-                </a:solidFill>
+              <a:defRPr sz="1000" b="0" i="0">
+                <a:solidFill>
+                  <a:schemeClr val="tx1"/>
+                </a:solidFill>
+                <a:effectLst/>
+                <a:latin typeface="+mn-lt"/>
               </a:defRPr>
             </a:lvl1pPr>
           </a:lstStyle>
@@ -3036,55 +5700,340 @@
     </p:spTree>
     <p:extLst>
       <p:ext uri="{BB962C8B-B14F-4D97-AF65-F5344CB8AC3E}">
-        <p14:creationId xmlns:p14="http://schemas.microsoft.com/office/powerpoint/2010/main" val="383891465"/>
+        <p14:creationId xmlns:p14="http://schemas.microsoft.com/office/powerpoint/2010/main" val="2493620106"/>
       </p:ext>
     </p:extLst>
   </p:cSld>
   <p:clrMap bg1="lt1" tx1="dk1" bg2="lt2" tx2="dk2" accent1="accent1" accent2="accent2" accent3="accent3" accent4="accent4" accent5="accent5" accent6="accent6" hlink="hlink" folHlink="folHlink"/>
   <p:sldLayoutIdLst>
-    <p:sldLayoutId id="2147483649" r:id="rId1"/>
-    <p:sldLayoutId id="2147483650" r:id="rId2"/>
-    <p:sldLayoutId id="2147483651" r:id="rId3"/>
-    <p:sldLayoutId id="2147483652" r:id="rId4"/>
-    <p:sldLayoutId id="2147483653" r:id="rId5"/>
-    <p:sldLayoutId id="2147483654" r:id="rId6"/>
-    <p:sldLayoutId id="2147483655" r:id="rId7"/>
-    <p:sldLayoutId id="2147483656" r:id="rId8"/>
-    <p:sldLayoutId id="2147483657" r:id="rId9"/>
-    <p:sldLayoutId id="2147483658" r:id="rId10"/>
-    <p:sldLayoutId id="2147483659" r:id="rId11"/>
+    <p:sldLayoutId id="2147483709" r:id="rId1"/>
+    <p:sldLayoutId id="2147483710" r:id="rId2"/>
+    <p:sldLayoutId id="2147483711" r:id="rId3"/>
+    <p:sldLayoutId id="2147483712" r:id="rId4"/>
+    <p:sldLayoutId id="2147483713" r:id="rId5"/>
+    <p:sldLayoutId id="2147483714" r:id="rId6"/>
+    <p:sldLayoutId id="2147483715" r:id="rId7"/>
+    <p:sldLayoutId id="2147483716" r:id="rId8"/>
+    <p:sldLayoutId id="2147483717" r:id="rId9"/>
+    <p:sldLayoutId id="2147483718" r:id="rId10"/>
+    <p:sldLayoutId id="2147483719" r:id="rId11"/>
+    <p:sldLayoutId id="2147483720" r:id="rId12"/>
+    <p:sldLayoutId id="2147483721" r:id="rId13"/>
+    <p:sldLayoutId id="2147483722" r:id="rId14"/>
+    <p:sldLayoutId id="2147483723" r:id="rId15"/>
+    <p:sldLayoutId id="2147483724" r:id="rId16"/>
+    <p:sldLayoutId id="2147483725" r:id="rId17"/>
   </p:sldLayoutIdLst>
   <p:txStyles>
     <p:titleStyle>
-      <a:lvl1pPr algn="l" defTabSz="914400" rtl="0" eaLnBrk="1" latinLnBrk="0" hangingPunct="1">
-        <a:lnSpc>
-          <a:spcPct val="90000"/>
-        </a:lnSpc>
+      <a:lvl1pPr algn="ctr" defTabSz="457200" rtl="0" eaLnBrk="1" latinLnBrk="0" hangingPunct="1">
         <a:spcBef>
           <a:spcPct val="0"/>
         </a:spcBef>
         <a:buNone/>
-        <a:defRPr sz="4400" kern="1200">
+        <a:defRPr sz="4000" kern="1200" cap="none">
+          <a:ln w="3175" cmpd="sng">
+            <a:noFill/>
+          </a:ln>
           <a:solidFill>
             <a:schemeClr val="tx1"/>
           </a:solidFill>
+          <a:effectLst/>
           <a:latin typeface="+mj-lt"/>
           <a:ea typeface="+mj-ea"/>
           <a:cs typeface="+mj-cs"/>
         </a:defRPr>
       </a:lvl1pPr>
+      <a:lvl2pPr eaLnBrk="1" hangingPunct="1">
+        <a:defRPr>
+          <a:solidFill>
+            <a:schemeClr val="tx2"/>
+          </a:solidFill>
+        </a:defRPr>
+      </a:lvl2pPr>
+      <a:lvl3pPr eaLnBrk="1" hangingPunct="1">
+        <a:defRPr>
+          <a:solidFill>
+            <a:schemeClr val="tx2"/>
+          </a:solidFill>
+        </a:defRPr>
+      </a:lvl3pPr>
+      <a:lvl4pPr eaLnBrk="1" hangingPunct="1">
+        <a:defRPr>
+          <a:solidFill>
+            <a:schemeClr val="tx2"/>
+          </a:solidFill>
+        </a:defRPr>
+      </a:lvl4pPr>
+      <a:lvl5pPr eaLnBrk="1" hangingPunct="1">
+        <a:defRPr>
+          <a:solidFill>
+            <a:schemeClr val="tx2"/>
+          </a:solidFill>
+        </a:defRPr>
+      </a:lvl5pPr>
+      <a:lvl6pPr eaLnBrk="1" hangingPunct="1">
+        <a:defRPr>
+          <a:solidFill>
+            <a:schemeClr val="tx2"/>
+          </a:solidFill>
+        </a:defRPr>
+      </a:lvl6pPr>
+      <a:lvl7pPr eaLnBrk="1" hangingPunct="1">
+        <a:defRPr>
+          <a:solidFill>
+            <a:schemeClr val="tx2"/>
+          </a:solidFill>
+        </a:defRPr>
+      </a:lvl7pPr>
+      <a:lvl8pPr eaLnBrk="1" hangingPunct="1">
+        <a:defRPr>
+          <a:solidFill>
+            <a:schemeClr val="tx2"/>
+          </a:solidFill>
+        </a:defRPr>
+      </a:lvl8pPr>
+      <a:lvl9pPr eaLnBrk="1" hangingPunct="1">
+        <a:defRPr>
+          <a:solidFill>
+            <a:schemeClr val="tx2"/>
+          </a:solidFill>
+        </a:defRPr>
+      </a:lvl9pPr>
     </p:titleStyle>
     <p:bodyStyle>
-      <a:lvl1pPr marL="228600" indent="-228600" algn="l" defTabSz="914400" rtl="0" eaLnBrk="1" latinLnBrk="0" hangingPunct="1">
-        <a:lnSpc>
-          <a:spcPct val="90000"/>
-        </a:lnSpc>
+      <a:lvl1pPr marL="285750" indent="-285750" algn="l" defTabSz="457200" rtl="0" eaLnBrk="1" latinLnBrk="0" hangingPunct="1">
         <a:spcBef>
-          <a:spcPts val="1000"/>
+          <a:spcPct val="20000"/>
         </a:spcBef>
-        <a:buFont typeface="Arial" panose="020B0604020202020204" pitchFamily="34" charset="0"/>
+        <a:spcAft>
+          <a:spcPts val="600"/>
+        </a:spcAft>
+        <a:buClr>
+          <a:schemeClr val="accent1">
+            <a:lumMod val="75000"/>
+          </a:schemeClr>
+        </a:buClr>
+        <a:buSzPct val="145000"/>
+        <a:buFont typeface="Arial"/>
         <a:buChar char="•"/>
-        <a:defRPr sz="2800" kern="1200">
+        <a:defRPr sz="2400" kern="1200" cap="none">
+          <a:solidFill>
+            <a:schemeClr val="tx1"/>
+          </a:solidFill>
+          <a:effectLst/>
+          <a:latin typeface="+mn-lt"/>
+          <a:ea typeface="+mn-ea"/>
+          <a:cs typeface="+mn-cs"/>
+        </a:defRPr>
+      </a:lvl1pPr>
+      <a:lvl2pPr marL="742950" indent="-285750" algn="l" defTabSz="457200" rtl="0" eaLnBrk="1" latinLnBrk="0" hangingPunct="1">
+        <a:spcBef>
+          <a:spcPct val="20000"/>
+        </a:spcBef>
+        <a:spcAft>
+          <a:spcPts val="600"/>
+        </a:spcAft>
+        <a:buClr>
+          <a:schemeClr val="accent1">
+            <a:lumMod val="75000"/>
+          </a:schemeClr>
+        </a:buClr>
+        <a:buSzPct val="145000"/>
+        <a:buFont typeface="Arial"/>
+        <a:buChar char="•"/>
+        <a:defRPr sz="2000" kern="1200" cap="none">
+          <a:solidFill>
+            <a:schemeClr val="tx1"/>
+          </a:solidFill>
+          <a:effectLst/>
+          <a:latin typeface="+mn-lt"/>
+          <a:ea typeface="+mn-ea"/>
+          <a:cs typeface="+mn-cs"/>
+        </a:defRPr>
+      </a:lvl2pPr>
+      <a:lvl3pPr marL="1200150" indent="-285750" algn="l" defTabSz="457200" rtl="0" eaLnBrk="1" latinLnBrk="0" hangingPunct="1">
+        <a:spcBef>
+          <a:spcPct val="20000"/>
+        </a:spcBef>
+        <a:spcAft>
+          <a:spcPts val="600"/>
+        </a:spcAft>
+        <a:buClr>
+          <a:schemeClr val="accent1">
+            <a:lumMod val="75000"/>
+          </a:schemeClr>
+        </a:buClr>
+        <a:buSzPct val="145000"/>
+        <a:buFont typeface="Arial"/>
+        <a:buChar char="•"/>
+        <a:defRPr sz="1800" kern="1200" cap="none">
+          <a:solidFill>
+            <a:schemeClr val="tx1"/>
+          </a:solidFill>
+          <a:effectLst/>
+          <a:latin typeface="+mn-lt"/>
+          <a:ea typeface="+mn-ea"/>
+          <a:cs typeface="+mn-cs"/>
+        </a:defRPr>
+      </a:lvl3pPr>
+      <a:lvl4pPr marL="1543050" indent="-171450" algn="l" defTabSz="457200" rtl="0" eaLnBrk="1" latinLnBrk="0" hangingPunct="1">
+        <a:spcBef>
+          <a:spcPct val="20000"/>
+        </a:spcBef>
+        <a:spcAft>
+          <a:spcPts val="600"/>
+        </a:spcAft>
+        <a:buClr>
+          <a:schemeClr val="accent1">
+            <a:lumMod val="75000"/>
+          </a:schemeClr>
+        </a:buClr>
+        <a:buSzPct val="145000"/>
+        <a:buFont typeface="Arial"/>
+        <a:buChar char="•"/>
+        <a:defRPr sz="1600" kern="1200" cap="none">
+          <a:solidFill>
+            <a:schemeClr val="tx1"/>
+          </a:solidFill>
+          <a:effectLst/>
+          <a:latin typeface="+mn-lt"/>
+          <a:ea typeface="+mn-ea"/>
+          <a:cs typeface="+mn-cs"/>
+        </a:defRPr>
+      </a:lvl4pPr>
+      <a:lvl5pPr marL="2000250" indent="-171450" algn="l" defTabSz="457200" rtl="0" eaLnBrk="1" latinLnBrk="0" hangingPunct="1">
+        <a:spcBef>
+          <a:spcPct val="20000"/>
+        </a:spcBef>
+        <a:spcAft>
+          <a:spcPts val="600"/>
+        </a:spcAft>
+        <a:buClr>
+          <a:schemeClr val="accent1">
+            <a:lumMod val="75000"/>
+          </a:schemeClr>
+        </a:buClr>
+        <a:buSzPct val="145000"/>
+        <a:buFont typeface="Arial"/>
+        <a:buChar char="•"/>
+        <a:defRPr sz="1400" kern="1200" cap="none">
+          <a:solidFill>
+            <a:schemeClr val="tx1"/>
+          </a:solidFill>
+          <a:effectLst/>
+          <a:latin typeface="+mn-lt"/>
+          <a:ea typeface="+mn-ea"/>
+          <a:cs typeface="+mn-cs"/>
+        </a:defRPr>
+      </a:lvl5pPr>
+      <a:lvl6pPr marL="2514600" indent="-228600" algn="l" defTabSz="457200" rtl="0" eaLnBrk="1" latinLnBrk="0" hangingPunct="1">
+        <a:spcBef>
+          <a:spcPct val="20000"/>
+        </a:spcBef>
+        <a:spcAft>
+          <a:spcPts val="600"/>
+        </a:spcAft>
+        <a:buClr>
+          <a:schemeClr val="accent1">
+            <a:lumMod val="75000"/>
+          </a:schemeClr>
+        </a:buClr>
+        <a:buSzPct val="145000"/>
+        <a:buFont typeface="Arial"/>
+        <a:buChar char="•"/>
+        <a:defRPr sz="1400" kern="1200" cap="none">
+          <a:solidFill>
+            <a:schemeClr val="tx1"/>
+          </a:solidFill>
+          <a:effectLst/>
+          <a:latin typeface="+mn-lt"/>
+          <a:ea typeface="+mn-ea"/>
+          <a:cs typeface="+mn-cs"/>
+        </a:defRPr>
+      </a:lvl6pPr>
+      <a:lvl7pPr marL="2971800" indent="-228600" algn="l" defTabSz="457200" rtl="0" eaLnBrk="1" latinLnBrk="0" hangingPunct="1">
+        <a:spcBef>
+          <a:spcPct val="20000"/>
+        </a:spcBef>
+        <a:spcAft>
+          <a:spcPts val="600"/>
+        </a:spcAft>
+        <a:buClr>
+          <a:schemeClr val="accent1">
+            <a:lumMod val="75000"/>
+          </a:schemeClr>
+        </a:buClr>
+        <a:buSzPct val="145000"/>
+        <a:buFont typeface="Arial"/>
+        <a:buChar char="•"/>
+        <a:defRPr sz="1400" kern="1200" cap="none">
+          <a:solidFill>
+            <a:schemeClr val="tx1"/>
+          </a:solidFill>
+          <a:effectLst/>
+          <a:latin typeface="+mn-lt"/>
+          <a:ea typeface="+mn-ea"/>
+          <a:cs typeface="+mn-cs"/>
+        </a:defRPr>
+      </a:lvl7pPr>
+      <a:lvl8pPr marL="3429000" indent="-228600" algn="l" defTabSz="457200" rtl="0" eaLnBrk="1" latinLnBrk="0" hangingPunct="1">
+        <a:spcBef>
+          <a:spcPct val="20000"/>
+        </a:spcBef>
+        <a:spcAft>
+          <a:spcPts val="600"/>
+        </a:spcAft>
+        <a:buClr>
+          <a:schemeClr val="accent1">
+            <a:lumMod val="75000"/>
+          </a:schemeClr>
+        </a:buClr>
+        <a:buSzPct val="145000"/>
+        <a:buFont typeface="Arial"/>
+        <a:buChar char="•"/>
+        <a:defRPr sz="1400" kern="1200" cap="none">
+          <a:solidFill>
+            <a:schemeClr val="tx1"/>
+          </a:solidFill>
+          <a:effectLst/>
+          <a:latin typeface="+mn-lt"/>
+          <a:ea typeface="+mn-ea"/>
+          <a:cs typeface="+mn-cs"/>
+        </a:defRPr>
+      </a:lvl8pPr>
+      <a:lvl9pPr marL="3886200" indent="-228600" algn="l" defTabSz="457200" rtl="0" eaLnBrk="1" latinLnBrk="0" hangingPunct="1">
+        <a:spcBef>
+          <a:spcPct val="20000"/>
+        </a:spcBef>
+        <a:spcAft>
+          <a:spcPts val="600"/>
+        </a:spcAft>
+        <a:buClr>
+          <a:schemeClr val="accent1">
+            <a:lumMod val="75000"/>
+          </a:schemeClr>
+        </a:buClr>
+        <a:buSzPct val="145000"/>
+        <a:buFont typeface="Arial"/>
+        <a:buChar char="•"/>
+        <a:defRPr sz="1400" kern="1200" cap="none">
+          <a:solidFill>
+            <a:schemeClr val="tx1"/>
+          </a:solidFill>
+          <a:effectLst/>
+          <a:latin typeface="+mn-lt"/>
+          <a:ea typeface="+mn-ea"/>
+          <a:cs typeface="+mn-cs"/>
+        </a:defRPr>
+      </a:lvl9pPr>
+    </p:bodyStyle>
+    <p:otherStyle>
+      <a:defPPr>
+        <a:defRPr lang="en-US"/>
+      </a:defPPr>
+      <a:lvl1pPr marL="0" algn="l" defTabSz="457200" rtl="0" eaLnBrk="1" latinLnBrk="0" hangingPunct="1">
+        <a:defRPr sz="1800" kern="1200">
           <a:solidFill>
             <a:schemeClr val="tx1"/>
           </a:solidFill>
@@ -3093,16 +6042,8 @@
           <a:cs typeface="+mn-cs"/>
         </a:defRPr>
       </a:lvl1pPr>
-      <a:lvl2pPr marL="685800" indent="-228600" algn="l" defTabSz="914400" rtl="0" eaLnBrk="1" latinLnBrk="0" hangingPunct="1">
-        <a:lnSpc>
-          <a:spcPct val="90000"/>
-        </a:lnSpc>
-        <a:spcBef>
-          <a:spcPts val="500"/>
-        </a:spcBef>
-        <a:buFont typeface="Arial" panose="020B0604020202020204" pitchFamily="34" charset="0"/>
-        <a:buChar char="•"/>
-        <a:defRPr sz="2400" kern="1200">
+      <a:lvl2pPr marL="457200" algn="l" defTabSz="457200" rtl="0" eaLnBrk="1" latinLnBrk="0" hangingPunct="1">
+        <a:defRPr sz="1800" kern="1200">
           <a:solidFill>
             <a:schemeClr val="tx1"/>
           </a:solidFill>
@@ -3111,16 +6052,8 @@
           <a:cs typeface="+mn-cs"/>
         </a:defRPr>
       </a:lvl2pPr>
-      <a:lvl3pPr marL="1143000" indent="-228600" algn="l" defTabSz="914400" rtl="0" eaLnBrk="1" latinLnBrk="0" hangingPunct="1">
-        <a:lnSpc>
-          <a:spcPct val="90000"/>
-        </a:lnSpc>
-        <a:spcBef>
-          <a:spcPts val="500"/>
-        </a:spcBef>
-        <a:buFont typeface="Arial" panose="020B0604020202020204" pitchFamily="34" charset="0"/>
-        <a:buChar char="•"/>
-        <a:defRPr sz="2000" kern="1200">
+      <a:lvl3pPr marL="914400" algn="l" defTabSz="457200" rtl="0" eaLnBrk="1" latinLnBrk="0" hangingPunct="1">
+        <a:defRPr sz="1800" kern="1200">
           <a:solidFill>
             <a:schemeClr val="tx1"/>
           </a:solidFill>
@@ -3129,15 +6062,7 @@
           <a:cs typeface="+mn-cs"/>
         </a:defRPr>
       </a:lvl3pPr>
-      <a:lvl4pPr marL="1600200" indent="-228600" algn="l" defTabSz="914400" rtl="0" eaLnBrk="1" latinLnBrk="0" hangingPunct="1">
-        <a:lnSpc>
-          <a:spcPct val="90000"/>
-        </a:lnSpc>
-        <a:spcBef>
-          <a:spcPts val="500"/>
-        </a:spcBef>
-        <a:buFont typeface="Arial" panose="020B0604020202020204" pitchFamily="34" charset="0"/>
-        <a:buChar char="•"/>
+      <a:lvl4pPr marL="1371600" algn="l" defTabSz="457200" rtl="0" eaLnBrk="1" latinLnBrk="0" hangingPunct="1">
         <a:defRPr sz="1800" kern="1200">
           <a:solidFill>
             <a:schemeClr val="tx1"/>
@@ -3147,15 +6072,7 @@
           <a:cs typeface="+mn-cs"/>
         </a:defRPr>
       </a:lvl4pPr>
-      <a:lvl5pPr marL="2057400" indent="-228600" algn="l" defTabSz="914400" rtl="0" eaLnBrk="1" latinLnBrk="0" hangingPunct="1">
-        <a:lnSpc>
-          <a:spcPct val="90000"/>
-        </a:lnSpc>
-        <a:spcBef>
-          <a:spcPts val="500"/>
-        </a:spcBef>
-        <a:buFont typeface="Arial" panose="020B0604020202020204" pitchFamily="34" charset="0"/>
-        <a:buChar char="•"/>
+      <a:lvl5pPr marL="1828800" algn="l" defTabSz="457200" rtl="0" eaLnBrk="1" latinLnBrk="0" hangingPunct="1">
         <a:defRPr sz="1800" kern="1200">
           <a:solidFill>
             <a:schemeClr val="tx1"/>
@@ -3165,15 +6082,7 @@
           <a:cs typeface="+mn-cs"/>
         </a:defRPr>
       </a:lvl5pPr>
-      <a:lvl6pPr marL="2514600" indent="-228600" algn="l" defTabSz="914400" rtl="0" eaLnBrk="1" latinLnBrk="0" hangingPunct="1">
-        <a:lnSpc>
-          <a:spcPct val="90000"/>
-        </a:lnSpc>
-        <a:spcBef>
-          <a:spcPts val="500"/>
-        </a:spcBef>
-        <a:buFont typeface="Arial" panose="020B0604020202020204" pitchFamily="34" charset="0"/>
-        <a:buChar char="•"/>
+      <a:lvl6pPr marL="2286000" algn="l" defTabSz="457200" rtl="0" eaLnBrk="1" latinLnBrk="0" hangingPunct="1">
         <a:defRPr sz="1800" kern="1200">
           <a:solidFill>
             <a:schemeClr val="tx1"/>
@@ -3183,15 +6092,7 @@
           <a:cs typeface="+mn-cs"/>
         </a:defRPr>
       </a:lvl6pPr>
-      <a:lvl7pPr marL="2971800" indent="-228600" algn="l" defTabSz="914400" rtl="0" eaLnBrk="1" latinLnBrk="0" hangingPunct="1">
-        <a:lnSpc>
-          <a:spcPct val="90000"/>
-        </a:lnSpc>
-        <a:spcBef>
-          <a:spcPts val="500"/>
-        </a:spcBef>
-        <a:buFont typeface="Arial" panose="020B0604020202020204" pitchFamily="34" charset="0"/>
-        <a:buChar char="•"/>
+      <a:lvl7pPr marL="2743200" algn="l" defTabSz="457200" rtl="0" eaLnBrk="1" latinLnBrk="0" hangingPunct="1">
         <a:defRPr sz="1800" kern="1200">
           <a:solidFill>
             <a:schemeClr val="tx1"/>
@@ -3201,15 +6102,7 @@
           <a:cs typeface="+mn-cs"/>
         </a:defRPr>
       </a:lvl7pPr>
-      <a:lvl8pPr marL="3429000" indent="-228600" algn="l" defTabSz="914400" rtl="0" eaLnBrk="1" latinLnBrk="0" hangingPunct="1">
-        <a:lnSpc>
-          <a:spcPct val="90000"/>
-        </a:lnSpc>
-        <a:spcBef>
-          <a:spcPts val="500"/>
-        </a:spcBef>
-        <a:buFont typeface="Arial" panose="020B0604020202020204" pitchFamily="34" charset="0"/>
-        <a:buChar char="•"/>
+      <a:lvl8pPr marL="3200400" algn="l" defTabSz="457200" rtl="0" eaLnBrk="1" latinLnBrk="0" hangingPunct="1">
         <a:defRPr sz="1800" kern="1200">
           <a:solidFill>
             <a:schemeClr val="tx1"/>
@@ -3219,110 +6112,7 @@
           <a:cs typeface="+mn-cs"/>
         </a:defRPr>
       </a:lvl8pPr>
-      <a:lvl9pPr marL="3886200" indent="-228600" algn="l" defTabSz="914400" rtl="0" eaLnBrk="1" latinLnBrk="0" hangingPunct="1">
-        <a:lnSpc>
-          <a:spcPct val="90000"/>
-        </a:lnSpc>
-        <a:spcBef>
-          <a:spcPts val="500"/>
-        </a:spcBef>
-        <a:buFont typeface="Arial" panose="020B0604020202020204" pitchFamily="34" charset="0"/>
-        <a:buChar char="•"/>
-        <a:defRPr sz="1800" kern="1200">
-          <a:solidFill>
-            <a:schemeClr val="tx1"/>
-          </a:solidFill>
-          <a:latin typeface="+mn-lt"/>
-          <a:ea typeface="+mn-ea"/>
-          <a:cs typeface="+mn-cs"/>
-        </a:defRPr>
-      </a:lvl9pPr>
-    </p:bodyStyle>
-    <p:otherStyle>
-      <a:defPPr>
-        <a:defRPr lang="de-DE"/>
-      </a:defPPr>
-      <a:lvl1pPr marL="0" algn="l" defTabSz="914400" rtl="0" eaLnBrk="1" latinLnBrk="0" hangingPunct="1">
-        <a:defRPr sz="1800" kern="1200">
-          <a:solidFill>
-            <a:schemeClr val="tx1"/>
-          </a:solidFill>
-          <a:latin typeface="+mn-lt"/>
-          <a:ea typeface="+mn-ea"/>
-          <a:cs typeface="+mn-cs"/>
-        </a:defRPr>
-      </a:lvl1pPr>
-      <a:lvl2pPr marL="457200" algn="l" defTabSz="914400" rtl="0" eaLnBrk="1" latinLnBrk="0" hangingPunct="1">
-        <a:defRPr sz="1800" kern="1200">
-          <a:solidFill>
-            <a:schemeClr val="tx1"/>
-          </a:solidFill>
-          <a:latin typeface="+mn-lt"/>
-          <a:ea typeface="+mn-ea"/>
-          <a:cs typeface="+mn-cs"/>
-        </a:defRPr>
-      </a:lvl2pPr>
-      <a:lvl3pPr marL="914400" algn="l" defTabSz="914400" rtl="0" eaLnBrk="1" latinLnBrk="0" hangingPunct="1">
-        <a:defRPr sz="1800" kern="1200">
-          <a:solidFill>
-            <a:schemeClr val="tx1"/>
-          </a:solidFill>
-          <a:latin typeface="+mn-lt"/>
-          <a:ea typeface="+mn-ea"/>
-          <a:cs typeface="+mn-cs"/>
-        </a:defRPr>
-      </a:lvl3pPr>
-      <a:lvl4pPr marL="1371600" algn="l" defTabSz="914400" rtl="0" eaLnBrk="1" latinLnBrk="0" hangingPunct="1">
-        <a:defRPr sz="1800" kern="1200">
-          <a:solidFill>
-            <a:schemeClr val="tx1"/>
-          </a:solidFill>
-          <a:latin typeface="+mn-lt"/>
-          <a:ea typeface="+mn-ea"/>
-          <a:cs typeface="+mn-cs"/>
-        </a:defRPr>
-      </a:lvl4pPr>
-      <a:lvl5pPr marL="1828800" algn="l" defTabSz="914400" rtl="0" eaLnBrk="1" latinLnBrk="0" hangingPunct="1">
-        <a:defRPr sz="1800" kern="1200">
-          <a:solidFill>
-            <a:schemeClr val="tx1"/>
-          </a:solidFill>
-          <a:latin typeface="+mn-lt"/>
-          <a:ea typeface="+mn-ea"/>
-          <a:cs typeface="+mn-cs"/>
-        </a:defRPr>
-      </a:lvl5pPr>
-      <a:lvl6pPr marL="2286000" algn="l" defTabSz="914400" rtl="0" eaLnBrk="1" latinLnBrk="0" hangingPunct="1">
-        <a:defRPr sz="1800" kern="1200">
-          <a:solidFill>
-            <a:schemeClr val="tx1"/>
-          </a:solidFill>
-          <a:latin typeface="+mn-lt"/>
-          <a:ea typeface="+mn-ea"/>
-          <a:cs typeface="+mn-cs"/>
-        </a:defRPr>
-      </a:lvl6pPr>
-      <a:lvl7pPr marL="2743200" algn="l" defTabSz="914400" rtl="0" eaLnBrk="1" latinLnBrk="0" hangingPunct="1">
-        <a:defRPr sz="1800" kern="1200">
-          <a:solidFill>
-            <a:schemeClr val="tx1"/>
-          </a:solidFill>
-          <a:latin typeface="+mn-lt"/>
-          <a:ea typeface="+mn-ea"/>
-          <a:cs typeface="+mn-cs"/>
-        </a:defRPr>
-      </a:lvl7pPr>
-      <a:lvl8pPr marL="3200400" algn="l" defTabSz="914400" rtl="0" eaLnBrk="1" latinLnBrk="0" hangingPunct="1">
-        <a:defRPr sz="1800" kern="1200">
-          <a:solidFill>
-            <a:schemeClr val="tx1"/>
-          </a:solidFill>
-          <a:latin typeface="+mn-lt"/>
-          <a:ea typeface="+mn-ea"/>
-          <a:cs typeface="+mn-cs"/>
-        </a:defRPr>
-      </a:lvl8pPr>
-      <a:lvl9pPr marL="3657600" algn="l" defTabSz="914400" rtl="0" eaLnBrk="1" latinLnBrk="0" hangingPunct="1">
+      <a:lvl9pPr marL="3657600" algn="l" defTabSz="457200" rtl="0" eaLnBrk="1" latinLnBrk="0" hangingPunct="1">
         <a:defRPr sz="1800" kern="1200">
           <a:solidFill>
             <a:schemeClr val="tx1"/>
@@ -3340,6 +6130,27 @@
 <file path=ppt/slides/slide1.xml><?xml version="1.0" encoding="utf-8"?>
 <p:sld xmlns:a="http://schemas.openxmlformats.org/drawingml/2006/main" xmlns:r="http://schemas.openxmlformats.org/officeDocument/2006/relationships" xmlns:p="http://schemas.openxmlformats.org/presentationml/2006/main">
   <p:cSld>
+    <p:bg>
+      <p:bgPr>
+        <a:blipFill rotWithShape="1">
+          <a:blip r:embed="rId2">
+            <a:duotone>
+              <a:schemeClr val="bg2">
+                <a:shade val="76000"/>
+                <a:satMod val="180000"/>
+              </a:schemeClr>
+              <a:schemeClr val="bg2">
+                <a:tint val="80000"/>
+                <a:satMod val="120000"/>
+                <a:lumMod val="180000"/>
+              </a:schemeClr>
+            </a:duotone>
+          </a:blip>
+          <a:stretch/>
+        </a:blipFill>
+        <a:effectLst/>
+      </p:bgPr>
+    </p:bg>
     <p:spTree>
       <p:nvGrpSpPr>
         <p:cNvPr id="1" name=""/>
@@ -3354,6 +6165,411 @@
           <a:chExt cx="0" cy="0"/>
         </a:xfrm>
       </p:grpSpPr>
+      <p:sp useBgFill="1">
+        <p:nvSpPr>
+          <p:cNvPr id="8" name="Rectangle 7">
+            <a:extLst>
+              <a:ext uri="{FF2B5EF4-FFF2-40B4-BE49-F238E27FC236}">
+                <a16:creationId xmlns:a16="http://schemas.microsoft.com/office/drawing/2014/main" id="{15655827-B42D-4180-88D3-D83F25E4BD1C}"/>
+              </a:ext>
+              <a:ext uri="{C183D7F6-B498-43B3-948B-1728B52AA6E4}">
+                <adec:decorative xmlns:adec="http://schemas.microsoft.com/office/drawing/2017/decorative" val="1"/>
+              </a:ext>
+            </a:extLst>
+          </p:cNvPr>
+          <p:cNvSpPr>
+            <a:spLocks noGrp="1" noRot="1" noChangeAspect="1" noMove="1" noResize="1" noEditPoints="1" noAdjustHandles="1" noChangeArrowheads="1" noChangeShapeType="1" noTextEdit="1"/>
+          </p:cNvSpPr>
+          <p:nvPr>
+            <p:extLst>
+              <p:ext uri="{386F3935-93C4-4BCD-93E2-E3B085C9AB24}">
+                <p16:designElem xmlns:p16="http://schemas.microsoft.com/office/powerpoint/2015/main" val="1"/>
+              </p:ext>
+            </p:extLst>
+          </p:nvPr>
+        </p:nvSpPr>
+        <p:spPr>
+          <a:xfrm>
+            <a:off x="0" y="0"/>
+            <a:ext cx="12192000" cy="6858000"/>
+          </a:xfrm>
+          <a:prstGeom prst="rect">
+            <a:avLst/>
+          </a:prstGeom>
+          <a:ln>
+            <a:noFill/>
+          </a:ln>
+          <a:effectLst/>
+        </p:spPr>
+        <p:txBody>
+          <a:bodyPr rtlCol="0" anchor="ctr"/>
+          <a:lstStyle/>
+          <a:p>
+            <a:pPr algn="ctr"/>
+            <a:endParaRPr lang="en-US"/>
+          </a:p>
+        </p:txBody>
+      </p:sp>
+      <p:sp>
+        <p:nvSpPr>
+          <p:cNvPr id="10" name="Freeform: Shape 9">
+            <a:extLst>
+              <a:ext uri="{FF2B5EF4-FFF2-40B4-BE49-F238E27FC236}">
+                <a16:creationId xmlns:a16="http://schemas.microsoft.com/office/drawing/2014/main" id="{24ACCB06-563C-4ADE-B4D6-1FE9F723C7D9}"/>
+              </a:ext>
+              <a:ext uri="{C183D7F6-B498-43B3-948B-1728B52AA6E4}">
+                <adec:decorative xmlns:adec="http://schemas.microsoft.com/office/drawing/2017/decorative" val="1"/>
+              </a:ext>
+            </a:extLst>
+          </p:cNvPr>
+          <p:cNvSpPr>
+            <a:spLocks noGrp="1" noRot="1" noChangeAspect="1" noMove="1" noResize="1" noEditPoints="1" noAdjustHandles="1" noChangeArrowheads="1" noChangeShapeType="1" noTextEdit="1"/>
+          </p:cNvSpPr>
+          <p:nvPr>
+            <p:extLst>
+              <p:ext uri="{386F3935-93C4-4BCD-93E2-E3B085C9AB24}">
+                <p16:designElem xmlns:p16="http://schemas.microsoft.com/office/powerpoint/2015/main" val="1"/>
+              </p:ext>
+            </p:extLst>
+          </p:nvPr>
+        </p:nvSpPr>
+        <p:spPr bwMode="auto">
+          <a:xfrm>
+            <a:off x="0" y="3955594"/>
+            <a:ext cx="1828958" cy="2902407"/>
+          </a:xfrm>
+          <a:custGeom>
+            <a:avLst/>
+            <a:gdLst>
+              <a:gd name="connsiteX0" fmla="*/ 0 w 1828958"/>
+              <a:gd name="connsiteY0" fmla="*/ 0 h 2902407"/>
+              <a:gd name="connsiteX1" fmla="*/ 1828958 w 1828958"/>
+              <a:gd name="connsiteY1" fmla="*/ 2902407 h 2902407"/>
+              <a:gd name="connsiteX2" fmla="*/ 1709896 w 1828958"/>
+              <a:gd name="connsiteY2" fmla="*/ 2902407 h 2902407"/>
+              <a:gd name="connsiteX3" fmla="*/ 0 w 1828958"/>
+              <a:gd name="connsiteY3" fmla="*/ 63474 h 2902407"/>
+            </a:gdLst>
+            <a:ahLst/>
+            <a:cxnLst>
+              <a:cxn ang="0">
+                <a:pos x="connsiteX0" y="connsiteY0"/>
+              </a:cxn>
+              <a:cxn ang="0">
+                <a:pos x="connsiteX1" y="connsiteY1"/>
+              </a:cxn>
+              <a:cxn ang="0">
+                <a:pos x="connsiteX2" y="connsiteY2"/>
+              </a:cxn>
+              <a:cxn ang="0">
+                <a:pos x="connsiteX3" y="connsiteY3"/>
+              </a:cxn>
+            </a:cxnLst>
+            <a:rect l="l" t="t" r="r" b="b"/>
+            <a:pathLst>
+              <a:path w="1828958" h="2902407">
+                <a:moveTo>
+                  <a:pt x="0" y="0"/>
+                </a:moveTo>
+                <a:lnTo>
+                  <a:pt x="1828958" y="2902407"/>
+                </a:lnTo>
+                <a:lnTo>
+                  <a:pt x="1709896" y="2902407"/>
+                </a:lnTo>
+                <a:lnTo>
+                  <a:pt x="0" y="63474"/>
+                </a:lnTo>
+                <a:close/>
+              </a:path>
+            </a:pathLst>
+          </a:custGeom>
+          <a:solidFill>
+            <a:srgbClr val="262626"/>
+          </a:solidFill>
+          <a:ln>
+            <a:noFill/>
+          </a:ln>
+        </p:spPr>
+        <p:txBody>
+          <a:bodyPr/>
+          <a:lstStyle/>
+          <a:p>
+            <a:endParaRPr lang="en-CH"/>
+          </a:p>
+        </p:txBody>
+      </p:sp>
+      <p:sp>
+        <p:nvSpPr>
+          <p:cNvPr id="12" name="Freeform: Shape 11">
+            <a:extLst>
+              <a:ext uri="{FF2B5EF4-FFF2-40B4-BE49-F238E27FC236}">
+                <a16:creationId xmlns:a16="http://schemas.microsoft.com/office/drawing/2014/main" id="{40761ECD-D92B-46AE-82CA-640023D282F9}"/>
+              </a:ext>
+              <a:ext uri="{C183D7F6-B498-43B3-948B-1728B52AA6E4}">
+                <adec:decorative xmlns:adec="http://schemas.microsoft.com/office/drawing/2017/decorative" val="1"/>
+              </a:ext>
+            </a:extLst>
+          </p:cNvPr>
+          <p:cNvSpPr>
+            <a:spLocks noGrp="1" noRot="1" noChangeAspect="1" noMove="1" noResize="1" noEditPoints="1" noAdjustHandles="1" noChangeArrowheads="1" noChangeShapeType="1" noTextEdit="1"/>
+          </p:cNvSpPr>
+          <p:nvPr>
+            <p:extLst>
+              <p:ext uri="{386F3935-93C4-4BCD-93E2-E3B085C9AB24}">
+                <p16:designElem xmlns:p16="http://schemas.microsoft.com/office/powerpoint/2015/main" val="1"/>
+              </p:ext>
+            </p:extLst>
+          </p:nvPr>
+        </p:nvSpPr>
+        <p:spPr bwMode="auto">
+          <a:xfrm>
+            <a:off x="1" y="3220098"/>
+            <a:ext cx="2910045" cy="3637903"/>
+          </a:xfrm>
+          <a:custGeom>
+            <a:avLst/>
+            <a:gdLst>
+              <a:gd name="connsiteX0" fmla="*/ 0 w 2910045"/>
+              <a:gd name="connsiteY0" fmla="*/ 0 h 3637903"/>
+              <a:gd name="connsiteX1" fmla="*/ 2910045 w 2910045"/>
+              <a:gd name="connsiteY1" fmla="*/ 3637903 h 3637903"/>
+              <a:gd name="connsiteX2" fmla="*/ 2786220 w 2910045"/>
+              <a:gd name="connsiteY2" fmla="*/ 3637903 h 3637903"/>
+              <a:gd name="connsiteX3" fmla="*/ 0 w 2910045"/>
+              <a:gd name="connsiteY3" fmla="*/ 20366 h 3637903"/>
+            </a:gdLst>
+            <a:ahLst/>
+            <a:cxnLst>
+              <a:cxn ang="0">
+                <a:pos x="connsiteX0" y="connsiteY0"/>
+              </a:cxn>
+              <a:cxn ang="0">
+                <a:pos x="connsiteX1" y="connsiteY1"/>
+              </a:cxn>
+              <a:cxn ang="0">
+                <a:pos x="connsiteX2" y="connsiteY2"/>
+              </a:cxn>
+              <a:cxn ang="0">
+                <a:pos x="connsiteX3" y="connsiteY3"/>
+              </a:cxn>
+            </a:cxnLst>
+            <a:rect l="l" t="t" r="r" b="b"/>
+            <a:pathLst>
+              <a:path w="2910045" h="3637903">
+                <a:moveTo>
+                  <a:pt x="0" y="0"/>
+                </a:moveTo>
+                <a:lnTo>
+                  <a:pt x="2910045" y="3637903"/>
+                </a:lnTo>
+                <a:lnTo>
+                  <a:pt x="2786220" y="3637903"/>
+                </a:lnTo>
+                <a:lnTo>
+                  <a:pt x="0" y="20366"/>
+                </a:lnTo>
+                <a:close/>
+              </a:path>
+            </a:pathLst>
+          </a:custGeom>
+          <a:solidFill>
+            <a:schemeClr val="accent1">
+              <a:lumMod val="50000"/>
+            </a:schemeClr>
+          </a:solidFill>
+          <a:ln>
+            <a:noFill/>
+          </a:ln>
+        </p:spPr>
+        <p:txBody>
+          <a:bodyPr/>
+          <a:lstStyle/>
+          <a:p>
+            <a:endParaRPr lang="en-CH"/>
+          </a:p>
+        </p:txBody>
+      </p:sp>
+      <p:sp>
+        <p:nvSpPr>
+          <p:cNvPr id="14" name="Freeform: Shape 13">
+            <a:extLst>
+              <a:ext uri="{FF2B5EF4-FFF2-40B4-BE49-F238E27FC236}">
+                <a16:creationId xmlns:a16="http://schemas.microsoft.com/office/drawing/2014/main" id="{9A928607-C55C-40FD-B2DF-6CD6A7226A71}"/>
+              </a:ext>
+              <a:ext uri="{C183D7F6-B498-43B3-948B-1728B52AA6E4}">
+                <adec:decorative xmlns:adec="http://schemas.microsoft.com/office/drawing/2017/decorative" val="1"/>
+              </a:ext>
+            </a:extLst>
+          </p:cNvPr>
+          <p:cNvSpPr>
+            <a:spLocks noGrp="1" noRot="1" noChangeAspect="1" noMove="1" noResize="1" noEditPoints="1" noAdjustHandles="1" noChangeArrowheads="1" noChangeShapeType="1" noTextEdit="1"/>
+          </p:cNvSpPr>
+          <p:nvPr>
+            <p:extLst>
+              <p:ext uri="{386F3935-93C4-4BCD-93E2-E3B085C9AB24}">
+                <p16:designElem xmlns:p16="http://schemas.microsoft.com/office/powerpoint/2015/main" val="1"/>
+              </p:ext>
+            </p:extLst>
+          </p:nvPr>
+        </p:nvSpPr>
+        <p:spPr bwMode="auto">
+          <a:xfrm>
+            <a:off x="1" y="2845509"/>
+            <a:ext cx="4149883" cy="4012491"/>
+          </a:xfrm>
+          <a:custGeom>
+            <a:avLst/>
+            <a:gdLst>
+              <a:gd name="connsiteX0" fmla="*/ 0 w 4149883"/>
+              <a:gd name="connsiteY0" fmla="*/ 0 h 4012491"/>
+              <a:gd name="connsiteX1" fmla="*/ 4149883 w 4149883"/>
+              <a:gd name="connsiteY1" fmla="*/ 4012491 h 4012491"/>
+              <a:gd name="connsiteX2" fmla="*/ 2910046 w 4149883"/>
+              <a:gd name="connsiteY2" fmla="*/ 4012491 h 4012491"/>
+              <a:gd name="connsiteX3" fmla="*/ 0 w 4149883"/>
+              <a:gd name="connsiteY3" fmla="*/ 374587 h 4012491"/>
+            </a:gdLst>
+            <a:ahLst/>
+            <a:cxnLst>
+              <a:cxn ang="0">
+                <a:pos x="connsiteX0" y="connsiteY0"/>
+              </a:cxn>
+              <a:cxn ang="0">
+                <a:pos x="connsiteX1" y="connsiteY1"/>
+              </a:cxn>
+              <a:cxn ang="0">
+                <a:pos x="connsiteX2" y="connsiteY2"/>
+              </a:cxn>
+              <a:cxn ang="0">
+                <a:pos x="connsiteX3" y="connsiteY3"/>
+              </a:cxn>
+            </a:cxnLst>
+            <a:rect l="l" t="t" r="r" b="b"/>
+            <a:pathLst>
+              <a:path w="4149883" h="4012491">
+                <a:moveTo>
+                  <a:pt x="0" y="0"/>
+                </a:moveTo>
+                <a:lnTo>
+                  <a:pt x="4149883" y="4012491"/>
+                </a:lnTo>
+                <a:lnTo>
+                  <a:pt x="2910046" y="4012491"/>
+                </a:lnTo>
+                <a:lnTo>
+                  <a:pt x="0" y="374587"/>
+                </a:lnTo>
+                <a:close/>
+              </a:path>
+            </a:pathLst>
+          </a:custGeom>
+          <a:solidFill>
+            <a:schemeClr val="accent1">
+              <a:lumMod val="75000"/>
+            </a:schemeClr>
+          </a:solidFill>
+          <a:ln>
+            <a:noFill/>
+          </a:ln>
+        </p:spPr>
+        <p:txBody>
+          <a:bodyPr/>
+          <a:lstStyle/>
+          <a:p>
+            <a:endParaRPr lang="en-CH"/>
+          </a:p>
+        </p:txBody>
+      </p:sp>
+      <p:sp>
+        <p:nvSpPr>
+          <p:cNvPr id="16" name="Freeform: Shape 15">
+            <a:extLst>
+              <a:ext uri="{FF2B5EF4-FFF2-40B4-BE49-F238E27FC236}">
+                <a16:creationId xmlns:a16="http://schemas.microsoft.com/office/drawing/2014/main" id="{400A20C1-29A4-43E0-AB15-7931F76F8C2D}"/>
+              </a:ext>
+              <a:ext uri="{C183D7F6-B498-43B3-948B-1728B52AA6E4}">
+                <adec:decorative xmlns:adec="http://schemas.microsoft.com/office/drawing/2017/decorative" val="1"/>
+              </a:ext>
+            </a:extLst>
+          </p:cNvPr>
+          <p:cNvSpPr>
+            <a:spLocks noGrp="1" noRot="1" noChangeAspect="1" noMove="1" noResize="1" noEditPoints="1" noAdjustHandles="1" noChangeArrowheads="1" noChangeShapeType="1" noTextEdit="1"/>
+          </p:cNvSpPr>
+          <p:nvPr>
+            <p:extLst>
+              <p:ext uri="{386F3935-93C4-4BCD-93E2-E3B085C9AB24}">
+                <p16:designElem xmlns:p16="http://schemas.microsoft.com/office/powerpoint/2015/main" val="1"/>
+              </p:ext>
+            </p:extLst>
+          </p:nvPr>
+        </p:nvSpPr>
+        <p:spPr bwMode="auto">
+          <a:xfrm>
+            <a:off x="0" y="3332410"/>
+            <a:ext cx="2719546" cy="3525590"/>
+          </a:xfrm>
+          <a:custGeom>
+            <a:avLst/>
+            <a:gdLst>
+              <a:gd name="connsiteX0" fmla="*/ 0 w 2719546"/>
+              <a:gd name="connsiteY0" fmla="*/ 0 h 3525590"/>
+              <a:gd name="connsiteX1" fmla="*/ 2719546 w 2719546"/>
+              <a:gd name="connsiteY1" fmla="*/ 3525590 h 3525590"/>
+              <a:gd name="connsiteX2" fmla="*/ 1828959 w 2719546"/>
+              <a:gd name="connsiteY2" fmla="*/ 3525590 h 3525590"/>
+              <a:gd name="connsiteX3" fmla="*/ 0 w 2719546"/>
+              <a:gd name="connsiteY3" fmla="*/ 623183 h 3525590"/>
+            </a:gdLst>
+            <a:ahLst/>
+            <a:cxnLst>
+              <a:cxn ang="0">
+                <a:pos x="connsiteX0" y="connsiteY0"/>
+              </a:cxn>
+              <a:cxn ang="0">
+                <a:pos x="connsiteX1" y="connsiteY1"/>
+              </a:cxn>
+              <a:cxn ang="0">
+                <a:pos x="connsiteX2" y="connsiteY2"/>
+              </a:cxn>
+              <a:cxn ang="0">
+                <a:pos x="connsiteX3" y="connsiteY3"/>
+              </a:cxn>
+            </a:cxnLst>
+            <a:rect l="l" t="t" r="r" b="b"/>
+            <a:pathLst>
+              <a:path w="2719546" h="3525590">
+                <a:moveTo>
+                  <a:pt x="0" y="0"/>
+                </a:moveTo>
+                <a:lnTo>
+                  <a:pt x="2719546" y="3525590"/>
+                </a:lnTo>
+                <a:lnTo>
+                  <a:pt x="1828959" y="3525590"/>
+                </a:lnTo>
+                <a:lnTo>
+                  <a:pt x="0" y="623183"/>
+                </a:lnTo>
+                <a:close/>
+              </a:path>
+            </a:pathLst>
+          </a:custGeom>
+          <a:solidFill>
+            <a:srgbClr val="404040"/>
+          </a:solidFill>
+          <a:ln>
+            <a:noFill/>
+          </a:ln>
+        </p:spPr>
+        <p:txBody>
+          <a:bodyPr/>
+          <a:lstStyle/>
+          <a:p>
+            <a:endParaRPr lang="en-CH"/>
+          </a:p>
+        </p:txBody>
+      </p:sp>
       <p:sp>
         <p:nvSpPr>
           <p:cNvPr id="2" name="Title 1">
@@ -3370,16 +6586,23 @@
             <p:ph type="ctrTitle"/>
           </p:nvPr>
         </p:nvSpPr>
-        <p:spPr/>
-        <p:txBody>
-          <a:bodyPr/>
-          <a:lstStyle/>
-          <a:p>
-            <a:r>
-              <a:rPr lang="de-CH" dirty="0" err="1"/>
+        <p:spPr>
+          <a:xfrm>
+            <a:off x="1524000" y="643468"/>
+            <a:ext cx="9144000" cy="3618898"/>
+          </a:xfrm>
+        </p:spPr>
+        <p:txBody>
+          <a:bodyPr anchor="b">
+            <a:normAutofit/>
+          </a:bodyPr>
+          <a:lstStyle/>
+          <a:p>
+            <a:pPr algn="ctr"/>
+            <a:r>
+              <a:rPr lang="de-CH" sz="7200"/>
               <a:t>iGOAT</a:t>
             </a:r>
-            <a:endParaRPr lang="de-CH" dirty="0"/>
           </a:p>
         </p:txBody>
       </p:sp>
@@ -3399,40 +6622,48 @@
             <p:ph type="subTitle" idx="1"/>
           </p:nvPr>
         </p:nvSpPr>
-        <p:spPr/>
-        <p:txBody>
-          <a:bodyPr/>
-          <a:lstStyle/>
-          <a:p>
-            <a:r>
-              <a:rPr lang="de-CH" dirty="0" err="1"/>
+        <p:spPr>
+          <a:xfrm>
+            <a:off x="2719546" y="4552335"/>
+            <a:ext cx="6752908" cy="1091381"/>
+          </a:xfrm>
+        </p:spPr>
+        <p:txBody>
+          <a:bodyPr>
+            <a:normAutofit/>
+          </a:bodyPr>
+          <a:lstStyle/>
+          <a:p>
+            <a:pPr algn="ctr"/>
+            <a:r>
+              <a:rPr lang="de-CH" sz="2400" dirty="0" err="1"/>
               <a:t>one</a:t>
             </a:r>
             <a:r>
-              <a:rPr lang="de-CH" dirty="0"/>
+              <a:rPr lang="de-CH" sz="2400" dirty="0"/>
               <a:t> Goat </a:t>
             </a:r>
             <a:r>
-              <a:rPr lang="de-CH" dirty="0" err="1"/>
+              <a:rPr lang="de-CH" sz="2400" dirty="0" err="1"/>
               <a:t>saw</a:t>
             </a:r>
             <a:r>
-              <a:rPr lang="de-CH" dirty="0"/>
+              <a:rPr lang="de-CH" sz="2400" dirty="0"/>
               <a:t> </a:t>
             </a:r>
             <a:r>
-              <a:rPr lang="de-CH" dirty="0" err="1"/>
+              <a:rPr lang="de-CH" sz="2400" dirty="0" err="1"/>
               <a:t>it</a:t>
             </a:r>
             <a:r>
-              <a:rPr lang="de-CH" dirty="0"/>
+              <a:rPr lang="de-CH" sz="2400" dirty="0"/>
               <a:t> </a:t>
             </a:r>
             <a:r>
-              <a:rPr lang="de-CH" dirty="0" err="1"/>
+              <a:rPr lang="de-CH" sz="2400" dirty="0" err="1"/>
               <a:t>coming</a:t>
             </a:r>
-            <a:endParaRPr lang="de-CH" dirty="0"/>
+            <a:endParaRPr lang="de-CH" sz="2400" dirty="0"/>
           </a:p>
         </p:txBody>
       </p:sp>
@@ -3552,14 +6783,6 @@
 <file path=ppt/slides/slide3.xml><?xml version="1.0" encoding="utf-8"?>
 <p:sld xmlns:a="http://schemas.openxmlformats.org/drawingml/2006/main" xmlns:r="http://schemas.openxmlformats.org/officeDocument/2006/relationships" xmlns:p="http://schemas.openxmlformats.org/presentationml/2006/main">
   <p:cSld>
-    <p:bg>
-      <p:bgPr>
-        <a:solidFill>
-          <a:schemeClr val="bg1"/>
-        </a:solidFill>
-        <a:effectLst/>
-      </p:bgPr>
-    </p:bg>
     <p:spTree>
       <p:nvGrpSpPr>
         <p:cNvPr id="1" name=""/>
@@ -3574,66 +6797,6 @@
           <a:chExt cx="0" cy="0"/>
         </a:xfrm>
       </p:grpSpPr>
-      <p:sp useBgFill="1">
-        <p:nvSpPr>
-          <p:cNvPr id="9" name="Rectangle 8">
-            <a:extLst>
-              <a:ext uri="{FF2B5EF4-FFF2-40B4-BE49-F238E27FC236}">
-                <a16:creationId xmlns:a16="http://schemas.microsoft.com/office/drawing/2014/main" id="{0B9EE3F3-89B7-43C3-8651-C4C96830993D}"/>
-              </a:ext>
-              <a:ext uri="{C183D7F6-B498-43B3-948B-1728B52AA6E4}">
-                <adec:decorative xmlns:adec="http://schemas.microsoft.com/office/drawing/2017/decorative" val="1"/>
-              </a:ext>
-            </a:extLst>
-          </p:cNvPr>
-          <p:cNvSpPr>
-            <a:spLocks noGrp="1" noRot="1" noChangeAspect="1" noMove="1" noResize="1" noEditPoints="1" noAdjustHandles="1" noChangeArrowheads="1" noChangeShapeType="1" noTextEdit="1"/>
-          </p:cNvSpPr>
-          <p:nvPr>
-            <p:extLst>
-              <p:ext uri="{386F3935-93C4-4BCD-93E2-E3B085C9AB24}">
-                <p16:designElem xmlns:p16="http://schemas.microsoft.com/office/powerpoint/2015/main" val="1"/>
-              </p:ext>
-            </p:extLst>
-          </p:nvPr>
-        </p:nvSpPr>
-        <p:spPr>
-          <a:xfrm>
-            <a:off x="0" y="0"/>
-            <a:ext cx="12192000" cy="6858000"/>
-          </a:xfrm>
-          <a:prstGeom prst="rect">
-            <a:avLst/>
-          </a:prstGeom>
-          <a:ln>
-            <a:noFill/>
-          </a:ln>
-        </p:spPr>
-        <p:style>
-          <a:lnRef idx="2">
-            <a:schemeClr val="accent1">
-              <a:shade val="50000"/>
-            </a:schemeClr>
-          </a:lnRef>
-          <a:fillRef idx="1">
-            <a:schemeClr val="accent1"/>
-          </a:fillRef>
-          <a:effectRef idx="0">
-            <a:schemeClr val="accent1"/>
-          </a:effectRef>
-          <a:fontRef idx="minor">
-            <a:schemeClr val="lt1"/>
-          </a:fontRef>
-        </p:style>
-        <p:txBody>
-          <a:bodyPr rtlCol="0" anchor="ctr"/>
-          <a:lstStyle/>
-          <a:p>
-            <a:pPr algn="ctr"/>
-            <a:endParaRPr lang="en-US"/>
-          </a:p>
-        </p:txBody>
-      </p:sp>
       <p:sp>
         <p:nvSpPr>
           <p:cNvPr id="2" name="Title 1">
@@ -3666,143 +6829,6 @@
               <a:rPr lang="de-CH" sz="3400"/>
               <a:t>Regeln</a:t>
             </a:r>
-          </a:p>
-        </p:txBody>
-      </p:sp>
-      <p:sp>
-        <p:nvSpPr>
-          <p:cNvPr id="11" name="Rectangle 10">
-            <a:extLst>
-              <a:ext uri="{FF2B5EF4-FFF2-40B4-BE49-F238E27FC236}">
-                <a16:creationId xmlns:a16="http://schemas.microsoft.com/office/drawing/2014/main" id="{33AE4636-AEEC-45D6-84D4-7AC2DA48ECF8}"/>
-              </a:ext>
-              <a:ext uri="{C183D7F6-B498-43B3-948B-1728B52AA6E4}">
-                <adec:decorative xmlns:adec="http://schemas.microsoft.com/office/drawing/2017/decorative" val="1"/>
-              </a:ext>
-            </a:extLst>
-          </p:cNvPr>
-          <p:cNvSpPr>
-            <a:spLocks noGrp="1" noRot="1" noChangeAspect="1" noMove="1" noResize="1" noEditPoints="1" noAdjustHandles="1" noChangeArrowheads="1" noChangeShapeType="1" noTextEdit="1"/>
-          </p:cNvSpPr>
-          <p:nvPr>
-            <p:extLst>
-              <p:ext uri="{386F3935-93C4-4BCD-93E2-E3B085C9AB24}">
-                <p16:designElem xmlns:p16="http://schemas.microsoft.com/office/powerpoint/2015/main" val="1"/>
-              </p:ext>
-            </p:extLst>
-          </p:nvPr>
-        </p:nvSpPr>
-        <p:spPr>
-          <a:xfrm rot="5400000">
-            <a:off x="649223" y="387939"/>
-            <a:ext cx="73152" cy="548640"/>
-          </a:xfrm>
-          <a:prstGeom prst="rect">
-            <a:avLst/>
-          </a:prstGeom>
-          <a:solidFill>
-            <a:schemeClr val="accent2"/>
-          </a:solidFill>
-          <a:ln>
-            <a:noFill/>
-          </a:ln>
-        </p:spPr>
-        <p:style>
-          <a:lnRef idx="2">
-            <a:schemeClr val="accent1">
-              <a:shade val="50000"/>
-            </a:schemeClr>
-          </a:lnRef>
-          <a:fillRef idx="1">
-            <a:schemeClr val="accent1"/>
-          </a:fillRef>
-          <a:effectRef idx="0">
-            <a:schemeClr val="accent1"/>
-          </a:effectRef>
-          <a:fontRef idx="minor">
-            <a:schemeClr val="lt1"/>
-          </a:fontRef>
-        </p:style>
-        <p:txBody>
-          <a:bodyPr rtlCol="0" anchor="ctr"/>
-          <a:lstStyle/>
-          <a:p>
-            <a:pPr algn="ctr"/>
-            <a:endParaRPr lang="en-US">
-              <a:solidFill>
-                <a:prstClr val="white"/>
-              </a:solidFill>
-              <a:latin typeface="Calibri" panose="020F0502020204030204"/>
-            </a:endParaRPr>
-          </a:p>
-        </p:txBody>
-      </p:sp>
-      <p:sp>
-        <p:nvSpPr>
-          <p:cNvPr id="13" name="Rectangle 12">
-            <a:extLst>
-              <a:ext uri="{FF2B5EF4-FFF2-40B4-BE49-F238E27FC236}">
-                <a16:creationId xmlns:a16="http://schemas.microsoft.com/office/drawing/2014/main" id="{8D9CE0F4-2EB2-4F1F-8AAC-DB3571D9FE10}"/>
-              </a:ext>
-              <a:ext uri="{C183D7F6-B498-43B3-948B-1728B52AA6E4}">
-                <adec:decorative xmlns:adec="http://schemas.microsoft.com/office/drawing/2017/decorative" val="1"/>
-              </a:ext>
-            </a:extLst>
-          </p:cNvPr>
-          <p:cNvSpPr>
-            <a:spLocks noGrp="1" noRot="1" noChangeAspect="1" noMove="1" noResize="1" noEditPoints="1" noAdjustHandles="1" noChangeArrowheads="1" noChangeShapeType="1" noTextEdit="1"/>
-          </p:cNvSpPr>
-          <p:nvPr>
-            <p:extLst>
-              <p:ext uri="{386F3935-93C4-4BCD-93E2-E3B085C9AB24}">
-                <p16:designElem xmlns:p16="http://schemas.microsoft.com/office/powerpoint/2015/main" val="1"/>
-              </p:ext>
-            </p:extLst>
-          </p:nvPr>
-        </p:nvSpPr>
-        <p:spPr>
-          <a:xfrm>
-            <a:off x="411480" y="2285541"/>
-            <a:ext cx="4389120" cy="18288"/>
-          </a:xfrm>
-          <a:prstGeom prst="rect">
-            <a:avLst/>
-          </a:prstGeom>
-          <a:solidFill>
-            <a:srgbClr val="D5D5D5"/>
-          </a:solidFill>
-          <a:ln w="3175">
-            <a:noFill/>
-          </a:ln>
-          <a:effectLst/>
-        </p:spPr>
-        <p:style>
-          <a:lnRef idx="2">
-            <a:schemeClr val="accent1">
-              <a:shade val="50000"/>
-            </a:schemeClr>
-          </a:lnRef>
-          <a:fillRef idx="1">
-            <a:schemeClr val="accent1"/>
-          </a:fillRef>
-          <a:effectRef idx="0">
-            <a:schemeClr val="accent1"/>
-          </a:effectRef>
-          <a:fontRef idx="minor">
-            <a:schemeClr val="lt1"/>
-          </a:fontRef>
-        </p:style>
-        <p:txBody>
-          <a:bodyPr rtlCol="0" anchor="ctr"/>
-          <a:lstStyle/>
-          <a:p>
-            <a:pPr algn="ctr"/>
-            <a:endParaRPr lang="en-US">
-              <a:solidFill>
-                <a:prstClr val="white"/>
-              </a:solidFill>
-              <a:latin typeface="Calibri" panose="020F0502020204030204"/>
-            </a:endParaRPr>
           </a:p>
         </p:txBody>
       </p:sp>
@@ -4092,12 +7118,12 @@
         <p:spPr>
           <a:xfrm>
             <a:off x="838200" y="1825625"/>
-            <a:ext cx="5362903" cy="4351338"/>
+            <a:ext cx="5362903" cy="2450540"/>
           </a:xfrm>
         </p:spPr>
         <p:txBody>
           <a:bodyPr>
-            <a:normAutofit/>
+            <a:normAutofit lnSpcReduction="10000"/>
           </a:bodyPr>
           <a:lstStyle/>
           <a:p>
@@ -4115,7 +7141,13 @@
           <a:p>
             <a:r>
               <a:rPr lang="de-CH" sz="2000" dirty="0"/>
-              <a:t>Rendering &amp; Animation</a:t>
+              <a:t>Status des lokalen Spielers updaten</a:t>
+            </a:r>
+          </a:p>
+          <a:p>
+            <a:r>
+              <a:rPr lang="de-CH" sz="2000" dirty="0"/>
+              <a:t>Aktionen des Spielers an Server schicken</a:t>
             </a:r>
           </a:p>
           <a:p>
@@ -4125,20 +7157,21 @@
             </a:r>
             <a:r>
               <a:rPr lang="de-CH" sz="2000" dirty="0" err="1"/>
-              <a:t>Logic</a:t>
-            </a:r>
+              <a:t>state</a:t>
+            </a:r>
+            <a:r>
+              <a:rPr lang="de-CH" sz="2000" dirty="0"/>
+              <a:t> vom Server erhalten lokal entsprechend updaten</a:t>
+            </a:r>
+          </a:p>
+          <a:p>
             <a:endParaRPr lang="de-CH" sz="2000" dirty="0"/>
           </a:p>
           <a:p>
-            <a:endParaRPr lang="de-CH" sz="2000" dirty="0"/>
-          </a:p>
-          <a:p>
-            <a:endParaRPr lang="de-CH" sz="2000" dirty="0"/>
-          </a:p>
-          <a:p>
             <a:endParaRPr lang="de-CH" dirty="0"/>
           </a:p>
           <a:p>
+            <a:pPr lvl="2"/>
             <a:endParaRPr lang="de-CH" dirty="0"/>
           </a:p>
           <a:p>
@@ -4161,7 +7194,7 @@
         <p:spPr>
           <a:xfrm>
             <a:off x="5990897" y="1825625"/>
-            <a:ext cx="5362903" cy="2397323"/>
+            <a:ext cx="5362903" cy="1181606"/>
           </a:xfrm>
           <a:prstGeom prst="rect">
             <a:avLst/>
@@ -4217,58 +7250,46 @@
               <a:buChar char="•"/>
             </a:pPr>
             <a:r>
-              <a:rPr lang="de-CH" sz="2000" dirty="0" err="1"/>
-              <a:t>Synchronization</a:t>
-            </a:r>
-            <a:endParaRPr lang="de-CH" sz="2000" dirty="0"/>
-          </a:p>
-          <a:p>
-            <a:pPr marL="228600" indent="-228600">
-              <a:lnSpc>
-                <a:spcPct val="90000"/>
-              </a:lnSpc>
-              <a:spcBef>
-                <a:spcPts val="1000"/>
-              </a:spcBef>
-              <a:buFont typeface="Arial" panose="020B0604020202020204" pitchFamily="34" charset="0"/>
-              <a:buChar char="•"/>
-            </a:pPr>
-            <a:r>
               <a:rPr lang="de-CH" sz="2000" dirty="0"/>
               <a:t>Client Communication</a:t>
             </a:r>
           </a:p>
-          <a:p>
-            <a:pPr marL="228600" indent="-228600">
-              <a:lnSpc>
-                <a:spcPct val="90000"/>
-              </a:lnSpc>
-              <a:spcBef>
-                <a:spcPts val="1000"/>
-              </a:spcBef>
-              <a:buFont typeface="Arial" panose="020B0604020202020204" pitchFamily="34" charset="0"/>
-              <a:buChar char="•"/>
-            </a:pPr>
-            <a:r>
-              <a:rPr lang="de-CH" sz="2000" dirty="0"/>
-              <a:t>UDP zum Beispiel für Position und Rotation</a:t>
-            </a:r>
-          </a:p>
-          <a:p>
-            <a:pPr marL="228600" indent="-228600">
-              <a:lnSpc>
-                <a:spcPct val="90000"/>
-              </a:lnSpc>
-              <a:spcBef>
-                <a:spcPts val="1000"/>
-              </a:spcBef>
-              <a:buFont typeface="Arial" panose="020B0604020202020204" pitchFamily="34" charset="0"/>
-              <a:buChar char="•"/>
-            </a:pPr>
-            <a:r>
-              <a:rPr lang="de-CH" sz="2000" dirty="0"/>
-              <a:t>TCP zum Beispiel für Chat</a:t>
-            </a:r>
+        </p:txBody>
+      </p:sp>
+      <p:sp>
+        <p:nvSpPr>
+          <p:cNvPr id="5" name="TextBox 4">
+            <a:extLst>
+              <a:ext uri="{FF2B5EF4-FFF2-40B4-BE49-F238E27FC236}">
+                <a16:creationId xmlns:a16="http://schemas.microsoft.com/office/drawing/2014/main" id="{9D8BFEDF-2396-8E35-A316-A62A6D0A4F2F}"/>
+              </a:ext>
+            </a:extLst>
+          </p:cNvPr>
+          <p:cNvSpPr txBox="1"/>
+          <p:nvPr/>
+        </p:nvSpPr>
+        <p:spPr>
+          <a:xfrm>
+            <a:off x="2779058" y="4873207"/>
+            <a:ext cx="6633883" cy="584775"/>
+          </a:xfrm>
+          <a:prstGeom prst="rect">
+            <a:avLst/>
+          </a:prstGeom>
+          <a:noFill/>
+        </p:spPr>
+        <p:txBody>
+          <a:bodyPr wrap="square" rtlCol="0">
+            <a:spAutoFit/>
+          </a:bodyPr>
+          <a:lstStyle/>
+          <a:p>
+            <a:pPr algn="ctr"/>
+            <a:r>
+              <a:rPr lang="en-US" sz="3200" dirty="0"/>
+              <a:t>UDP &amp; TCP</a:t>
+            </a:r>
+            <a:endParaRPr lang="en-CH" sz="3200" dirty="0"/>
           </a:p>
         </p:txBody>
       </p:sp>
@@ -4448,8 +7469,8 @@
         </p:blipFill>
         <p:spPr>
           <a:xfrm>
-            <a:off x="1250732" y="1248350"/>
-            <a:ext cx="7640210" cy="4793676"/>
+            <a:off x="4003978" y="2667000"/>
+            <a:ext cx="4979382" cy="3124200"/>
           </a:xfrm>
         </p:spPr>
       </p:pic>
@@ -4550,9 +7571,9 @@
 </file>
 
 <file path=ppt/theme/theme1.xml><?xml version="1.0" encoding="utf-8"?>
-<a:theme xmlns:a="http://schemas.openxmlformats.org/drawingml/2006/main" name="Office Theme">
+<a:theme xmlns:a="http://schemas.openxmlformats.org/drawingml/2006/main" name="Parallax">
   <a:themeElements>
-    <a:clrScheme name="Office">
+    <a:clrScheme name="Parallax">
       <a:dk1>
         <a:sysClr val="windowText" lastClr="000000"/>
       </a:dk1>
@@ -4560,100 +7581,48 @@
         <a:sysClr val="window" lastClr="FFFFFF"/>
       </a:lt1>
       <a:dk2>
-        <a:srgbClr val="0E2841"/>
+        <a:srgbClr val="212121"/>
       </a:dk2>
       <a:lt2>
-        <a:srgbClr val="E8E8E8"/>
+        <a:srgbClr val="CDD0D1"/>
       </a:lt2>
       <a:accent1>
-        <a:srgbClr val="156082"/>
+        <a:srgbClr val="30ACEC"/>
       </a:accent1>
       <a:accent2>
-        <a:srgbClr val="E97132"/>
+        <a:srgbClr val="80C34F"/>
       </a:accent2>
       <a:accent3>
-        <a:srgbClr val="196B24"/>
+        <a:srgbClr val="E29D3E"/>
       </a:accent3>
       <a:accent4>
-        <a:srgbClr val="0F9ED5"/>
+        <a:srgbClr val="D64A3B"/>
       </a:accent4>
       <a:accent5>
-        <a:srgbClr val="A02B93"/>
+        <a:srgbClr val="D64787"/>
       </a:accent5>
       <a:accent6>
-        <a:srgbClr val="4EA72E"/>
+        <a:srgbClr val="A666E1"/>
       </a:accent6>
       <a:hlink>
-        <a:srgbClr val="467886"/>
+        <a:srgbClr val="3085ED"/>
       </a:hlink>
       <a:folHlink>
-        <a:srgbClr val="96607D"/>
+        <a:srgbClr val="82B6F4"/>
       </a:folHlink>
     </a:clrScheme>
-    <a:fontScheme name="Office">
+    <a:fontScheme name="Parallax">
       <a:majorFont>
-        <a:latin typeface="Aptos Display" panose="02110004020202020204"/>
+        <a:latin typeface="Corbel" panose="020B0503020204020204"/>
         <a:ea typeface=""/>
         <a:cs typeface=""/>
-        <a:font script="Jpan" typeface="游ゴシック Light"/>
-        <a:font script="Hang" typeface="맑은 고딕"/>
-        <a:font script="Hans" typeface="等线 Light"/>
+        <a:font script="Jpan" typeface="HGｺﾞｼｯｸM"/>
+        <a:font script="Hang" typeface="HY엽서L"/>
+        <a:font script="Hans" typeface="华文楷体"/>
         <a:font script="Hant" typeface="新細明體"/>
-        <a:font script="Arab" typeface="Times New Roman"/>
-        <a:font script="Hebr" typeface="Times New Roman"/>
-        <a:font script="Thai" typeface="Angsana New"/>
-        <a:font script="Ethi" typeface="Nyala"/>
-        <a:font script="Beng" typeface="Vrinda"/>
-        <a:font script="Gujr" typeface="Shruti"/>
-        <a:font script="Khmr" typeface="MoolBoran"/>
-        <a:font script="Knda" typeface="Tunga"/>
-        <a:font script="Guru" typeface="Raavi"/>
-        <a:font script="Cans" typeface="Euphemia"/>
-        <a:font script="Cher" typeface="Plantagenet Cherokee"/>
-        <a:font script="Yiii" typeface="Microsoft Yi Baiti"/>
-        <a:font script="Tibt" typeface="Microsoft Himalaya"/>
-        <a:font script="Thaa" typeface="MV Boli"/>
-        <a:font script="Deva" typeface="Mangal"/>
-        <a:font script="Telu" typeface="Gautami"/>
-        <a:font script="Taml" typeface="Latha"/>
-        <a:font script="Syrc" typeface="Estrangelo Edessa"/>
-        <a:font script="Orya" typeface="Kalinga"/>
-        <a:font script="Mlym" typeface="Kartika"/>
-        <a:font script="Laoo" typeface="DokChampa"/>
-        <a:font script="Sinh" typeface="Iskoola Pota"/>
-        <a:font script="Mong" typeface="Mongolian Baiti"/>
-        <a:font script="Viet" typeface="Times New Roman"/>
-        <a:font script="Uigh" typeface="Microsoft Uighur"/>
-        <a:font script="Geor" typeface="Sylfaen"/>
-        <a:font script="Armn" typeface="Arial"/>
-        <a:font script="Bugi" typeface="Leelawadee UI"/>
-        <a:font script="Bopo" typeface="Microsoft JhengHei"/>
-        <a:font script="Java" typeface="Javanese Text"/>
-        <a:font script="Lisu" typeface="Segoe UI"/>
-        <a:font script="Mymr" typeface="Myanmar Text"/>
-        <a:font script="Nkoo" typeface="Ebrima"/>
-        <a:font script="Olck" typeface="Nirmala UI"/>
-        <a:font script="Osma" typeface="Ebrima"/>
-        <a:font script="Phag" typeface="Phagspa"/>
-        <a:font script="Syrn" typeface="Estrangelo Edessa"/>
-        <a:font script="Syrj" typeface="Estrangelo Edessa"/>
-        <a:font script="Syre" typeface="Estrangelo Edessa"/>
-        <a:font script="Sora" typeface="Nirmala UI"/>
-        <a:font script="Tale" typeface="Microsoft Tai Le"/>
-        <a:font script="Talu" typeface="Microsoft New Tai Lue"/>
-        <a:font script="Tfng" typeface="Ebrima"/>
-      </a:majorFont>
-      <a:minorFont>
-        <a:latin typeface="Aptos" panose="02110004020202020204"/>
-        <a:ea typeface=""/>
-        <a:cs typeface=""/>
-        <a:font script="Jpan" typeface="游ゴシック"/>
-        <a:font script="Hang" typeface="맑은 고딕"/>
-        <a:font script="Hans" typeface="等线"/>
-        <a:font script="Hant" typeface="新細明體"/>
-        <a:font script="Arab" typeface="Arial"/>
-        <a:font script="Hebr" typeface="Arial"/>
-        <a:font script="Thai" typeface="Cordia New"/>
+        <a:font script="Arab" typeface="Tahoma"/>
+        <a:font script="Hebr" typeface="Miriam"/>
+        <a:font script="Thai" typeface="DilleniaUPC"/>
         <a:font script="Ethi" typeface="Nyala"/>
         <a:font script="Beng" typeface="Vrinda"/>
         <a:font script="Gujr" typeface="Shruti"/>
@@ -4677,26 +7646,44 @@
         <a:font script="Viet" typeface="Arial"/>
         <a:font script="Uigh" typeface="Microsoft Uighur"/>
         <a:font script="Geor" typeface="Sylfaen"/>
-        <a:font script="Armn" typeface="Arial"/>
-        <a:font script="Bugi" typeface="Leelawadee UI"/>
-        <a:font script="Bopo" typeface="Microsoft JhengHei"/>
-        <a:font script="Java" typeface="Javanese Text"/>
-        <a:font script="Lisu" typeface="Segoe UI"/>
-        <a:font script="Mymr" typeface="Myanmar Text"/>
-        <a:font script="Nkoo" typeface="Ebrima"/>
-        <a:font script="Olck" typeface="Nirmala UI"/>
-        <a:font script="Osma" typeface="Ebrima"/>
-        <a:font script="Phag" typeface="Phagspa"/>
-        <a:font script="Syrn" typeface="Estrangelo Edessa"/>
-        <a:font script="Syrj" typeface="Estrangelo Edessa"/>
-        <a:font script="Syre" typeface="Estrangelo Edessa"/>
-        <a:font script="Sora" typeface="Nirmala UI"/>
-        <a:font script="Tale" typeface="Microsoft Tai Le"/>
-        <a:font script="Talu" typeface="Microsoft New Tai Lue"/>
-        <a:font script="Tfng" typeface="Ebrima"/>
+      </a:majorFont>
+      <a:minorFont>
+        <a:latin typeface="Corbel" panose="020B0503020204020204"/>
+        <a:ea typeface=""/>
+        <a:cs typeface=""/>
+        <a:font script="Jpan" typeface="HGｺﾞｼｯｸM"/>
+        <a:font script="Hang" typeface="HY엽서L"/>
+        <a:font script="Hans" typeface="华文楷体"/>
+        <a:font script="Hant" typeface="新細明體"/>
+        <a:font script="Arab" typeface="Tahoma"/>
+        <a:font script="Hebr" typeface="Miriam"/>
+        <a:font script="Thai" typeface="DilleniaUPC"/>
+        <a:font script="Ethi" typeface="Nyala"/>
+        <a:font script="Beng" typeface="Vrinda"/>
+        <a:font script="Gujr" typeface="Shruti"/>
+        <a:font script="Khmr" typeface="DaunPenh"/>
+        <a:font script="Knda" typeface="Tunga"/>
+        <a:font script="Guru" typeface="Raavi"/>
+        <a:font script="Cans" typeface="Euphemia"/>
+        <a:font script="Cher" typeface="Plantagenet Cherokee"/>
+        <a:font script="Yiii" typeface="Microsoft Yi Baiti"/>
+        <a:font script="Tibt" typeface="Microsoft Himalaya"/>
+        <a:font script="Thaa" typeface="MV Boli"/>
+        <a:font script="Deva" typeface="Mangal"/>
+        <a:font script="Telu" typeface="Gautami"/>
+        <a:font script="Taml" typeface="Latha"/>
+        <a:font script="Syrc" typeface="Estrangelo Edessa"/>
+        <a:font script="Orya" typeface="Kalinga"/>
+        <a:font script="Mlym" typeface="Kartika"/>
+        <a:font script="Laoo" typeface="DokChampa"/>
+        <a:font script="Sinh" typeface="Iskoola Pota"/>
+        <a:font script="Mong" typeface="Mongolian Baiti"/>
+        <a:font script="Viet" typeface="Arial"/>
+        <a:font script="Uigh" typeface="Microsoft Uighur"/>
+        <a:font script="Geor" typeface="Sylfaen"/>
       </a:minorFont>
     </a:fontScheme>
-    <a:fmtScheme name="Office">
+    <a:fmtScheme name="Parallax">
       <a:fillStyleLst>
         <a:solidFill>
           <a:schemeClr val="phClr"/>
@@ -4705,23 +7692,13 @@
           <a:gsLst>
             <a:gs pos="0">
               <a:schemeClr val="phClr">
-                <a:lumMod val="110000"/>
-                <a:satMod val="105000"/>
-                <a:tint val="67000"/>
-              </a:schemeClr>
-            </a:gs>
-            <a:gs pos="50000">
-              <a:schemeClr val="phClr">
-                <a:lumMod val="105000"/>
-                <a:satMod val="103000"/>
-                <a:tint val="73000"/>
+                <a:tint val="60000"/>
+                <a:lumMod val="104000"/>
               </a:schemeClr>
             </a:gs>
             <a:gs pos="100000">
               <a:schemeClr val="phClr">
-                <a:lumMod val="105000"/>
-                <a:satMod val="109000"/>
-                <a:tint val="81000"/>
+                <a:tint val="84000"/>
               </a:schemeClr>
             </a:gs>
           </a:gsLst>
@@ -4731,50 +7708,42 @@
           <a:gsLst>
             <a:gs pos="0">
               <a:schemeClr val="phClr">
-                <a:satMod val="103000"/>
+                <a:tint val="96000"/>
                 <a:lumMod val="102000"/>
-                <a:tint val="94000"/>
-              </a:schemeClr>
-            </a:gs>
-            <a:gs pos="50000">
-              <a:schemeClr val="phClr">
-                <a:satMod val="110000"/>
-                <a:lumMod val="100000"/>
-                <a:shade val="100000"/>
               </a:schemeClr>
             </a:gs>
             <a:gs pos="100000">
               <a:schemeClr val="phClr">
-                <a:lumMod val="99000"/>
-                <a:satMod val="120000"/>
-                <a:shade val="78000"/>
+                <a:shade val="88000"/>
+                <a:lumMod val="94000"/>
               </a:schemeClr>
             </a:gs>
           </a:gsLst>
-          <a:lin ang="5400000" scaled="0"/>
+          <a:path path="circle">
+            <a:fillToRect l="50000" t="100000" r="100000" b="50000"/>
+          </a:path>
         </a:gradFill>
       </a:fillStyleLst>
       <a:lnStyleLst>
-        <a:ln w="12700" cap="flat" cmpd="sng" algn="ctr">
+        <a:ln w="9525" cap="rnd" cmpd="sng" algn="ctr">
+          <a:solidFill>
+            <a:schemeClr val="phClr">
+              <a:tint val="60000"/>
+            </a:schemeClr>
+          </a:solidFill>
+          <a:prstDash val="solid"/>
+        </a:ln>
+        <a:ln w="15875" cap="rnd" cmpd="sng" algn="ctr">
           <a:solidFill>
             <a:schemeClr val="phClr"/>
           </a:solidFill>
           <a:prstDash val="solid"/>
-          <a:miter lim="800000"/>
         </a:ln>
-        <a:ln w="19050" cap="flat" cmpd="sng" algn="ctr">
+        <a:ln w="22225" cap="rnd" cmpd="sng" algn="ctr">
           <a:solidFill>
             <a:schemeClr val="phClr"/>
           </a:solidFill>
           <a:prstDash val="solid"/>
-          <a:miter lim="800000"/>
-        </a:ln>
-        <a:ln w="25400" cap="flat" cmpd="sng" algn="ctr">
-          <a:solidFill>
-            <a:schemeClr val="phClr"/>
-          </a:solidFill>
-          <a:prstDash val="solid"/>
-          <a:miter lim="800000"/>
         </a:ln>
       </a:lnStyleLst>
       <a:effectStyleLst>
@@ -4782,83 +7751,76 @@
           <a:effectLst/>
         </a:effectStyle>
         <a:effectStyle>
-          <a:effectLst/>
+          <a:effectLst>
+            <a:reflection blurRad="12700" stA="26000" endPos="32000" dist="12700" dir="5400000" sy="-100000" rotWithShape="0"/>
+          </a:effectLst>
         </a:effectStyle>
         <a:effectStyle>
           <a:effectLst>
-            <a:outerShdw blurRad="57150" dist="19050" dir="5400000" algn="ctr" rotWithShape="0">
+            <a:outerShdw blurRad="38100" dist="25400" dir="5400000" rotWithShape="0">
               <a:srgbClr val="000000">
-                <a:alpha val="63000"/>
+                <a:alpha val="64000"/>
               </a:srgbClr>
             </a:outerShdw>
           </a:effectLst>
+          <a:scene3d>
+            <a:camera prst="orthographicFront">
+              <a:rot lat="0" lon="0" rev="0"/>
+            </a:camera>
+            <a:lightRig rig="threePt" dir="tl">
+              <a:rot lat="0" lon="0" rev="1200000"/>
+            </a:lightRig>
+          </a:scene3d>
+          <a:sp3d>
+            <a:bevelT w="25400" h="12700"/>
+          </a:sp3d>
         </a:effectStyle>
       </a:effectStyleLst>
       <a:bgFillStyleLst>
         <a:solidFill>
           <a:schemeClr val="phClr"/>
         </a:solidFill>
-        <a:solidFill>
-          <a:schemeClr val="phClr">
-            <a:tint val="95000"/>
-            <a:satMod val="170000"/>
-          </a:schemeClr>
-        </a:solidFill>
         <a:gradFill rotWithShape="1">
           <a:gsLst>
             <a:gs pos="0">
               <a:schemeClr val="phClr">
-                <a:tint val="93000"/>
-                <a:satMod val="150000"/>
-                <a:shade val="98000"/>
-                <a:lumMod val="102000"/>
-              </a:schemeClr>
-            </a:gs>
-            <a:gs pos="50000">
-              <a:schemeClr val="phClr">
-                <a:tint val="98000"/>
-                <a:satMod val="130000"/>
-                <a:shade val="90000"/>
-                <a:lumMod val="103000"/>
+                <a:tint val="90000"/>
+                <a:lumMod val="110000"/>
               </a:schemeClr>
             </a:gs>
             <a:gs pos="100000">
               <a:schemeClr val="phClr">
-                <a:shade val="63000"/>
-                <a:satMod val="120000"/>
+                <a:shade val="64000"/>
+                <a:lumMod val="98000"/>
               </a:schemeClr>
             </a:gs>
           </a:gsLst>
           <a:lin ang="5400000" scaled="0"/>
         </a:gradFill>
+        <a:blipFill rotWithShape="1">
+          <a:blip xmlns:r="http://schemas.openxmlformats.org/officeDocument/2006/relationships" r:embed="rId1">
+            <a:duotone>
+              <a:schemeClr val="phClr">
+                <a:shade val="76000"/>
+                <a:satMod val="180000"/>
+              </a:schemeClr>
+              <a:schemeClr val="phClr">
+                <a:tint val="80000"/>
+                <a:satMod val="120000"/>
+                <a:lumMod val="180000"/>
+              </a:schemeClr>
+            </a:duotone>
+          </a:blip>
+          <a:stretch/>
+        </a:blipFill>
       </a:bgFillStyleLst>
     </a:fmtScheme>
   </a:themeElements>
-  <a:objectDefaults>
-    <a:lnDef>
-      <a:spPr/>
-      <a:bodyPr/>
-      <a:lstStyle/>
-      <a:style>
-        <a:lnRef idx="2">
-          <a:schemeClr val="accent1"/>
-        </a:lnRef>
-        <a:fillRef idx="0">
-          <a:schemeClr val="accent1"/>
-        </a:fillRef>
-        <a:effectRef idx="1">
-          <a:schemeClr val="accent1"/>
-        </a:effectRef>
-        <a:fontRef idx="minor">
-          <a:schemeClr val="tx1"/>
-        </a:fontRef>
-      </a:style>
-    </a:lnDef>
-  </a:objectDefaults>
+  <a:objectDefaults/>
   <a:extraClrSchemeLst/>
   <a:extLst>
     <a:ext uri="{05A4C25C-085E-4340-85A3-A5531E510DB2}">
-      <thm15:themeFamily xmlns:thm15="http://schemas.microsoft.com/office/thememl/2012/main" name="Office Theme" id="{2E142A2C-CD16-42D6-873A-C26D2A0506FA}" vid="{1BDDFF52-6CD6-40A5-AB3C-68EB2F1E4D0A}"/>
+      <thm15:themeFamily xmlns:thm15="http://schemas.microsoft.com/office/thememl/2012/main" name="Parallax" id="{3388167B-A2EB-4685-9635-1831D9AEF8C4}" vid="{4F7A876A-7598-49CA-AFC8-8EDA2551E4A7}"/>
     </a:ext>
   </a:extLst>
 </a:theme>

--- a/Presentation/Gruppe10(Präsentation1).pptx
+++ b/Presentation/Gruppe10(Präsentation1).pptx
@@ -5,7 +5,7 @@
     <p:sldMasterId id="2147483870" r:id="rId1"/>
   </p:sldMasterIdLst>
   <p:notesMasterIdLst>
-    <p:notesMasterId r:id="rId11"/>
+    <p:notesMasterId r:id="rId12"/>
   </p:notesMasterIdLst>
   <p:sldIdLst>
     <p:sldId id="256" r:id="rId2"/>
@@ -17,6 +17,7 @@
     <p:sldId id="259" r:id="rId8"/>
     <p:sldId id="258" r:id="rId9"/>
     <p:sldId id="261" r:id="rId10"/>
+    <p:sldId id="267" r:id="rId11"/>
   </p:sldIdLst>
   <p:sldSz cx="12192000" cy="6858000"/>
   <p:notesSz cx="6858000" cy="9144000"/>
@@ -364,7 +365,7 @@
           <a:p>
             <a:fld id="{B317077F-0BF6-4AB1-A0A2-447321C31DAC}" type="slidenum">
               <a:rPr lang="de-CH" smtClean="0"/>
-              <a:t>‹Nr.›</a:t>
+              <a:t>‹#›</a:t>
             </a:fld>
             <a:endParaRPr lang="de-CH"/>
           </a:p>
@@ -760,7 +761,7 @@
           <a:p>
             <a:fld id="{BD6BDAE4-A718-497F-BD43-B43AF474C268}" type="slidenum">
               <a:rPr lang="de-CH" smtClean="0"/>
-              <a:t>‹Nr.›</a:t>
+              <a:t>‹#›</a:t>
             </a:fld>
             <a:endParaRPr lang="de-CH"/>
           </a:p>
@@ -960,7 +961,7 @@
           <a:p>
             <a:fld id="{BD6BDAE4-A718-497F-BD43-B43AF474C268}" type="slidenum">
               <a:rPr lang="de-CH" smtClean="0"/>
-              <a:t>‹Nr.›</a:t>
+              <a:t>‹#›</a:t>
             </a:fld>
             <a:endParaRPr lang="de-CH"/>
           </a:p>
@@ -1170,7 +1171,7 @@
           <a:p>
             <a:fld id="{BD6BDAE4-A718-497F-BD43-B43AF474C268}" type="slidenum">
               <a:rPr lang="de-CH" smtClean="0"/>
-              <a:t>‹Nr.›</a:t>
+              <a:t>‹#›</a:t>
             </a:fld>
             <a:endParaRPr lang="de-CH"/>
           </a:p>
@@ -1370,7 +1371,7 @@
           <a:p>
             <a:fld id="{BD6BDAE4-A718-497F-BD43-B43AF474C268}" type="slidenum">
               <a:rPr lang="de-CH" smtClean="0"/>
-              <a:t>‹Nr.›</a:t>
+              <a:t>‹#›</a:t>
             </a:fld>
             <a:endParaRPr lang="de-CH"/>
           </a:p>
@@ -1646,7 +1647,7 @@
           <a:p>
             <a:fld id="{BD6BDAE4-A718-497F-BD43-B43AF474C268}" type="slidenum">
               <a:rPr lang="de-CH" smtClean="0"/>
-              <a:t>‹Nr.›</a:t>
+              <a:t>‹#›</a:t>
             </a:fld>
             <a:endParaRPr lang="de-CH"/>
           </a:p>
@@ -1914,7 +1915,7 @@
           <a:p>
             <a:fld id="{BD6BDAE4-A718-497F-BD43-B43AF474C268}" type="slidenum">
               <a:rPr lang="de-CH" smtClean="0"/>
-              <a:t>‹Nr.›</a:t>
+              <a:t>‹#›</a:t>
             </a:fld>
             <a:endParaRPr lang="de-CH"/>
           </a:p>
@@ -2329,7 +2330,7 @@
           <a:p>
             <a:fld id="{BD6BDAE4-A718-497F-BD43-B43AF474C268}" type="slidenum">
               <a:rPr lang="de-CH" smtClean="0"/>
-              <a:t>‹Nr.›</a:t>
+              <a:t>‹#›</a:t>
             </a:fld>
             <a:endParaRPr lang="de-CH"/>
           </a:p>
@@ -2471,7 +2472,7 @@
           <a:p>
             <a:fld id="{BD6BDAE4-A718-497F-BD43-B43AF474C268}" type="slidenum">
               <a:rPr lang="de-CH" smtClean="0"/>
-              <a:t>‹Nr.›</a:t>
+              <a:t>‹#›</a:t>
             </a:fld>
             <a:endParaRPr lang="de-CH"/>
           </a:p>
@@ -2584,7 +2585,7 @@
           <a:p>
             <a:fld id="{BD6BDAE4-A718-497F-BD43-B43AF474C268}" type="slidenum">
               <a:rPr lang="de-CH" smtClean="0"/>
-              <a:t>‹Nr.›</a:t>
+              <a:t>‹#›</a:t>
             </a:fld>
             <a:endParaRPr lang="de-CH"/>
           </a:p>
@@ -2897,7 +2898,7 @@
           <a:p>
             <a:fld id="{BD6BDAE4-A718-497F-BD43-B43AF474C268}" type="slidenum">
               <a:rPr lang="de-CH" smtClean="0"/>
-              <a:t>‹Nr.›</a:t>
+              <a:t>‹#›</a:t>
             </a:fld>
             <a:endParaRPr lang="de-CH"/>
           </a:p>
@@ -3186,7 +3187,7 @@
           <a:p>
             <a:fld id="{BD6BDAE4-A718-497F-BD43-B43AF474C268}" type="slidenum">
               <a:rPr lang="de-CH" smtClean="0"/>
-              <a:t>‹Nr.›</a:t>
+              <a:t>‹#›</a:t>
             </a:fld>
             <a:endParaRPr lang="de-CH"/>
           </a:p>
@@ -3465,7 +3466,7 @@
           <a:p>
             <a:fld id="{BD6BDAE4-A718-497F-BD43-B43AF474C268}" type="slidenum">
               <a:rPr lang="de-CH" smtClean="0"/>
-              <a:t>‹Nr.›</a:t>
+              <a:t>‹#›</a:t>
             </a:fld>
             <a:endParaRPr lang="de-CH"/>
           </a:p>
@@ -3942,6 +3943,139 @@
 </p:sld>
 </file>
 
+<file path=ppt/slides/slide10.xml><?xml version="1.0" encoding="utf-8"?>
+<p:sld xmlns:a="http://schemas.openxmlformats.org/drawingml/2006/main" xmlns:r="http://schemas.openxmlformats.org/officeDocument/2006/relationships" xmlns:p="http://schemas.openxmlformats.org/presentationml/2006/main">
+  <p:cSld>
+    <p:spTree>
+      <p:nvGrpSpPr>
+        <p:cNvPr id="1" name=""/>
+        <p:cNvGrpSpPr/>
+        <p:nvPr/>
+      </p:nvGrpSpPr>
+      <p:grpSpPr>
+        <a:xfrm>
+          <a:off x="0" y="0"/>
+          <a:ext cx="0" cy="0"/>
+          <a:chOff x="0" y="0"/>
+          <a:chExt cx="0" cy="0"/>
+        </a:xfrm>
+      </p:grpSpPr>
+      <p:sp>
+        <p:nvSpPr>
+          <p:cNvPr id="2" name="Title 1">
+            <a:extLst>
+              <a:ext uri="{FF2B5EF4-FFF2-40B4-BE49-F238E27FC236}">
+                <a16:creationId xmlns:a16="http://schemas.microsoft.com/office/drawing/2014/main" id="{9F816C77-C3F7-6666-79EA-7AD490CF58DD}"/>
+              </a:ext>
+            </a:extLst>
+          </p:cNvPr>
+          <p:cNvSpPr>
+            <a:spLocks noGrp="1"/>
+          </p:cNvSpPr>
+          <p:nvPr>
+            <p:ph type="title"/>
+          </p:nvPr>
+        </p:nvSpPr>
+        <p:spPr>
+          <a:xfrm>
+            <a:off x="838200" y="983690"/>
+            <a:ext cx="10515600" cy="1325563"/>
+          </a:xfrm>
+        </p:spPr>
+        <p:txBody>
+          <a:bodyPr>
+            <a:normAutofit fontScale="90000"/>
+          </a:bodyPr>
+          <a:lstStyle/>
+          <a:p>
+            <a:pPr algn="ctr"/>
+            <a:r>
+              <a:rPr lang="en-US" dirty="0" err="1"/>
+              <a:t>Vielen</a:t>
+            </a:r>
+            <a:r>
+              <a:rPr lang="en-US" dirty="0"/>
+              <a:t> Dank </a:t>
+            </a:r>
+            <a:r>
+              <a:rPr lang="en-US" dirty="0" err="1"/>
+              <a:t>fürs</a:t>
+            </a:r>
+            <a:r>
+              <a:rPr lang="en-US" dirty="0"/>
+              <a:t> </a:t>
+            </a:r>
+            <a:r>
+              <a:rPr lang="en-US" dirty="0" err="1"/>
+              <a:t>Zuhören</a:t>
+            </a:r>
+            <a:br>
+              <a:rPr lang="en-US" dirty="0"/>
+            </a:br>
+            <a:br>
+              <a:rPr lang="en-US" dirty="0"/>
+            </a:br>
+            <a:r>
+              <a:rPr lang="en-US" dirty="0" err="1"/>
+              <a:t>Fragen</a:t>
+            </a:r>
+            <a:r>
+              <a:rPr lang="en-US" dirty="0"/>
+              <a:t>?</a:t>
+            </a:r>
+            <a:endParaRPr lang="en-CH" dirty="0"/>
+          </a:p>
+        </p:txBody>
+      </p:sp>
+      <p:pic>
+        <p:nvPicPr>
+          <p:cNvPr id="4" name="Picture 3" descr="A goat with a goat's mouth wide open&#10;&#10;AI-generated content may be incorrect.">
+            <a:extLst>
+              <a:ext uri="{FF2B5EF4-FFF2-40B4-BE49-F238E27FC236}">
+                <a16:creationId xmlns:a16="http://schemas.microsoft.com/office/drawing/2014/main" id="{79F82487-2AB2-CB16-AD18-5A51009F2424}"/>
+              </a:ext>
+            </a:extLst>
+          </p:cNvPr>
+          <p:cNvPicPr>
+            <a:picLocks noChangeAspect="1"/>
+          </p:cNvPicPr>
+          <p:nvPr/>
+        </p:nvPicPr>
+        <p:blipFill>
+          <a:blip r:embed="rId2">
+            <a:extLst>
+              <a:ext uri="{28A0092B-C50C-407E-A947-70E740481C1C}">
+                <a14:useLocalDpi xmlns:a14="http://schemas.microsoft.com/office/drawing/2010/main" val="0"/>
+              </a:ext>
+            </a:extLst>
+          </a:blip>
+          <a:stretch>
+            <a:fillRect/>
+          </a:stretch>
+        </p:blipFill>
+        <p:spPr>
+          <a:xfrm>
+            <a:off x="4157382" y="2610130"/>
+            <a:ext cx="3877235" cy="3877235"/>
+          </a:xfrm>
+          <a:prstGeom prst="rect">
+            <a:avLst/>
+          </a:prstGeom>
+        </p:spPr>
+      </p:pic>
+    </p:spTree>
+    <p:extLst>
+      <p:ext uri="{BB962C8B-B14F-4D97-AF65-F5344CB8AC3E}">
+        <p14:creationId xmlns:p14="http://schemas.microsoft.com/office/powerpoint/2010/main" val="1620537775"/>
+      </p:ext>
+    </p:extLst>
+  </p:cSld>
+  <p:clrMapOvr>
+    <a:masterClrMapping/>
+  </p:clrMapOvr>
+</p:sld>
+</file>
+
 <file path=ppt/slides/slide2.xml><?xml version="1.0" encoding="utf-8"?>
 <p:sld xmlns:a="http://schemas.openxmlformats.org/drawingml/2006/main" xmlns:r="http://schemas.openxmlformats.org/officeDocument/2006/relationships" xmlns:p="http://schemas.openxmlformats.org/presentationml/2006/main">
   <p:cSld>
@@ -4070,15 +4204,15 @@
       </p:sp>
       <p:pic>
         <p:nvPicPr>
-          <p:cNvPr id="2050" name="Picture 2" descr="DAMN. – Kendrick Lamar – album review | LUDDITE STEREO">
-            <a:extLst>
-              <a:ext uri="{FF2B5EF4-FFF2-40B4-BE49-F238E27FC236}">
-                <a16:creationId xmlns:a16="http://schemas.microsoft.com/office/drawing/2014/main" id="{A00ABBA3-B820-5104-07FB-ABC291FC2B40}"/>
+          <p:cNvPr id="5" name="Content Placeholder 4" descr="A goat standing on gravel&#10;&#10;AI-generated content may be incorrect.">
+            <a:extLst>
+              <a:ext uri="{FF2B5EF4-FFF2-40B4-BE49-F238E27FC236}">
+                <a16:creationId xmlns:a16="http://schemas.microsoft.com/office/drawing/2014/main" id="{A84E7106-1DFE-7858-DE2A-206D3B324BDC}"/>
               </a:ext>
             </a:extLst>
           </p:cNvPr>
           <p:cNvPicPr>
-            <a:picLocks noGrp="1" noChangeAspect="1" noChangeArrowheads="1"/>
+            <a:picLocks noGrp="1" noChangeAspect="1"/>
           </p:cNvPicPr>
           <p:nvPr>
             <p:ph idx="1"/>
@@ -4092,29 +4226,15 @@
               </a:ext>
             </a:extLst>
           </a:blip>
-          <a:srcRect/>
           <a:stretch>
             <a:fillRect/>
           </a:stretch>
         </p:blipFill>
-        <p:spPr bwMode="auto">
+        <p:spPr>
           <a:xfrm>
-            <a:off x="4178703" y="2830813"/>
-            <a:ext cx="3834592" cy="2298129"/>
+            <a:off x="4650067" y="2878123"/>
+            <a:ext cx="2891864" cy="2893169"/>
           </a:xfrm>
-          <a:prstGeom prst="rect">
-            <a:avLst/>
-          </a:prstGeom>
-          <a:noFill/>
-          <a:extLst>
-            <a:ext uri="{909E8E84-426E-40DD-AFC4-6F175D3DCCD1}">
-              <a14:hiddenFill xmlns:a14="http://schemas.microsoft.com/office/drawing/2010/main">
-                <a:solidFill>
-                  <a:srgbClr val="FFFFFF"/>
-                </a:solidFill>
-              </a14:hiddenFill>
-            </a:ext>
-          </a:extLst>
         </p:spPr>
       </p:pic>
     </p:spTree>
@@ -4199,7 +4319,12 @@
             <p:ph idx="1"/>
           </p:nvPr>
         </p:nvSpPr>
-        <p:spPr/>
+        <p:spPr>
+          <a:xfrm>
+            <a:off x="838200" y="1825625"/>
+            <a:ext cx="10515600" cy="765175"/>
+          </a:xfrm>
+        </p:spPr>
         <p:txBody>
           <a:bodyPr>
             <a:normAutofit/>
@@ -4210,21 +4335,6 @@
             <a:r>
               <a:rPr lang="de-CH" sz="3200" dirty="0"/>
               <a:t>Roboter und Ziegen wollen fliehen.</a:t>
-            </a:r>
-          </a:p>
-          <a:p>
-            <a:pPr algn="ctr"/>
-            <a:r>
-              <a:rPr lang="de-CH" sz="3200" dirty="0"/>
-              <a:t>Der Security </a:t>
-            </a:r>
-            <a:r>
-              <a:rPr lang="de-CH" sz="3200" dirty="0" err="1"/>
-              <a:t>Guard</a:t>
-            </a:r>
-            <a:r>
-              <a:rPr lang="de-CH" sz="3200" dirty="0"/>
-              <a:t> will sie fangen</a:t>
             </a:r>
           </a:p>
         </p:txBody>
@@ -4258,7 +4368,7 @@
         </p:blipFill>
         <p:spPr bwMode="auto">
           <a:xfrm>
-            <a:off x="3240924" y="2955181"/>
+            <a:off x="3240923" y="3080687"/>
             <a:ext cx="5710151" cy="3221782"/>
           </a:xfrm>
           <a:prstGeom prst="rect">
@@ -4276,6 +4386,218 @@
           </a:extLst>
         </p:spPr>
       </p:pic>
+      <p:sp>
+        <p:nvSpPr>
+          <p:cNvPr id="4" name="Content Placeholder 2">
+            <a:extLst>
+              <a:ext uri="{FF2B5EF4-FFF2-40B4-BE49-F238E27FC236}">
+                <a16:creationId xmlns:a16="http://schemas.microsoft.com/office/drawing/2014/main" id="{F6278E99-E9A3-C57D-0558-950FAB8D2D11}"/>
+              </a:ext>
+            </a:extLst>
+          </p:cNvPr>
+          <p:cNvSpPr txBox="1">
+            <a:spLocks/>
+          </p:cNvSpPr>
+          <p:nvPr/>
+        </p:nvSpPr>
+        <p:spPr>
+          <a:xfrm>
+            <a:off x="838199" y="2417297"/>
+            <a:ext cx="10515600" cy="765175"/>
+          </a:xfrm>
+          <a:prstGeom prst="rect">
+            <a:avLst/>
+          </a:prstGeom>
+        </p:spPr>
+        <p:txBody>
+          <a:bodyPr vert="horz" lIns="91440" tIns="45720" rIns="91440" bIns="45720" rtlCol="0">
+            <a:normAutofit/>
+          </a:bodyPr>
+          <a:lstStyle>
+            <a:lvl1pPr marL="228600" indent="-228600" algn="l" defTabSz="914400" rtl="0" eaLnBrk="1" latinLnBrk="0" hangingPunct="1">
+              <a:lnSpc>
+                <a:spcPct val="90000"/>
+              </a:lnSpc>
+              <a:spcBef>
+                <a:spcPts val="1000"/>
+              </a:spcBef>
+              <a:buFont typeface="Arial" panose="020B0604020202020204" pitchFamily="34" charset="0"/>
+              <a:buChar char="•"/>
+              <a:defRPr sz="2800" kern="1200">
+                <a:solidFill>
+                  <a:schemeClr val="tx1"/>
+                </a:solidFill>
+                <a:latin typeface="+mn-lt"/>
+                <a:ea typeface="+mn-ea"/>
+                <a:cs typeface="+mn-cs"/>
+              </a:defRPr>
+            </a:lvl1pPr>
+            <a:lvl2pPr marL="685800" indent="-228600" algn="l" defTabSz="914400" rtl="0" eaLnBrk="1" latinLnBrk="0" hangingPunct="1">
+              <a:lnSpc>
+                <a:spcPct val="90000"/>
+              </a:lnSpc>
+              <a:spcBef>
+                <a:spcPts val="500"/>
+              </a:spcBef>
+              <a:buFont typeface="Arial" panose="020B0604020202020204" pitchFamily="34" charset="0"/>
+              <a:buChar char="•"/>
+              <a:defRPr sz="2400" kern="1200">
+                <a:solidFill>
+                  <a:schemeClr val="tx1"/>
+                </a:solidFill>
+                <a:latin typeface="+mn-lt"/>
+                <a:ea typeface="+mn-ea"/>
+                <a:cs typeface="+mn-cs"/>
+              </a:defRPr>
+            </a:lvl2pPr>
+            <a:lvl3pPr marL="1143000" indent="-228600" algn="l" defTabSz="914400" rtl="0" eaLnBrk="1" latinLnBrk="0" hangingPunct="1">
+              <a:lnSpc>
+                <a:spcPct val="90000"/>
+              </a:lnSpc>
+              <a:spcBef>
+                <a:spcPts val="500"/>
+              </a:spcBef>
+              <a:buFont typeface="Arial" panose="020B0604020202020204" pitchFamily="34" charset="0"/>
+              <a:buChar char="•"/>
+              <a:defRPr sz="2000" kern="1200">
+                <a:solidFill>
+                  <a:schemeClr val="tx1"/>
+                </a:solidFill>
+                <a:latin typeface="+mn-lt"/>
+                <a:ea typeface="+mn-ea"/>
+                <a:cs typeface="+mn-cs"/>
+              </a:defRPr>
+            </a:lvl3pPr>
+            <a:lvl4pPr marL="1600200" indent="-228600" algn="l" defTabSz="914400" rtl="0" eaLnBrk="1" latinLnBrk="0" hangingPunct="1">
+              <a:lnSpc>
+                <a:spcPct val="90000"/>
+              </a:lnSpc>
+              <a:spcBef>
+                <a:spcPts val="500"/>
+              </a:spcBef>
+              <a:buFont typeface="Arial" panose="020B0604020202020204" pitchFamily="34" charset="0"/>
+              <a:buChar char="•"/>
+              <a:defRPr sz="1800" kern="1200">
+                <a:solidFill>
+                  <a:schemeClr val="tx1"/>
+                </a:solidFill>
+                <a:latin typeface="+mn-lt"/>
+                <a:ea typeface="+mn-ea"/>
+                <a:cs typeface="+mn-cs"/>
+              </a:defRPr>
+            </a:lvl4pPr>
+            <a:lvl5pPr marL="2057400" indent="-228600" algn="l" defTabSz="914400" rtl="0" eaLnBrk="1" latinLnBrk="0" hangingPunct="1">
+              <a:lnSpc>
+                <a:spcPct val="90000"/>
+              </a:lnSpc>
+              <a:spcBef>
+                <a:spcPts val="500"/>
+              </a:spcBef>
+              <a:buFont typeface="Arial" panose="020B0604020202020204" pitchFamily="34" charset="0"/>
+              <a:buChar char="•"/>
+              <a:defRPr sz="1800" kern="1200">
+                <a:solidFill>
+                  <a:schemeClr val="tx1"/>
+                </a:solidFill>
+                <a:latin typeface="+mn-lt"/>
+                <a:ea typeface="+mn-ea"/>
+                <a:cs typeface="+mn-cs"/>
+              </a:defRPr>
+            </a:lvl5pPr>
+            <a:lvl6pPr marL="2514600" indent="-228600" algn="l" defTabSz="914400" rtl="0" eaLnBrk="1" latinLnBrk="0" hangingPunct="1">
+              <a:lnSpc>
+                <a:spcPct val="90000"/>
+              </a:lnSpc>
+              <a:spcBef>
+                <a:spcPts val="500"/>
+              </a:spcBef>
+              <a:buFont typeface="Arial" panose="020B0604020202020204" pitchFamily="34" charset="0"/>
+              <a:buChar char="•"/>
+              <a:defRPr sz="1800" kern="1200">
+                <a:solidFill>
+                  <a:schemeClr val="tx1"/>
+                </a:solidFill>
+                <a:latin typeface="+mn-lt"/>
+                <a:ea typeface="+mn-ea"/>
+                <a:cs typeface="+mn-cs"/>
+              </a:defRPr>
+            </a:lvl6pPr>
+            <a:lvl7pPr marL="2971800" indent="-228600" algn="l" defTabSz="914400" rtl="0" eaLnBrk="1" latinLnBrk="0" hangingPunct="1">
+              <a:lnSpc>
+                <a:spcPct val="90000"/>
+              </a:lnSpc>
+              <a:spcBef>
+                <a:spcPts val="500"/>
+              </a:spcBef>
+              <a:buFont typeface="Arial" panose="020B0604020202020204" pitchFamily="34" charset="0"/>
+              <a:buChar char="•"/>
+              <a:defRPr sz="1800" kern="1200">
+                <a:solidFill>
+                  <a:schemeClr val="tx1"/>
+                </a:solidFill>
+                <a:latin typeface="+mn-lt"/>
+                <a:ea typeface="+mn-ea"/>
+                <a:cs typeface="+mn-cs"/>
+              </a:defRPr>
+            </a:lvl7pPr>
+            <a:lvl8pPr marL="3429000" indent="-228600" algn="l" defTabSz="914400" rtl="0" eaLnBrk="1" latinLnBrk="0" hangingPunct="1">
+              <a:lnSpc>
+                <a:spcPct val="90000"/>
+              </a:lnSpc>
+              <a:spcBef>
+                <a:spcPts val="500"/>
+              </a:spcBef>
+              <a:buFont typeface="Arial" panose="020B0604020202020204" pitchFamily="34" charset="0"/>
+              <a:buChar char="•"/>
+              <a:defRPr sz="1800" kern="1200">
+                <a:solidFill>
+                  <a:schemeClr val="tx1"/>
+                </a:solidFill>
+                <a:latin typeface="+mn-lt"/>
+                <a:ea typeface="+mn-ea"/>
+                <a:cs typeface="+mn-cs"/>
+              </a:defRPr>
+            </a:lvl8pPr>
+            <a:lvl9pPr marL="3886200" indent="-228600" algn="l" defTabSz="914400" rtl="0" eaLnBrk="1" latinLnBrk="0" hangingPunct="1">
+              <a:lnSpc>
+                <a:spcPct val="90000"/>
+              </a:lnSpc>
+              <a:spcBef>
+                <a:spcPts val="500"/>
+              </a:spcBef>
+              <a:buFont typeface="Arial" panose="020B0604020202020204" pitchFamily="34" charset="0"/>
+              <a:buChar char="•"/>
+              <a:defRPr sz="1800" kern="1200">
+                <a:solidFill>
+                  <a:schemeClr val="tx1"/>
+                </a:solidFill>
+                <a:latin typeface="+mn-lt"/>
+                <a:ea typeface="+mn-ea"/>
+                <a:cs typeface="+mn-cs"/>
+              </a:defRPr>
+            </a:lvl9pPr>
+          </a:lstStyle>
+          <a:p>
+            <a:pPr algn="ctr"/>
+            <a:r>
+              <a:rPr lang="de-DE" sz="3200" dirty="0"/>
+              <a:t>Der Security </a:t>
+            </a:r>
+            <a:r>
+              <a:rPr lang="de-DE" sz="3200" dirty="0" err="1"/>
+              <a:t>Guard</a:t>
+            </a:r>
+            <a:r>
+              <a:rPr lang="de-DE" sz="3200" dirty="0"/>
+              <a:t> will sie fangen</a:t>
+            </a:r>
+          </a:p>
+          <a:p>
+            <a:pPr algn="ctr"/>
+            <a:endParaRPr lang="de-CH" sz="3200" dirty="0"/>
+          </a:p>
+        </p:txBody>
+      </p:sp>
     </p:spTree>
     <p:extLst>
       <p:ext uri="{BB962C8B-B14F-4D97-AF65-F5344CB8AC3E}">
@@ -4286,6 +4608,161 @@
   <p:clrMapOvr>
     <a:masterClrMapping/>
   </p:clrMapOvr>
+  <p:timing>
+    <p:tnLst>
+      <p:par>
+        <p:cTn id="1" dur="indefinite" restart="never" nodeType="tmRoot">
+          <p:childTnLst>
+            <p:seq concurrent="1" nextAc="seek">
+              <p:cTn id="2" dur="indefinite" nodeType="mainSeq">
+                <p:childTnLst>
+                  <p:par>
+                    <p:cTn id="3" fill="hold">
+                      <p:stCondLst>
+                        <p:cond delay="indefinite"/>
+                      </p:stCondLst>
+                      <p:childTnLst>
+                        <p:par>
+                          <p:cTn id="4" fill="hold">
+                            <p:stCondLst>
+                              <p:cond delay="0"/>
+                            </p:stCondLst>
+                            <p:childTnLst>
+                              <p:par>
+                                <p:cTn id="5" presetID="1" presetClass="entr" presetSubtype="0" fill="hold" grpId="0" nodeType="clickEffect">
+                                  <p:stCondLst>
+                                    <p:cond delay="0"/>
+                                  </p:stCondLst>
+                                  <p:childTnLst>
+                                    <p:set>
+                                      <p:cBhvr>
+                                        <p:cTn id="6" dur="1" fill="hold">
+                                          <p:stCondLst>
+                                            <p:cond delay="0"/>
+                                          </p:stCondLst>
+                                        </p:cTn>
+                                        <p:tgtEl>
+                                          <p:spTgt spid="3">
+                                            <p:txEl>
+                                              <p:pRg st="0" end="0"/>
+                                            </p:txEl>
+                                          </p:spTgt>
+                                        </p:tgtEl>
+                                        <p:attrNameLst>
+                                          <p:attrName>style.visibility</p:attrName>
+                                        </p:attrNameLst>
+                                      </p:cBhvr>
+                                      <p:to>
+                                        <p:strVal val="visible"/>
+                                      </p:to>
+                                    </p:set>
+                                  </p:childTnLst>
+                                </p:cTn>
+                              </p:par>
+                            </p:childTnLst>
+                          </p:cTn>
+                        </p:par>
+                      </p:childTnLst>
+                    </p:cTn>
+                  </p:par>
+                  <p:par>
+                    <p:cTn id="7" fill="hold">
+                      <p:stCondLst>
+                        <p:cond delay="indefinite"/>
+                      </p:stCondLst>
+                      <p:childTnLst>
+                        <p:par>
+                          <p:cTn id="8" fill="hold">
+                            <p:stCondLst>
+                              <p:cond delay="0"/>
+                            </p:stCondLst>
+                            <p:childTnLst>
+                              <p:par>
+                                <p:cTn id="9" presetID="1" presetClass="entr" presetSubtype="0" fill="hold" grpId="0" nodeType="clickEffect">
+                                  <p:stCondLst>
+                                    <p:cond delay="0"/>
+                                  </p:stCondLst>
+                                  <p:childTnLst>
+                                    <p:set>
+                                      <p:cBhvr>
+                                        <p:cTn id="10" dur="1" fill="hold">
+                                          <p:stCondLst>
+                                            <p:cond delay="0"/>
+                                          </p:stCondLst>
+                                        </p:cTn>
+                                        <p:tgtEl>
+                                          <p:spTgt spid="4"/>
+                                        </p:tgtEl>
+                                        <p:attrNameLst>
+                                          <p:attrName>style.visibility</p:attrName>
+                                        </p:attrNameLst>
+                                      </p:cBhvr>
+                                      <p:to>
+                                        <p:strVal val="visible"/>
+                                      </p:to>
+                                    </p:set>
+                                  </p:childTnLst>
+                                </p:cTn>
+                              </p:par>
+                              <p:par>
+                                <p:cTn id="11" presetID="1" presetClass="entr" presetSubtype="0" fill="hold" nodeType="withEffect">
+                                  <p:stCondLst>
+                                    <p:cond delay="0"/>
+                                  </p:stCondLst>
+                                  <p:childTnLst>
+                                    <p:set>
+                                      <p:cBhvr>
+                                        <p:cTn id="12" dur="1" fill="hold">
+                                          <p:stCondLst>
+                                            <p:cond delay="0"/>
+                                          </p:stCondLst>
+                                        </p:cTn>
+                                        <p:tgtEl>
+                                          <p:spTgt spid="3074"/>
+                                        </p:tgtEl>
+                                        <p:attrNameLst>
+                                          <p:attrName>style.visibility</p:attrName>
+                                        </p:attrNameLst>
+                                      </p:cBhvr>
+                                      <p:to>
+                                        <p:strVal val="visible"/>
+                                      </p:to>
+                                    </p:set>
+                                  </p:childTnLst>
+                                </p:cTn>
+                              </p:par>
+                            </p:childTnLst>
+                          </p:cTn>
+                        </p:par>
+                      </p:childTnLst>
+                    </p:cTn>
+                  </p:par>
+                </p:childTnLst>
+              </p:cTn>
+              <p:prevCondLst>
+                <p:cond evt="onPrev" delay="0">
+                  <p:tgtEl>
+                    <p:sldTgt/>
+                  </p:tgtEl>
+                </p:cond>
+              </p:prevCondLst>
+              <p:nextCondLst>
+                <p:cond evt="onNext" delay="0">
+                  <p:tgtEl>
+                    <p:sldTgt/>
+                  </p:tgtEl>
+                </p:cond>
+              </p:nextCondLst>
+            </p:seq>
+          </p:childTnLst>
+        </p:cTn>
+      </p:par>
+    </p:tnLst>
+    <p:bldLst>
+      <p:bldP spid="3" grpId="0" build="p"/>
+      <p:bldP spid="4" grpId="0"/>
+    </p:bldLst>
+  </p:timing>
 </p:sld>
 </file>
 
@@ -4437,8 +4914,170 @@
             <a:pPr algn="ctr"/>
             <a:r>
               <a:rPr lang="de-CH" dirty="0"/>
-              <a:t>Mechanik</a:t>
-            </a:r>
+              <a:t>Spielmechanik</a:t>
+            </a:r>
+          </a:p>
+        </p:txBody>
+      </p:sp>
+      <p:pic>
+        <p:nvPicPr>
+          <p:cNvPr id="4" name="Picture 3" descr="A yellow and blue circle&#10;&#10;AI-generated content may be incorrect.">
+            <a:extLst>
+              <a:ext uri="{FF2B5EF4-FFF2-40B4-BE49-F238E27FC236}">
+                <a16:creationId xmlns:a16="http://schemas.microsoft.com/office/drawing/2014/main" id="{48729E32-B86E-06B2-56D5-89C95FC1C460}"/>
+              </a:ext>
+            </a:extLst>
+          </p:cNvPr>
+          <p:cNvPicPr>
+            <a:picLocks noChangeAspect="1"/>
+          </p:cNvPicPr>
+          <p:nvPr/>
+        </p:nvPicPr>
+        <p:blipFill>
+          <a:blip r:embed="rId2">
+            <a:extLst>
+              <a:ext uri="{28A0092B-C50C-407E-A947-70E740481C1C}">
+                <a14:useLocalDpi xmlns:a14="http://schemas.microsoft.com/office/drawing/2010/main" val="0"/>
+              </a:ext>
+            </a:extLst>
+          </a:blip>
+          <a:stretch>
+            <a:fillRect/>
+          </a:stretch>
+        </p:blipFill>
+        <p:spPr>
+          <a:xfrm>
+            <a:off x="6618514" y="1681553"/>
+            <a:ext cx="3598385" cy="3494891"/>
+          </a:xfrm>
+          <a:prstGeom prst="rect">
+            <a:avLst/>
+          </a:prstGeom>
+        </p:spPr>
+      </p:pic>
+      <p:pic>
+        <p:nvPicPr>
+          <p:cNvPr id="6" name="Picture 5" descr="A blue and yellow circle with a black background&#10;&#10;AI-generated content may be incorrect.">
+            <a:extLst>
+              <a:ext uri="{FF2B5EF4-FFF2-40B4-BE49-F238E27FC236}">
+                <a16:creationId xmlns:a16="http://schemas.microsoft.com/office/drawing/2014/main" id="{504216DD-0197-3C02-B1E3-5D8551BA5FAF}"/>
+              </a:ext>
+            </a:extLst>
+          </p:cNvPr>
+          <p:cNvPicPr>
+            <a:picLocks noChangeAspect="1"/>
+          </p:cNvPicPr>
+          <p:nvPr/>
+        </p:nvPicPr>
+        <p:blipFill>
+          <a:blip r:embed="rId3">
+            <a:extLst>
+              <a:ext uri="{28A0092B-C50C-407E-A947-70E740481C1C}">
+                <a14:useLocalDpi xmlns:a14="http://schemas.microsoft.com/office/drawing/2010/main" val="0"/>
+              </a:ext>
+            </a:extLst>
+          </a:blip>
+          <a:stretch>
+            <a:fillRect/>
+          </a:stretch>
+        </p:blipFill>
+        <p:spPr>
+          <a:xfrm>
+            <a:off x="2097021" y="2145789"/>
+            <a:ext cx="2740158" cy="2566421"/>
+          </a:xfrm>
+          <a:prstGeom prst="rect">
+            <a:avLst/>
+          </a:prstGeom>
+        </p:spPr>
+      </p:pic>
+      <p:sp>
+        <p:nvSpPr>
+          <p:cNvPr id="7" name="TextBox 6">
+            <a:extLst>
+              <a:ext uri="{FF2B5EF4-FFF2-40B4-BE49-F238E27FC236}">
+                <a16:creationId xmlns:a16="http://schemas.microsoft.com/office/drawing/2014/main" id="{A9E8E2D7-5D2D-FD8B-3164-550D292A6757}"/>
+              </a:ext>
+            </a:extLst>
+          </p:cNvPr>
+          <p:cNvSpPr txBox="1"/>
+          <p:nvPr/>
+        </p:nvSpPr>
+        <p:spPr>
+          <a:xfrm>
+            <a:off x="2214253" y="5283687"/>
+            <a:ext cx="2505694" cy="523220"/>
+          </a:xfrm>
+          <a:prstGeom prst="rect">
+            <a:avLst/>
+          </a:prstGeom>
+          <a:noFill/>
+        </p:spPr>
+        <p:txBody>
+          <a:bodyPr wrap="square" rtlCol="0">
+            <a:spAutoFit/>
+          </a:bodyPr>
+          <a:lstStyle/>
+          <a:p>
+            <a:pPr algn="ctr"/>
+            <a:r>
+              <a:rPr lang="en-US" sz="2800" dirty="0">
+                <a:latin typeface="+mj-lt"/>
+                <a:ea typeface="+mj-ea"/>
+                <a:cs typeface="+mj-cs"/>
+              </a:rPr>
+              <a:t>Security Guard</a:t>
+            </a:r>
+            <a:endParaRPr lang="en-CH" sz="2800" dirty="0">
+              <a:latin typeface="+mj-lt"/>
+              <a:ea typeface="+mj-ea"/>
+              <a:cs typeface="+mj-cs"/>
+            </a:endParaRPr>
+          </a:p>
+        </p:txBody>
+      </p:sp>
+      <p:sp>
+        <p:nvSpPr>
+          <p:cNvPr id="8" name="TextBox 7">
+            <a:extLst>
+              <a:ext uri="{FF2B5EF4-FFF2-40B4-BE49-F238E27FC236}">
+                <a16:creationId xmlns:a16="http://schemas.microsoft.com/office/drawing/2014/main" id="{7C93485A-16EB-770E-C1A9-9982823B7158}"/>
+              </a:ext>
+            </a:extLst>
+          </p:cNvPr>
+          <p:cNvSpPr txBox="1"/>
+          <p:nvPr/>
+        </p:nvSpPr>
+        <p:spPr>
+          <a:xfrm>
+            <a:off x="7246422" y="5283687"/>
+            <a:ext cx="2505694" cy="523220"/>
+          </a:xfrm>
+          <a:prstGeom prst="rect">
+            <a:avLst/>
+          </a:prstGeom>
+          <a:noFill/>
+        </p:spPr>
+        <p:txBody>
+          <a:bodyPr wrap="square" rtlCol="0">
+            <a:spAutoFit/>
+          </a:bodyPr>
+          <a:lstStyle/>
+          <a:p>
+            <a:pPr algn="ctr"/>
+            <a:r>
+              <a:rPr lang="en-US" sz="2800" dirty="0" err="1">
+                <a:latin typeface="+mj-lt"/>
+                <a:ea typeface="+mj-ea"/>
+                <a:cs typeface="+mj-cs"/>
+              </a:rPr>
+              <a:t>Ziegen</a:t>
+            </a:r>
+            <a:endParaRPr lang="en-CH" sz="2800" dirty="0">
+              <a:latin typeface="+mj-lt"/>
+              <a:ea typeface="+mj-ea"/>
+              <a:cs typeface="+mj-cs"/>
+            </a:endParaRPr>
           </a:p>
         </p:txBody>
       </p:sp>
@@ -4854,53 +5493,6 @@
           </a:p>
         </p:txBody>
       </p:sp>
-      <p:pic>
-        <p:nvPicPr>
-          <p:cNvPr id="5124" name="Picture 4" descr="Pepe Silvia | Know Your Meme">
-            <a:extLst>
-              <a:ext uri="{FF2B5EF4-FFF2-40B4-BE49-F238E27FC236}">
-                <a16:creationId xmlns:a16="http://schemas.microsoft.com/office/drawing/2014/main" id="{141AC9F5-6E68-AA0F-0F87-ECD026A4398E}"/>
-              </a:ext>
-            </a:extLst>
-          </p:cNvPr>
-          <p:cNvPicPr>
-            <a:picLocks noChangeAspect="1" noChangeArrowheads="1"/>
-          </p:cNvPicPr>
-          <p:nvPr/>
-        </p:nvPicPr>
-        <p:blipFill>
-          <a:blip r:embed="rId2">
-            <a:extLst>
-              <a:ext uri="{28A0092B-C50C-407E-A947-70E740481C1C}">
-                <a14:useLocalDpi xmlns:a14="http://schemas.microsoft.com/office/drawing/2010/main" val="0"/>
-              </a:ext>
-            </a:extLst>
-          </a:blip>
-          <a:srcRect/>
-          <a:stretch>
-            <a:fillRect/>
-          </a:stretch>
-        </p:blipFill>
-        <p:spPr bwMode="auto">
-          <a:xfrm>
-            <a:off x="4422197" y="3801196"/>
-            <a:ext cx="3347605" cy="2510704"/>
-          </a:xfrm>
-          <a:prstGeom prst="rect">
-            <a:avLst/>
-          </a:prstGeom>
-          <a:noFill/>
-          <a:extLst>
-            <a:ext uri="{909E8E84-426E-40DD-AFC4-6F175D3DCCD1}">
-              <a14:hiddenFill xmlns:a14="http://schemas.microsoft.com/office/drawing/2010/main">
-                <a:solidFill>
-                  <a:srgbClr val="FFFFFF"/>
-                </a:solidFill>
-              </a14:hiddenFill>
-            </a:ext>
-          </a:extLst>
-        </p:spPr>
-      </p:pic>
     </p:spTree>
     <p:extLst>
       <p:ext uri="{BB962C8B-B14F-4D97-AF65-F5344CB8AC3E}">

--- a/Presentation/Gruppe10(Präsentation1).pptx
+++ b/Presentation/Gruppe10(Präsentation1).pptx
@@ -4813,8 +4813,8 @@
           <a:p>
             <a:pPr algn="ctr"/>
             <a:r>
-              <a:rPr lang="de-CH" sz="5400" dirty="0"/>
-              <a:t>Regeln</a:t>
+              <a:rPr lang="de-CH" dirty="0"/>
+              <a:t>Konzept</a:t>
             </a:r>
           </a:p>
         </p:txBody>
@@ -5167,6 +5167,9 @@
           </a:bodyPr>
           <a:lstStyle/>
           <a:p>
+            <a:pPr marL="0" indent="0">
+              <a:buNone/>
+            </a:pPr>
             <a:r>
               <a:rPr lang="de-CH" sz="2400" dirty="0"/>
               <a:t>Client:</a:t>
@@ -5247,15 +5250,13 @@
           </a:bodyPr>
           <a:lstStyle/>
           <a:p>
-            <a:pPr marL="228600" indent="-228600">
+            <a:pPr>
               <a:lnSpc>
                 <a:spcPct val="90000"/>
               </a:lnSpc>
               <a:spcBef>
                 <a:spcPts val="1000"/>
               </a:spcBef>
-              <a:buFont typeface="Arial" panose="020B0604020202020204" pitchFamily="34" charset="0"/>
-              <a:buChar char="•"/>
             </a:pPr>
             <a:r>
               <a:rPr lang="de-CH" sz="2400" dirty="0"/>

--- a/Presentation/Gruppe10(Präsentation1).pptx
+++ b/Presentation/Gruppe10(Präsentation1).pptx
@@ -4009,6 +4009,10 @@
               <a:rPr lang="en-US" dirty="0" err="1"/>
               <a:t>Zuhören</a:t>
             </a:r>
+            <a:r>
+              <a:rPr lang="en-US" dirty="0"/>
+              <a:t>!</a:t>
+            </a:r>
             <a:br>
               <a:rPr lang="en-US" dirty="0"/>
             </a:br>
@@ -4128,6 +4132,60 @@
           </a:xfrm>
         </p:spPr>
       </p:pic>
+      <p:sp>
+        <p:nvSpPr>
+          <p:cNvPr id="3" name="Rectangle 2">
+            <a:extLst>
+              <a:ext uri="{FF2B5EF4-FFF2-40B4-BE49-F238E27FC236}">
+                <a16:creationId xmlns:a16="http://schemas.microsoft.com/office/drawing/2014/main" id="{B0A07CD2-1276-86E4-7FE3-549A57823054}"/>
+              </a:ext>
+            </a:extLst>
+          </p:cNvPr>
+          <p:cNvSpPr/>
+          <p:nvPr/>
+        </p:nvSpPr>
+        <p:spPr>
+          <a:xfrm>
+            <a:off x="9567761" y="5548894"/>
+            <a:ext cx="2578190" cy="1223586"/>
+          </a:xfrm>
+          <a:prstGeom prst="rect">
+            <a:avLst/>
+          </a:prstGeom>
+          <a:solidFill>
+            <a:schemeClr val="bg1"/>
+          </a:solidFill>
+          <a:ln>
+            <a:solidFill>
+              <a:schemeClr val="bg1"/>
+            </a:solidFill>
+          </a:ln>
+        </p:spPr>
+        <p:style>
+          <a:lnRef idx="2">
+            <a:schemeClr val="accent1">
+              <a:shade val="15000"/>
+            </a:schemeClr>
+          </a:lnRef>
+          <a:fillRef idx="1">
+            <a:schemeClr val="accent1"/>
+          </a:fillRef>
+          <a:effectRef idx="0">
+            <a:schemeClr val="accent1"/>
+          </a:effectRef>
+          <a:fontRef idx="minor">
+            <a:schemeClr val="lt1"/>
+          </a:fontRef>
+        </p:style>
+        <p:txBody>
+          <a:bodyPr rtlCol="0" anchor="ctr"/>
+          <a:lstStyle/>
+          <a:p>
+            <a:pPr algn="ctr"/>
+            <a:endParaRPr lang="en-US"/>
+          </a:p>
+        </p:txBody>
+      </p:sp>
     </p:spTree>
     <p:extLst>
       <p:ext uri="{BB962C8B-B14F-4D97-AF65-F5344CB8AC3E}">
@@ -4193,7 +4251,7 @@
             </a:r>
             <a:r>
               <a:rPr lang="de-CH" sz="6000" dirty="0" err="1"/>
-              <a:t>iGoat</a:t>
+              <a:t>iGOAT</a:t>
             </a:r>
             <a:r>
               <a:rPr lang="de-CH" sz="6000" dirty="0"/>
@@ -5132,6 +5190,7 @@
           <a:bodyPr/>
           <a:lstStyle/>
           <a:p>
+            <a:pPr algn="ctr"/>
             <a:r>
               <a:rPr lang="de-CH" dirty="0"/>
               <a:t>Networking</a:t>
@@ -5196,15 +5255,7 @@
           <a:p>
             <a:r>
               <a:rPr lang="de-CH" sz="2400" dirty="0"/>
-              <a:t>Game </a:t>
-            </a:r>
-            <a:r>
-              <a:rPr lang="de-CH" sz="2400" dirty="0" err="1"/>
-              <a:t>state</a:t>
-            </a:r>
-            <a:r>
-              <a:rPr lang="de-CH" sz="2400" dirty="0"/>
-              <a:t> vom Server erhalten lokal entsprechend updaten</a:t>
+              <a:t>Game State vom Server erhalten, lokal entsprechend updaten</a:t>
             </a:r>
           </a:p>
           <a:p>
@@ -5432,13 +5483,14 @@
           <a:bodyPr/>
           <a:lstStyle/>
           <a:p>
+            <a:pPr algn="ctr"/>
             <a:r>
               <a:rPr lang="de-CH" dirty="0"/>
               <a:t>Software </a:t>
             </a:r>
             <a:r>
               <a:rPr lang="de-CH" dirty="0" err="1"/>
-              <a:t>requirements</a:t>
+              <a:t>Requirements</a:t>
             </a:r>
             <a:endParaRPr lang="de-CH" dirty="0"/>
           </a:p>
@@ -5545,6 +5597,7 @@
           <a:bodyPr/>
           <a:lstStyle/>
           <a:p>
+            <a:pPr algn="ctr"/>
             <a:r>
               <a:rPr lang="de-CH" dirty="0"/>
               <a:t>Projekt Plan</a:t>

--- a/Presentation/Gruppe10(Präsentation1).pptx
+++ b/Presentation/Gruppe10(Präsentation1).pptx
@@ -5552,44 +5552,21 @@
           </a:p>
         </p:txBody>
       </p:sp>
-      <p:sp>
-        <p:nvSpPr>
-          <p:cNvPr id="3" name="Content Placeholder 2">
-            <a:extLst>
-              <a:ext uri="{FF2B5EF4-FFF2-40B4-BE49-F238E27FC236}">
-                <a16:creationId xmlns:a16="http://schemas.microsoft.com/office/drawing/2014/main" id="{10637BB7-070E-2394-E546-8FBC515CEF6C}"/>
-              </a:ext>
-            </a:extLst>
-          </p:cNvPr>
-          <p:cNvSpPr>
-            <a:spLocks noGrp="1"/>
-          </p:cNvSpPr>
-          <p:nvPr>
-            <p:ph idx="1"/>
-          </p:nvPr>
-        </p:nvSpPr>
-        <p:spPr/>
-        <p:txBody>
-          <a:bodyPr/>
-          <a:lstStyle/>
-          <a:p>
-            <a:endParaRPr lang="de-CH" dirty="0"/>
-          </a:p>
-        </p:txBody>
-      </p:sp>
       <p:pic>
         <p:nvPicPr>
-          <p:cNvPr id="6146" name="Picture 2" descr="Where Is The Willem Dafoe Looking Up Meme From?">
-            <a:extLst>
-              <a:ext uri="{FF2B5EF4-FFF2-40B4-BE49-F238E27FC236}">
-                <a16:creationId xmlns:a16="http://schemas.microsoft.com/office/drawing/2014/main" id="{8EDE2A16-FABC-4C4A-AFC0-A62EC060DF08}"/>
+          <p:cNvPr id="5" name="Content Placeholder 4" descr="A screenshot of a graph&#10;&#10;AI-generated content may be incorrect.">
+            <a:extLst>
+              <a:ext uri="{FF2B5EF4-FFF2-40B4-BE49-F238E27FC236}">
+                <a16:creationId xmlns:a16="http://schemas.microsoft.com/office/drawing/2014/main" id="{EBDDD60C-0C75-F04C-B4C5-D00064B7E9CC}"/>
               </a:ext>
             </a:extLst>
           </p:cNvPr>
           <p:cNvPicPr>
-            <a:picLocks noChangeAspect="1" noChangeArrowheads="1"/>
+            <a:picLocks noGrp="1" noChangeAspect="1"/>
           </p:cNvPicPr>
-          <p:nvPr/>
+          <p:nvPr>
+            <p:ph idx="1"/>
+          </p:nvPr>
         </p:nvPicPr>
         <p:blipFill>
           <a:blip r:embed="rId2">
@@ -5599,29 +5576,15 @@
               </a:ext>
             </a:extLst>
           </a:blip>
-          <a:srcRect/>
           <a:stretch>
             <a:fillRect/>
           </a:stretch>
         </p:blipFill>
-        <p:spPr bwMode="auto">
+        <p:spPr>
           <a:xfrm>
-            <a:off x="3516283" y="4001294"/>
-            <a:ext cx="5159433" cy="2579717"/>
+            <a:off x="1800665" y="1361995"/>
+            <a:ext cx="9184808" cy="4419920"/>
           </a:xfrm>
-          <a:prstGeom prst="rect">
-            <a:avLst/>
-          </a:prstGeom>
-          <a:noFill/>
-          <a:extLst>
-            <a:ext uri="{909E8E84-426E-40DD-AFC4-6F175D3DCCD1}">
-              <a14:hiddenFill xmlns:a14="http://schemas.microsoft.com/office/drawing/2010/main">
-                <a:solidFill>
-                  <a:srgbClr val="FFFFFF"/>
-                </a:solidFill>
-              </a14:hiddenFill>
-            </a:ext>
-          </a:extLst>
         </p:spPr>
       </p:pic>
     </p:spTree>

--- a/Presentation/Gruppe10(Präsentation1).pptx
+++ b/Presentation/Gruppe10(Präsentation1).pptx
@@ -5,7 +5,7 @@
     <p:sldMasterId id="2147483870" r:id="rId1"/>
   </p:sldMasterIdLst>
   <p:notesMasterIdLst>
-    <p:notesMasterId r:id="rId12"/>
+    <p:notesMasterId r:id="rId13"/>
   </p:notesMasterIdLst>
   <p:sldIdLst>
     <p:sldId id="256" r:id="rId2"/>
@@ -17,7 +17,8 @@
     <p:sldId id="259" r:id="rId8"/>
     <p:sldId id="258" r:id="rId9"/>
     <p:sldId id="261" r:id="rId10"/>
-    <p:sldId id="267" r:id="rId11"/>
+    <p:sldId id="269" r:id="rId11"/>
+    <p:sldId id="267" r:id="rId12"/>
   </p:sldIdLst>
   <p:sldSz cx="12192000" cy="6858000"/>
   <p:notesSz cx="6858000" cy="9144000"/>
@@ -206,7 +207,7 @@
           <a:p>
             <a:fld id="{69C57565-D9A9-42DC-8E72-54DE571BFA9D}" type="datetimeFigureOut">
               <a:rPr lang="de-CH" smtClean="0"/>
-              <a:t>04.03.2025</a:t>
+              <a:t>05.03.2025</a:t>
             </a:fld>
             <a:endParaRPr lang="de-CH"/>
           </a:p>
@@ -365,7 +366,7 @@
           <a:p>
             <a:fld id="{B317077F-0BF6-4AB1-A0A2-447321C31DAC}" type="slidenum">
               <a:rPr lang="de-CH" smtClean="0"/>
-              <a:t>‹#›</a:t>
+              <a:t>‹Nr.›</a:t>
             </a:fld>
             <a:endParaRPr lang="de-CH"/>
           </a:p>
@@ -707,7 +708,7 @@
           <a:p>
             <a:fld id="{75010D13-5421-45FB-91B5-734B751F6B9F}" type="datetimeFigureOut">
               <a:rPr lang="de-CH" smtClean="0"/>
-              <a:t>04.03.2025</a:t>
+              <a:t>05.03.2025</a:t>
             </a:fld>
             <a:endParaRPr lang="de-CH"/>
           </a:p>
@@ -761,7 +762,7 @@
           <a:p>
             <a:fld id="{BD6BDAE4-A718-497F-BD43-B43AF474C268}" type="slidenum">
               <a:rPr lang="de-CH" smtClean="0"/>
-              <a:t>‹#›</a:t>
+              <a:t>‹Nr.›</a:t>
             </a:fld>
             <a:endParaRPr lang="de-CH"/>
           </a:p>
@@ -907,7 +908,7 @@
           <a:p>
             <a:fld id="{75010D13-5421-45FB-91B5-734B751F6B9F}" type="datetimeFigureOut">
               <a:rPr lang="de-CH" smtClean="0"/>
-              <a:t>04.03.2025</a:t>
+              <a:t>05.03.2025</a:t>
             </a:fld>
             <a:endParaRPr lang="de-CH"/>
           </a:p>
@@ -961,7 +962,7 @@
           <a:p>
             <a:fld id="{BD6BDAE4-A718-497F-BD43-B43AF474C268}" type="slidenum">
               <a:rPr lang="de-CH" smtClean="0"/>
-              <a:t>‹#›</a:t>
+              <a:t>‹Nr.›</a:t>
             </a:fld>
             <a:endParaRPr lang="de-CH"/>
           </a:p>
@@ -1117,7 +1118,7 @@
           <a:p>
             <a:fld id="{75010D13-5421-45FB-91B5-734B751F6B9F}" type="datetimeFigureOut">
               <a:rPr lang="de-CH" smtClean="0"/>
-              <a:t>04.03.2025</a:t>
+              <a:t>05.03.2025</a:t>
             </a:fld>
             <a:endParaRPr lang="de-CH"/>
           </a:p>
@@ -1171,7 +1172,7 @@
           <a:p>
             <a:fld id="{BD6BDAE4-A718-497F-BD43-B43AF474C268}" type="slidenum">
               <a:rPr lang="de-CH" smtClean="0"/>
-              <a:t>‹#›</a:t>
+              <a:t>‹Nr.›</a:t>
             </a:fld>
             <a:endParaRPr lang="de-CH"/>
           </a:p>
@@ -1317,7 +1318,7 @@
           <a:p>
             <a:fld id="{75010D13-5421-45FB-91B5-734B751F6B9F}" type="datetimeFigureOut">
               <a:rPr lang="de-CH" smtClean="0"/>
-              <a:t>04.03.2025</a:t>
+              <a:t>05.03.2025</a:t>
             </a:fld>
             <a:endParaRPr lang="de-CH"/>
           </a:p>
@@ -1371,7 +1372,7 @@
           <a:p>
             <a:fld id="{BD6BDAE4-A718-497F-BD43-B43AF474C268}" type="slidenum">
               <a:rPr lang="de-CH" smtClean="0"/>
-              <a:t>‹#›</a:t>
+              <a:t>‹Nr.›</a:t>
             </a:fld>
             <a:endParaRPr lang="de-CH"/>
           </a:p>
@@ -1593,7 +1594,7 @@
           <a:p>
             <a:fld id="{75010D13-5421-45FB-91B5-734B751F6B9F}" type="datetimeFigureOut">
               <a:rPr lang="de-CH" smtClean="0"/>
-              <a:t>04.03.2025</a:t>
+              <a:t>05.03.2025</a:t>
             </a:fld>
             <a:endParaRPr lang="de-CH"/>
           </a:p>
@@ -1647,7 +1648,7 @@
           <a:p>
             <a:fld id="{BD6BDAE4-A718-497F-BD43-B43AF474C268}" type="slidenum">
               <a:rPr lang="de-CH" smtClean="0"/>
-              <a:t>‹#›</a:t>
+              <a:t>‹Nr.›</a:t>
             </a:fld>
             <a:endParaRPr lang="de-CH"/>
           </a:p>
@@ -1861,7 +1862,7 @@
           <a:p>
             <a:fld id="{75010D13-5421-45FB-91B5-734B751F6B9F}" type="datetimeFigureOut">
               <a:rPr lang="de-CH" smtClean="0"/>
-              <a:t>04.03.2025</a:t>
+              <a:t>05.03.2025</a:t>
             </a:fld>
             <a:endParaRPr lang="de-CH"/>
           </a:p>
@@ -1915,7 +1916,7 @@
           <a:p>
             <a:fld id="{BD6BDAE4-A718-497F-BD43-B43AF474C268}" type="slidenum">
               <a:rPr lang="de-CH" smtClean="0"/>
-              <a:t>‹#›</a:t>
+              <a:t>‹Nr.›</a:t>
             </a:fld>
             <a:endParaRPr lang="de-CH"/>
           </a:p>
@@ -2276,7 +2277,7 @@
           <a:p>
             <a:fld id="{75010D13-5421-45FB-91B5-734B751F6B9F}" type="datetimeFigureOut">
               <a:rPr lang="de-CH" smtClean="0"/>
-              <a:t>04.03.2025</a:t>
+              <a:t>05.03.2025</a:t>
             </a:fld>
             <a:endParaRPr lang="de-CH"/>
           </a:p>
@@ -2330,7 +2331,7 @@
           <a:p>
             <a:fld id="{BD6BDAE4-A718-497F-BD43-B43AF474C268}" type="slidenum">
               <a:rPr lang="de-CH" smtClean="0"/>
-              <a:t>‹#›</a:t>
+              <a:t>‹Nr.›</a:t>
             </a:fld>
             <a:endParaRPr lang="de-CH"/>
           </a:p>
@@ -2418,7 +2419,7 @@
           <a:p>
             <a:fld id="{75010D13-5421-45FB-91B5-734B751F6B9F}" type="datetimeFigureOut">
               <a:rPr lang="de-CH" smtClean="0"/>
-              <a:t>04.03.2025</a:t>
+              <a:t>05.03.2025</a:t>
             </a:fld>
             <a:endParaRPr lang="de-CH"/>
           </a:p>
@@ -2472,7 +2473,7 @@
           <a:p>
             <a:fld id="{BD6BDAE4-A718-497F-BD43-B43AF474C268}" type="slidenum">
               <a:rPr lang="de-CH" smtClean="0"/>
-              <a:t>‹#›</a:t>
+              <a:t>‹Nr.›</a:t>
             </a:fld>
             <a:endParaRPr lang="de-CH"/>
           </a:p>
@@ -2531,7 +2532,7 @@
           <a:p>
             <a:fld id="{75010D13-5421-45FB-91B5-734B751F6B9F}" type="datetimeFigureOut">
               <a:rPr lang="de-CH" smtClean="0"/>
-              <a:t>04.03.2025</a:t>
+              <a:t>05.03.2025</a:t>
             </a:fld>
             <a:endParaRPr lang="de-CH"/>
           </a:p>
@@ -2585,7 +2586,7 @@
           <a:p>
             <a:fld id="{BD6BDAE4-A718-497F-BD43-B43AF474C268}" type="slidenum">
               <a:rPr lang="de-CH" smtClean="0"/>
-              <a:t>‹#›</a:t>
+              <a:t>‹Nr.›</a:t>
             </a:fld>
             <a:endParaRPr lang="de-CH"/>
           </a:p>
@@ -2844,7 +2845,7 @@
           <a:p>
             <a:fld id="{75010D13-5421-45FB-91B5-734B751F6B9F}" type="datetimeFigureOut">
               <a:rPr lang="de-CH" smtClean="0"/>
-              <a:t>04.03.2025</a:t>
+              <a:t>05.03.2025</a:t>
             </a:fld>
             <a:endParaRPr lang="de-CH"/>
           </a:p>
@@ -2898,7 +2899,7 @@
           <a:p>
             <a:fld id="{BD6BDAE4-A718-497F-BD43-B43AF474C268}" type="slidenum">
               <a:rPr lang="de-CH" smtClean="0"/>
-              <a:t>‹#›</a:t>
+              <a:t>‹Nr.›</a:t>
             </a:fld>
             <a:endParaRPr lang="de-CH"/>
           </a:p>
@@ -3133,7 +3134,7 @@
           <a:p>
             <a:fld id="{75010D13-5421-45FB-91B5-734B751F6B9F}" type="datetimeFigureOut">
               <a:rPr lang="de-CH" smtClean="0"/>
-              <a:t>04.03.2025</a:t>
+              <a:t>05.03.2025</a:t>
             </a:fld>
             <a:endParaRPr lang="de-CH"/>
           </a:p>
@@ -3187,7 +3188,7 @@
           <a:p>
             <a:fld id="{BD6BDAE4-A718-497F-BD43-B43AF474C268}" type="slidenum">
               <a:rPr lang="de-CH" smtClean="0"/>
-              <a:t>‹#›</a:t>
+              <a:t>‹Nr.›</a:t>
             </a:fld>
             <a:endParaRPr lang="de-CH"/>
           </a:p>
@@ -3376,7 +3377,7 @@
           <a:p>
             <a:fld id="{75010D13-5421-45FB-91B5-734B751F6B9F}" type="datetimeFigureOut">
               <a:rPr lang="de-CH" smtClean="0"/>
-              <a:t>04.03.2025</a:t>
+              <a:t>05.03.2025</a:t>
             </a:fld>
             <a:endParaRPr lang="de-CH"/>
           </a:p>
@@ -3466,7 +3467,7 @@
           <a:p>
             <a:fld id="{BD6BDAE4-A718-497F-BD43-B43AF474C268}" type="slidenum">
               <a:rPr lang="de-CH" smtClean="0"/>
-              <a:t>‹#›</a:t>
+              <a:t>‹Nr.›</a:t>
             </a:fld>
             <a:endParaRPr lang="de-CH"/>
           </a:p>
@@ -3962,6 +3963,191 @@
       </p:grpSpPr>
       <p:sp>
         <p:nvSpPr>
+          <p:cNvPr id="2" name="Titel 1">
+            <a:extLst>
+              <a:ext uri="{FF2B5EF4-FFF2-40B4-BE49-F238E27FC236}">
+                <a16:creationId xmlns:a16="http://schemas.microsoft.com/office/drawing/2014/main" id="{92611ABC-1AC3-632D-FFAB-3D4795BAB71D}"/>
+              </a:ext>
+            </a:extLst>
+          </p:cNvPr>
+          <p:cNvSpPr>
+            <a:spLocks noGrp="1"/>
+          </p:cNvSpPr>
+          <p:nvPr>
+            <p:ph type="title"/>
+          </p:nvPr>
+        </p:nvSpPr>
+        <p:spPr/>
+        <p:txBody>
+          <a:bodyPr/>
+          <a:lstStyle/>
+          <a:p>
+            <a:pPr algn="ctr"/>
+            <a:r>
+              <a:rPr lang="de-CH" dirty="0"/>
+              <a:t>Aufgabenteilung</a:t>
+            </a:r>
+          </a:p>
+        </p:txBody>
+      </p:sp>
+      <p:sp>
+        <p:nvSpPr>
+          <p:cNvPr id="3" name="Inhaltsplatzhalter 2">
+            <a:extLst>
+              <a:ext uri="{FF2B5EF4-FFF2-40B4-BE49-F238E27FC236}">
+                <a16:creationId xmlns:a16="http://schemas.microsoft.com/office/drawing/2014/main" id="{3353EFDD-0028-8DC7-C182-3328F8E172C1}"/>
+              </a:ext>
+            </a:extLst>
+          </p:cNvPr>
+          <p:cNvSpPr>
+            <a:spLocks noGrp="1"/>
+          </p:cNvSpPr>
+          <p:nvPr>
+            <p:ph idx="1"/>
+          </p:nvPr>
+        </p:nvSpPr>
+        <p:spPr>
+          <a:xfrm>
+            <a:off x="838200" y="1581020"/>
+            <a:ext cx="7956665" cy="3639373"/>
+          </a:xfrm>
+        </p:spPr>
+        <p:txBody>
+          <a:bodyPr>
+            <a:noAutofit/>
+          </a:bodyPr>
+          <a:lstStyle/>
+          <a:p>
+            <a:r>
+              <a:rPr lang="de-CH" dirty="0"/>
+              <a:t>Client: Jonas, Marvin</a:t>
+            </a:r>
+          </a:p>
+          <a:p>
+            <a:r>
+              <a:rPr lang="de-CH" dirty="0"/>
+              <a:t>Server: Max, Nicolas</a:t>
+            </a:r>
+          </a:p>
+          <a:p>
+            <a:r>
+              <a:rPr lang="de-CH" dirty="0" err="1"/>
+              <a:t>Map</a:t>
+            </a:r>
+            <a:r>
+              <a:rPr lang="de-CH" dirty="0"/>
+              <a:t>-Design: Max</a:t>
+            </a:r>
+          </a:p>
+          <a:p>
+            <a:r>
+              <a:rPr lang="de-CH" dirty="0" err="1"/>
+              <a:t>Balancing</a:t>
+            </a:r>
+            <a:r>
+              <a:rPr lang="de-CH" dirty="0"/>
+              <a:t>: Nicolas</a:t>
+            </a:r>
+          </a:p>
+          <a:p>
+            <a:r>
+              <a:rPr lang="de-CH" dirty="0"/>
+              <a:t>Graphics: Jonas</a:t>
+            </a:r>
+          </a:p>
+          <a:p>
+            <a:r>
+              <a:rPr lang="de-CH" dirty="0"/>
+              <a:t>Diary: Marvin</a:t>
+            </a:r>
+          </a:p>
+          <a:p>
+            <a:r>
+              <a:rPr lang="de-CH" dirty="0"/>
+              <a:t>Unit-Test: Alle</a:t>
+            </a:r>
+          </a:p>
+        </p:txBody>
+      </p:sp>
+      <p:pic>
+        <p:nvPicPr>
+          <p:cNvPr id="1026" name="Picture 2" descr="Playboi Carti Standing Goat | SiIvaGunner Wiki | Fandom">
+            <a:extLst>
+              <a:ext uri="{FF2B5EF4-FFF2-40B4-BE49-F238E27FC236}">
+                <a16:creationId xmlns:a16="http://schemas.microsoft.com/office/drawing/2014/main" id="{3785E0F4-A879-49D2-D6BC-6D2C9CBDE23A}"/>
+              </a:ext>
+            </a:extLst>
+          </p:cNvPr>
+          <p:cNvPicPr>
+            <a:picLocks noChangeAspect="1" noChangeArrowheads="1"/>
+          </p:cNvPicPr>
+          <p:nvPr/>
+        </p:nvPicPr>
+        <p:blipFill>
+          <a:blip r:embed="rId2">
+            <a:extLst>
+              <a:ext uri="{28A0092B-C50C-407E-A947-70E740481C1C}">
+                <a14:useLocalDpi xmlns:a14="http://schemas.microsoft.com/office/drawing/2010/main" val="0"/>
+              </a:ext>
+            </a:extLst>
+          </a:blip>
+          <a:srcRect/>
+          <a:stretch>
+            <a:fillRect/>
+          </a:stretch>
+        </p:blipFill>
+        <p:spPr bwMode="auto">
+          <a:xfrm>
+            <a:off x="4816532" y="1609313"/>
+            <a:ext cx="2047147" cy="3639373"/>
+          </a:xfrm>
+          <a:prstGeom prst="rect">
+            <a:avLst/>
+          </a:prstGeom>
+          <a:noFill/>
+          <a:extLst>
+            <a:ext uri="{909E8E84-426E-40DD-AFC4-6F175D3DCCD1}">
+              <a14:hiddenFill xmlns:a14="http://schemas.microsoft.com/office/drawing/2010/main">
+                <a:solidFill>
+                  <a:srgbClr val="FFFFFF"/>
+                </a:solidFill>
+              </a14:hiddenFill>
+            </a:ext>
+          </a:extLst>
+        </p:spPr>
+      </p:pic>
+    </p:spTree>
+    <p:extLst>
+      <p:ext uri="{BB962C8B-B14F-4D97-AF65-F5344CB8AC3E}">
+        <p14:creationId xmlns:p14="http://schemas.microsoft.com/office/powerpoint/2010/main" val="1469767190"/>
+      </p:ext>
+    </p:extLst>
+  </p:cSld>
+  <p:clrMapOvr>
+    <a:masterClrMapping/>
+  </p:clrMapOvr>
+</p:sld>
+</file>
+
+<file path=ppt/slides/slide11.xml><?xml version="1.0" encoding="utf-8"?>
+<p:sld xmlns:a="http://schemas.openxmlformats.org/drawingml/2006/main" xmlns:r="http://schemas.openxmlformats.org/officeDocument/2006/relationships" xmlns:p="http://schemas.openxmlformats.org/presentationml/2006/main">
+  <p:cSld>
+    <p:spTree>
+      <p:nvGrpSpPr>
+        <p:cNvPr id="1" name=""/>
+        <p:cNvGrpSpPr/>
+        <p:nvPr/>
+      </p:nvGrpSpPr>
+      <p:grpSpPr>
+        <a:xfrm>
+          <a:off x="0" y="0"/>
+          <a:ext cx="0" cy="0"/>
+          <a:chOff x="0" y="0"/>
+          <a:chExt cx="0" cy="0"/>
+        </a:xfrm>
+      </p:grpSpPr>
+      <p:sp>
+        <p:nvSpPr>
           <p:cNvPr id="2" name="Title 1">
             <a:extLst>
               <a:ext uri="{FF2B5EF4-FFF2-40B4-BE49-F238E27FC236}">
@@ -4128,6 +4314,53 @@
           </a:xfrm>
         </p:spPr>
       </p:pic>
+      <p:pic>
+        <p:nvPicPr>
+          <p:cNvPr id="2050" name="Picture 2" descr="I googled &quot;white background&quot; and saved this image. Later, I found out this  is not a real white background... (zoom in) : r/mildlyinfuriating">
+            <a:extLst>
+              <a:ext uri="{FF2B5EF4-FFF2-40B4-BE49-F238E27FC236}">
+                <a16:creationId xmlns:a16="http://schemas.microsoft.com/office/drawing/2014/main" id="{91615CCA-037B-F654-1176-24AB8299EA0C}"/>
+              </a:ext>
+            </a:extLst>
+          </p:cNvPr>
+          <p:cNvPicPr>
+            <a:picLocks noChangeAspect="1" noChangeArrowheads="1"/>
+          </p:cNvPicPr>
+          <p:nvPr/>
+        </p:nvPicPr>
+        <p:blipFill>
+          <a:blip r:embed="rId3">
+            <a:extLst>
+              <a:ext uri="{28A0092B-C50C-407E-A947-70E740481C1C}">
+                <a14:useLocalDpi xmlns:a14="http://schemas.microsoft.com/office/drawing/2010/main" val="0"/>
+              </a:ext>
+            </a:extLst>
+          </a:blip>
+          <a:srcRect/>
+          <a:stretch>
+            <a:fillRect/>
+          </a:stretch>
+        </p:blipFill>
+        <p:spPr bwMode="auto">
+          <a:xfrm>
+            <a:off x="9626138" y="5358574"/>
+            <a:ext cx="2565862" cy="1499426"/>
+          </a:xfrm>
+          <a:prstGeom prst="rect">
+            <a:avLst/>
+          </a:prstGeom>
+          <a:noFill/>
+          <a:extLst>
+            <a:ext uri="{909E8E84-426E-40DD-AFC4-6F175D3DCCD1}">
+              <a14:hiddenFill xmlns:a14="http://schemas.microsoft.com/office/drawing/2010/main">
+                <a:solidFill>
+                  <a:srgbClr val="FFFFFF"/>
+                </a:solidFill>
+              </a14:hiddenFill>
+            </a:ext>
+          </a:extLst>
+        </p:spPr>
+      </p:pic>
     </p:spTree>
     <p:extLst>
       <p:ext uri="{BB962C8B-B14F-4D97-AF65-F5344CB8AC3E}">
@@ -4193,7 +4426,7 @@
             </a:r>
             <a:r>
               <a:rPr lang="de-CH" sz="6000" dirty="0" err="1"/>
-              <a:t>iGoat</a:t>
+              <a:t>iGOAT</a:t>
             </a:r>
             <a:r>
               <a:rPr lang="de-CH" sz="6000" dirty="0"/>
@@ -4334,7 +4567,7 @@
             <a:pPr algn="ctr"/>
             <a:r>
               <a:rPr lang="de-CH" sz="3200" dirty="0"/>
-              <a:t>Roboter und Ziegen wollen fliehen.</a:t>
+              <a:t>Roboter und Ziegen wollen fliehen</a:t>
             </a:r>
           </a:p>
         </p:txBody>
@@ -5132,6 +5365,7 @@
           <a:bodyPr/>
           <a:lstStyle/>
           <a:p>
+            <a:pPr algn="ctr"/>
             <a:r>
               <a:rPr lang="de-CH" dirty="0"/>
               <a:t>Networking</a:t>
@@ -5432,13 +5666,14 @@
           <a:bodyPr/>
           <a:lstStyle/>
           <a:p>
+            <a:pPr algn="ctr"/>
             <a:r>
               <a:rPr lang="de-CH" dirty="0"/>
               <a:t>Software </a:t>
             </a:r>
             <a:r>
               <a:rPr lang="de-CH" dirty="0" err="1"/>
-              <a:t>requirements</a:t>
+              <a:t>Requirements</a:t>
             </a:r>
             <a:endParaRPr lang="de-CH" dirty="0"/>
           </a:p>
@@ -5545,6 +5780,7 @@
           <a:bodyPr/>
           <a:lstStyle/>
           <a:p>
+            <a:pPr algn="ctr"/>
             <a:r>
               <a:rPr lang="de-CH" dirty="0"/>
               <a:t>Projekt Plan</a:t>

--- a/Presentation/Gruppe10(Präsentation1).pptx
+++ b/Presentation/Gruppe10(Präsentation1).pptx
@@ -207,7 +207,7 @@
           <a:p>
             <a:fld id="{69C57565-D9A9-42DC-8E72-54DE571BFA9D}" type="datetimeFigureOut">
               <a:rPr lang="de-CH" smtClean="0"/>
-              <a:t>05.03.2025</a:t>
+              <a:t>06.03.25</a:t>
             </a:fld>
             <a:endParaRPr lang="de-CH"/>
           </a:p>
@@ -366,7 +366,7 @@
           <a:p>
             <a:fld id="{B317077F-0BF6-4AB1-A0A2-447321C31DAC}" type="slidenum">
               <a:rPr lang="de-CH" smtClean="0"/>
-              <a:t>‹Nr.›</a:t>
+              <a:t>‹#›</a:t>
             </a:fld>
             <a:endParaRPr lang="de-CH"/>
           </a:p>
@@ -708,7 +708,7 @@
           <a:p>
             <a:fld id="{75010D13-5421-45FB-91B5-734B751F6B9F}" type="datetimeFigureOut">
               <a:rPr lang="de-CH" smtClean="0"/>
-              <a:t>05.03.2025</a:t>
+              <a:t>06.03.25</a:t>
             </a:fld>
             <a:endParaRPr lang="de-CH"/>
           </a:p>
@@ -762,7 +762,7 @@
           <a:p>
             <a:fld id="{BD6BDAE4-A718-497F-BD43-B43AF474C268}" type="slidenum">
               <a:rPr lang="de-CH" smtClean="0"/>
-              <a:t>‹Nr.›</a:t>
+              <a:t>‹#›</a:t>
             </a:fld>
             <a:endParaRPr lang="de-CH"/>
           </a:p>
@@ -908,7 +908,7 @@
           <a:p>
             <a:fld id="{75010D13-5421-45FB-91B5-734B751F6B9F}" type="datetimeFigureOut">
               <a:rPr lang="de-CH" smtClean="0"/>
-              <a:t>05.03.2025</a:t>
+              <a:t>06.03.25</a:t>
             </a:fld>
             <a:endParaRPr lang="de-CH"/>
           </a:p>
@@ -962,7 +962,7 @@
           <a:p>
             <a:fld id="{BD6BDAE4-A718-497F-BD43-B43AF474C268}" type="slidenum">
               <a:rPr lang="de-CH" smtClean="0"/>
-              <a:t>‹Nr.›</a:t>
+              <a:t>‹#›</a:t>
             </a:fld>
             <a:endParaRPr lang="de-CH"/>
           </a:p>
@@ -1118,7 +1118,7 @@
           <a:p>
             <a:fld id="{75010D13-5421-45FB-91B5-734B751F6B9F}" type="datetimeFigureOut">
               <a:rPr lang="de-CH" smtClean="0"/>
-              <a:t>05.03.2025</a:t>
+              <a:t>06.03.25</a:t>
             </a:fld>
             <a:endParaRPr lang="de-CH"/>
           </a:p>
@@ -1172,7 +1172,7 @@
           <a:p>
             <a:fld id="{BD6BDAE4-A718-497F-BD43-B43AF474C268}" type="slidenum">
               <a:rPr lang="de-CH" smtClean="0"/>
-              <a:t>‹Nr.›</a:t>
+              <a:t>‹#›</a:t>
             </a:fld>
             <a:endParaRPr lang="de-CH"/>
           </a:p>
@@ -1318,7 +1318,7 @@
           <a:p>
             <a:fld id="{75010D13-5421-45FB-91B5-734B751F6B9F}" type="datetimeFigureOut">
               <a:rPr lang="de-CH" smtClean="0"/>
-              <a:t>05.03.2025</a:t>
+              <a:t>06.03.25</a:t>
             </a:fld>
             <a:endParaRPr lang="de-CH"/>
           </a:p>
@@ -1372,7 +1372,7 @@
           <a:p>
             <a:fld id="{BD6BDAE4-A718-497F-BD43-B43AF474C268}" type="slidenum">
               <a:rPr lang="de-CH" smtClean="0"/>
-              <a:t>‹Nr.›</a:t>
+              <a:t>‹#›</a:t>
             </a:fld>
             <a:endParaRPr lang="de-CH"/>
           </a:p>
@@ -1594,7 +1594,7 @@
           <a:p>
             <a:fld id="{75010D13-5421-45FB-91B5-734B751F6B9F}" type="datetimeFigureOut">
               <a:rPr lang="de-CH" smtClean="0"/>
-              <a:t>05.03.2025</a:t>
+              <a:t>06.03.25</a:t>
             </a:fld>
             <a:endParaRPr lang="de-CH"/>
           </a:p>
@@ -1648,7 +1648,7 @@
           <a:p>
             <a:fld id="{BD6BDAE4-A718-497F-BD43-B43AF474C268}" type="slidenum">
               <a:rPr lang="de-CH" smtClean="0"/>
-              <a:t>‹Nr.›</a:t>
+              <a:t>‹#›</a:t>
             </a:fld>
             <a:endParaRPr lang="de-CH"/>
           </a:p>
@@ -1862,7 +1862,7 @@
           <a:p>
             <a:fld id="{75010D13-5421-45FB-91B5-734B751F6B9F}" type="datetimeFigureOut">
               <a:rPr lang="de-CH" smtClean="0"/>
-              <a:t>05.03.2025</a:t>
+              <a:t>06.03.25</a:t>
             </a:fld>
             <a:endParaRPr lang="de-CH"/>
           </a:p>
@@ -1916,7 +1916,7 @@
           <a:p>
             <a:fld id="{BD6BDAE4-A718-497F-BD43-B43AF474C268}" type="slidenum">
               <a:rPr lang="de-CH" smtClean="0"/>
-              <a:t>‹Nr.›</a:t>
+              <a:t>‹#›</a:t>
             </a:fld>
             <a:endParaRPr lang="de-CH"/>
           </a:p>
@@ -2277,7 +2277,7 @@
           <a:p>
             <a:fld id="{75010D13-5421-45FB-91B5-734B751F6B9F}" type="datetimeFigureOut">
               <a:rPr lang="de-CH" smtClean="0"/>
-              <a:t>05.03.2025</a:t>
+              <a:t>06.03.25</a:t>
             </a:fld>
             <a:endParaRPr lang="de-CH"/>
           </a:p>
@@ -2331,7 +2331,7 @@
           <a:p>
             <a:fld id="{BD6BDAE4-A718-497F-BD43-B43AF474C268}" type="slidenum">
               <a:rPr lang="de-CH" smtClean="0"/>
-              <a:t>‹Nr.›</a:t>
+              <a:t>‹#›</a:t>
             </a:fld>
             <a:endParaRPr lang="de-CH"/>
           </a:p>
@@ -2419,7 +2419,7 @@
           <a:p>
             <a:fld id="{75010D13-5421-45FB-91B5-734B751F6B9F}" type="datetimeFigureOut">
               <a:rPr lang="de-CH" smtClean="0"/>
-              <a:t>05.03.2025</a:t>
+              <a:t>06.03.25</a:t>
             </a:fld>
             <a:endParaRPr lang="de-CH"/>
           </a:p>
@@ -2473,7 +2473,7 @@
           <a:p>
             <a:fld id="{BD6BDAE4-A718-497F-BD43-B43AF474C268}" type="slidenum">
               <a:rPr lang="de-CH" smtClean="0"/>
-              <a:t>‹Nr.›</a:t>
+              <a:t>‹#›</a:t>
             </a:fld>
             <a:endParaRPr lang="de-CH"/>
           </a:p>
@@ -2532,7 +2532,7 @@
           <a:p>
             <a:fld id="{75010D13-5421-45FB-91B5-734B751F6B9F}" type="datetimeFigureOut">
               <a:rPr lang="de-CH" smtClean="0"/>
-              <a:t>05.03.2025</a:t>
+              <a:t>06.03.25</a:t>
             </a:fld>
             <a:endParaRPr lang="de-CH"/>
           </a:p>
@@ -2586,7 +2586,7 @@
           <a:p>
             <a:fld id="{BD6BDAE4-A718-497F-BD43-B43AF474C268}" type="slidenum">
               <a:rPr lang="de-CH" smtClean="0"/>
-              <a:t>‹Nr.›</a:t>
+              <a:t>‹#›</a:t>
             </a:fld>
             <a:endParaRPr lang="de-CH"/>
           </a:p>
@@ -2845,7 +2845,7 @@
           <a:p>
             <a:fld id="{75010D13-5421-45FB-91B5-734B751F6B9F}" type="datetimeFigureOut">
               <a:rPr lang="de-CH" smtClean="0"/>
-              <a:t>05.03.2025</a:t>
+              <a:t>06.03.25</a:t>
             </a:fld>
             <a:endParaRPr lang="de-CH"/>
           </a:p>
@@ -2899,7 +2899,7 @@
           <a:p>
             <a:fld id="{BD6BDAE4-A718-497F-BD43-B43AF474C268}" type="slidenum">
               <a:rPr lang="de-CH" smtClean="0"/>
-              <a:t>‹Nr.›</a:t>
+              <a:t>‹#›</a:t>
             </a:fld>
             <a:endParaRPr lang="de-CH"/>
           </a:p>
@@ -3134,7 +3134,7 @@
           <a:p>
             <a:fld id="{75010D13-5421-45FB-91B5-734B751F6B9F}" type="datetimeFigureOut">
               <a:rPr lang="de-CH" smtClean="0"/>
-              <a:t>05.03.2025</a:t>
+              <a:t>06.03.25</a:t>
             </a:fld>
             <a:endParaRPr lang="de-CH"/>
           </a:p>
@@ -3188,7 +3188,7 @@
           <a:p>
             <a:fld id="{BD6BDAE4-A718-497F-BD43-B43AF474C268}" type="slidenum">
               <a:rPr lang="de-CH" smtClean="0"/>
-              <a:t>‹Nr.›</a:t>
+              <a:t>‹#›</a:t>
             </a:fld>
             <a:endParaRPr lang="de-CH"/>
           </a:p>
@@ -3377,7 +3377,7 @@
           <a:p>
             <a:fld id="{75010D13-5421-45FB-91B5-734B751F6B9F}" type="datetimeFigureOut">
               <a:rPr lang="de-CH" smtClean="0"/>
-              <a:t>05.03.2025</a:t>
+              <a:t>06.03.25</a:t>
             </a:fld>
             <a:endParaRPr lang="de-CH"/>
           </a:p>
@@ -3467,7 +3467,7 @@
           <a:p>
             <a:fld id="{BD6BDAE4-A718-497F-BD43-B43AF474C268}" type="slidenum">
               <a:rPr lang="de-CH" smtClean="0"/>
-              <a:t>‹Nr.›</a:t>
+              <a:t>‹#›</a:t>
             </a:fld>
             <a:endParaRPr lang="de-CH"/>
           </a:p>
@@ -5430,15 +5430,7 @@
           <a:p>
             <a:r>
               <a:rPr lang="de-CH" sz="2400" dirty="0"/>
-              <a:t>Game </a:t>
-            </a:r>
-            <a:r>
-              <a:rPr lang="de-CH" sz="2400" dirty="0" err="1"/>
-              <a:t>state</a:t>
-            </a:r>
-            <a:r>
-              <a:rPr lang="de-CH" sz="2400" dirty="0"/>
-              <a:t> vom Server erhalten lokal entsprechend updaten</a:t>
+              <a:t>Game State vom Server erhalten lokal entsprechend updaten</a:t>
             </a:r>
           </a:p>
           <a:p>
